--- a/Courses/Applied-Programmer/Programming-Fundamentals/02-Типове-данни/05.Типове-данни-целочислени-типове-данни.pptx
+++ b/Courses/Applied-Programmer/Programming-Fundamentals/02-Типове-данни/05.Типове-данни-целочислени-типове-данни.pptx
@@ -519,7 +519,7 @@
             <a:fld id="{FE5B4EDC-59C0-49C7-8ADA-5A781B329E02}" type="datetimeFigureOut">
               <a:rPr lang="en-US"/>
               <a:pPr/>
-              <a:t>16-Dec-19</a:t>
+              <a:t>04-Nov-20</a:t>
             </a:fld>
             <a:endParaRPr dirty="0"/>
           </a:p>
@@ -817,7 +817,7 @@
             <a:fld id="{F2D8D46A-B586-417D-BFBD-8C8FE0AAF762}" type="datetimeFigureOut">
               <a:rPr lang="en-US" smtClean="0"/>
               <a:pPr/>
-              <a:t>16-Dec-19</a:t>
+              <a:t>04-Nov-20</a:t>
             </a:fld>
             <a:endParaRPr lang="en-US" dirty="0"/>
           </a:p>
@@ -8397,6 +8397,56 @@
                 </a:prstClr>
               </a:solidFill>
             </a:endParaRPr>
+          </a:p>
+        </p:txBody>
+      </p:sp>
+      <p:sp>
+        <p:nvSpPr>
+          <p:cNvPr id="9" name="TextBox 8">
+            <a:extLst>
+              <a:ext uri="{FF2B5EF4-FFF2-40B4-BE49-F238E27FC236}">
+                <a16:creationId xmlns:a16="http://schemas.microsoft.com/office/drawing/2014/main" id="{9D6EB5DD-1DFC-4C40-8D70-6A12F636600D}"/>
+              </a:ext>
+            </a:extLst>
+          </p:cNvPr>
+          <p:cNvSpPr txBox="1"/>
+          <p:nvPr/>
+        </p:nvSpPr>
+        <p:spPr>
+          <a:xfrm>
+            <a:off x="1592598" y="6177028"/>
+            <a:ext cx="8927428" cy="369332"/>
+          </a:xfrm>
+          <a:prstGeom prst="rect">
+            <a:avLst/>
+          </a:prstGeom>
+          <a:noFill/>
+        </p:spPr>
+        <p:txBody>
+          <a:bodyPr wrap="square">
+            <a:spAutoFit/>
+          </a:bodyPr>
+          <a:lstStyle/>
+          <a:p>
+            <a:pPr algn="ctr"/>
+            <a:r>
+              <a:rPr lang="bg-BG" sz="1800" dirty="0"/>
+              <a:t>Тествайте в </a:t>
+            </a:r>
+            <a:r>
+              <a:rPr lang="en-US" sz="1800" dirty="0"/>
+              <a:t>judge: </a:t>
+            </a:r>
+            <a:r>
+              <a:rPr lang="en-US" sz="1800" dirty="0">
+                <a:hlinkClick r:id="rId2"/>
+              </a:rPr>
+              <a:t>https://judge.softuni.bg/Contests/Practice/Index/2647</a:t>
+            </a:r>
+            <a:r>
+              <a:rPr lang="en-US" sz="1800" dirty="0"/>
+              <a:t> </a:t>
+            </a:r>
           </a:p>
         </p:txBody>
       </p:sp>

--- a/Courses/Applied-Programmer/Programming-Fundamentals/02-Типове-данни/05.Типове-данни-целочислени-типове-данни.pptx
+++ b/Courses/Applied-Programmer/Programming-Fundamentals/02-Типове-данни/05.Типове-данни-целочислени-типове-данни.pptx
@@ -208,160 +208,6 @@
 </p:cmAuthorLst>
 </file>
 
-<file path=ppt/comments/comment1.xml><?xml version="1.0" encoding="utf-8"?>
-<p:cmLst xmlns:a="http://schemas.openxmlformats.org/drawingml/2006/main" xmlns:r="http://schemas.openxmlformats.org/officeDocument/2006/relationships" xmlns:p="http://schemas.openxmlformats.org/presentationml/2006/main">
-  <p:cm authorId="1" dt="2018-01-15T00:06:48.933" idx="2">
-    <p:pos x="10" y="10"/>
-    <p:text>1 мин</p:text>
-    <p:extLst>
-      <p:ext uri="{C676402C-5697-4E1C-873F-D02D1690AC5C}">
-        <p15:threadingInfo xmlns:p15="http://schemas.microsoft.com/office/powerpoint/2012/main" timeZoneBias="-120"/>
-      </p:ext>
-    </p:extLst>
-  </p:cm>
-</p:cmLst>
-</file>
-
-<file path=ppt/comments/comment10.xml><?xml version="1.0" encoding="utf-8"?>
-<p:cmLst xmlns:a="http://schemas.openxmlformats.org/drawingml/2006/main" xmlns:r="http://schemas.openxmlformats.org/officeDocument/2006/relationships" xmlns:p="http://schemas.openxmlformats.org/presentationml/2006/main">
-  <p:cm authorId="1" dt="2018-01-15T00:08:56.212" idx="11">
-    <p:pos x="10" y="10"/>
-    <p:text>3 минути</p:text>
-    <p:extLst>
-      <p:ext uri="{C676402C-5697-4E1C-873F-D02D1690AC5C}">
-        <p15:threadingInfo xmlns:p15="http://schemas.microsoft.com/office/powerpoint/2012/main" timeZoneBias="-120"/>
-      </p:ext>
-    </p:extLst>
-  </p:cm>
-</p:cmLst>
-</file>
-
-<file path=ppt/comments/comment11.xml><?xml version="1.0" encoding="utf-8"?>
-<p:cmLst xmlns:a="http://schemas.openxmlformats.org/drawingml/2006/main" xmlns:r="http://schemas.openxmlformats.org/officeDocument/2006/relationships" xmlns:p="http://schemas.openxmlformats.org/presentationml/2006/main">
-  <p:cm authorId="1" dt="2018-01-15T00:09:07.415" idx="12">
-    <p:pos x="10" y="10"/>
-    <p:text>2 минути</p:text>
-    <p:extLst>
-      <p:ext uri="{C676402C-5697-4E1C-873F-D02D1690AC5C}">
-        <p15:threadingInfo xmlns:p15="http://schemas.microsoft.com/office/powerpoint/2012/main" timeZoneBias="-120"/>
-      </p:ext>
-    </p:extLst>
-  </p:cm>
-</p:cmLst>
-</file>
-
-<file path=ppt/comments/comment2.xml><?xml version="1.0" encoding="utf-8"?>
-<p:cmLst xmlns:a="http://schemas.openxmlformats.org/drawingml/2006/main" xmlns:r="http://schemas.openxmlformats.org/officeDocument/2006/relationships" xmlns:p="http://schemas.openxmlformats.org/presentationml/2006/main">
-  <p:cm authorId="1" dt="2018-01-15T00:06:54.629" idx="3">
-    <p:pos x="10" y="10"/>
-    <p:text>1 минута</p:text>
-    <p:extLst>
-      <p:ext uri="{C676402C-5697-4E1C-873F-D02D1690AC5C}">
-        <p15:threadingInfo xmlns:p15="http://schemas.microsoft.com/office/powerpoint/2012/main" timeZoneBias="-120"/>
-      </p:ext>
-    </p:extLst>
-  </p:cm>
-</p:cmLst>
-</file>
-
-<file path=ppt/comments/comment3.xml><?xml version="1.0" encoding="utf-8"?>
-<p:cmLst xmlns:a="http://schemas.openxmlformats.org/drawingml/2006/main" xmlns:r="http://schemas.openxmlformats.org/officeDocument/2006/relationships" xmlns:p="http://schemas.openxmlformats.org/presentationml/2006/main">
-  <p:cm authorId="1" dt="2018-01-15T00:07:04.665" idx="4">
-    <p:pos x="10" y="10"/>
-    <p:text>2 минути</p:text>
-    <p:extLst>
-      <p:ext uri="{C676402C-5697-4E1C-873F-D02D1690AC5C}">
-        <p15:threadingInfo xmlns:p15="http://schemas.microsoft.com/office/powerpoint/2012/main" timeZoneBias="-120"/>
-      </p:ext>
-    </p:extLst>
-  </p:cm>
-</p:cmLst>
-</file>
-
-<file path=ppt/comments/comment4.xml><?xml version="1.0" encoding="utf-8"?>
-<p:cmLst xmlns:a="http://schemas.openxmlformats.org/drawingml/2006/main" xmlns:r="http://schemas.openxmlformats.org/officeDocument/2006/relationships" xmlns:p="http://schemas.openxmlformats.org/presentationml/2006/main">
-  <p:cm authorId="1" dt="2018-01-15T00:07:13.802" idx="5">
-    <p:pos x="10" y="10"/>
-    <p:text>2 минути</p:text>
-    <p:extLst>
-      <p:ext uri="{C676402C-5697-4E1C-873F-D02D1690AC5C}">
-        <p15:threadingInfo xmlns:p15="http://schemas.microsoft.com/office/powerpoint/2012/main" timeZoneBias="-120"/>
-      </p:ext>
-    </p:extLst>
-  </p:cm>
-</p:cmLst>
-</file>
-
-<file path=ppt/comments/comment5.xml><?xml version="1.0" encoding="utf-8"?>
-<p:cmLst xmlns:a="http://schemas.openxmlformats.org/drawingml/2006/main" xmlns:r="http://schemas.openxmlformats.org/officeDocument/2006/relationships" xmlns:p="http://schemas.openxmlformats.org/presentationml/2006/main">
-  <p:cm authorId="1" dt="2018-01-15T00:07:22.209" idx="6">
-    <p:pos x="10" y="10"/>
-    <p:text>2 минути</p:text>
-    <p:extLst>
-      <p:ext uri="{C676402C-5697-4E1C-873F-D02D1690AC5C}">
-        <p15:threadingInfo xmlns:p15="http://schemas.microsoft.com/office/powerpoint/2012/main" timeZoneBias="-120"/>
-      </p:ext>
-    </p:extLst>
-  </p:cm>
-</p:cmLst>
-</file>
-
-<file path=ppt/comments/comment6.xml><?xml version="1.0" encoding="utf-8"?>
-<p:cmLst xmlns:a="http://schemas.openxmlformats.org/drawingml/2006/main" xmlns:r="http://schemas.openxmlformats.org/officeDocument/2006/relationships" xmlns:p="http://schemas.openxmlformats.org/presentationml/2006/main">
-  <p:cm authorId="1" dt="2018-01-15T00:07:40.207" idx="7">
-    <p:pos x="10" y="10"/>
-    <p:text>5 минути</p:text>
-    <p:extLst>
-      <p:ext uri="{C676402C-5697-4E1C-873F-D02D1690AC5C}">
-        <p15:threadingInfo xmlns:p15="http://schemas.microsoft.com/office/powerpoint/2012/main" timeZoneBias="-120"/>
-      </p:ext>
-    </p:extLst>
-  </p:cm>
-</p:cmLst>
-</file>
-
-<file path=ppt/comments/comment7.xml><?xml version="1.0" encoding="utf-8"?>
-<p:cmLst xmlns:a="http://schemas.openxmlformats.org/drawingml/2006/main" xmlns:r="http://schemas.openxmlformats.org/officeDocument/2006/relationships" xmlns:p="http://schemas.openxmlformats.org/presentationml/2006/main">
-  <p:cm authorId="1" dt="2018-01-15T00:07:55.812" idx="8">
-    <p:pos x="10" y="10"/>
-    <p:text>5 минути демонстрация</p:text>
-    <p:extLst>
-      <p:ext uri="{C676402C-5697-4E1C-873F-D02D1690AC5C}">
-        <p15:threadingInfo xmlns:p15="http://schemas.microsoft.com/office/powerpoint/2012/main" timeZoneBias="-120"/>
-      </p:ext>
-    </p:extLst>
-  </p:cm>
-</p:cmLst>
-</file>
-
-<file path=ppt/comments/comment8.xml><?xml version="1.0" encoding="utf-8"?>
-<p:cmLst xmlns:a="http://schemas.openxmlformats.org/drawingml/2006/main" xmlns:r="http://schemas.openxmlformats.org/officeDocument/2006/relationships" xmlns:p="http://schemas.openxmlformats.org/presentationml/2006/main">
-  <p:cm authorId="1" dt="2018-01-15T00:08:22.453" idx="9">
-    <p:pos x="10" y="10"/>
-    <p:text>2-3 минути демонстрация</p:text>
-    <p:extLst>
-      <p:ext uri="{C676402C-5697-4E1C-873F-D02D1690AC5C}">
-        <p15:threadingInfo xmlns:p15="http://schemas.microsoft.com/office/powerpoint/2012/main" timeZoneBias="-120"/>
-      </p:ext>
-    </p:extLst>
-  </p:cm>
-</p:cmLst>
-</file>
-
-<file path=ppt/comments/comment9.xml><?xml version="1.0" encoding="utf-8"?>
-<p:cmLst xmlns:a="http://schemas.openxmlformats.org/drawingml/2006/main" xmlns:r="http://schemas.openxmlformats.org/officeDocument/2006/relationships" xmlns:p="http://schemas.openxmlformats.org/presentationml/2006/main">
-  <p:cm authorId="1" dt="2018-01-15T00:08:39.531" idx="10">
-    <p:pos x="10" y="10"/>
-    <p:text>10 минути демонстрация и обяснение на цялата задача</p:text>
-    <p:extLst>
-      <p:ext uri="{C676402C-5697-4E1C-873F-D02D1690AC5C}">
-        <p15:threadingInfo xmlns:p15="http://schemas.microsoft.com/office/powerpoint/2012/main" timeZoneBias="-120"/>
-      </p:ext>
-    </p:extLst>
-  </p:cm>
-</p:cmLst>
-</file>
-
 <file path=ppt/handoutMasters/handoutMaster1.xml><?xml version="1.0" encoding="utf-8"?>
 <p:handoutMaster xmlns:a="http://schemas.openxmlformats.org/drawingml/2006/main" xmlns:r="http://schemas.openxmlformats.org/officeDocument/2006/relationships" xmlns:p="http://schemas.openxmlformats.org/presentationml/2006/main">
   <p:cSld>
@@ -519,7 +365,7 @@
             <a:fld id="{FE5B4EDC-59C0-49C7-8ADA-5A781B329E02}" type="datetimeFigureOut">
               <a:rPr lang="en-US"/>
               <a:pPr/>
-              <a:t>04-Nov-20</a:t>
+              <a:t>10-Nov-20</a:t>
             </a:fld>
             <a:endParaRPr dirty="0"/>
           </a:p>
@@ -817,7 +663,7 @@
             <a:fld id="{F2D8D46A-B586-417D-BFBD-8C8FE0AAF762}" type="datetimeFigureOut">
               <a:rPr lang="en-US" smtClean="0"/>
               <a:pPr/>
-              <a:t>04-Nov-20</a:t>
+              <a:t>10-Nov-20</a:t>
             </a:fld>
             <a:endParaRPr lang="en-US" dirty="0"/>
           </a:p>
@@ -8035,13 +7881,13 @@
         </p:nvSpPr>
         <p:spPr bwMode="auto">
           <a:xfrm>
-            <a:off x="5408612" y="3282126"/>
+            <a:off x="6081161" y="3304661"/>
             <a:ext cx="3389308" cy="1066800"/>
           </a:xfrm>
           <a:prstGeom prst="wedgeRoundRectCallout">
             <a:avLst>
-              <a:gd name="adj1" fmla="val -99299"/>
-              <a:gd name="adj2" fmla="val -54193"/>
+              <a:gd name="adj1" fmla="val -107558"/>
+              <a:gd name="adj2" fmla="val -65563"/>
               <a:gd name="adj3" fmla="val 16667"/>
             </a:avLst>
           </a:prstGeom>
@@ -8211,13 +8057,13 @@
         </p:nvSpPr>
         <p:spPr bwMode="auto">
           <a:xfrm>
-            <a:off x="8990012" y="2729034"/>
+            <a:off x="9148426" y="2438400"/>
             <a:ext cx="2743200" cy="1233365"/>
           </a:xfrm>
           <a:prstGeom prst="wedgeRoundRectCallout">
             <a:avLst>
-              <a:gd name="adj1" fmla="val -81839"/>
-              <a:gd name="adj2" fmla="val -21886"/>
+              <a:gd name="adj1" fmla="val -84560"/>
+              <a:gd name="adj2" fmla="val -2973"/>
               <a:gd name="adj3" fmla="val 16667"/>
             </a:avLst>
           </a:prstGeom>
@@ -8633,7 +8479,7 @@
             </a:pPr>
             <a:r>
               <a:rPr lang="bg-BG" dirty="0"/>
-              <a:t>Литералите са стойност, която можем да зададем в кода</a:t>
+              <a:t>Литералите са стойност, която задаваме в кода</a:t>
             </a:r>
           </a:p>
           <a:p>
@@ -9295,10 +9141,10 @@
         </p:nvGrpSpPr>
         <p:grpSpPr>
           <a:xfrm>
-            <a:off x="6551612" y="228600"/>
-            <a:ext cx="3352800" cy="1199145"/>
-            <a:chOff x="7898873" y="318624"/>
-            <a:chExt cx="2810555" cy="3229205"/>
+            <a:off x="8761412" y="848695"/>
+            <a:ext cx="2895598" cy="1481285"/>
+            <a:chOff x="7898874" y="318624"/>
+            <a:chExt cx="2810554" cy="3229205"/>
           </a:xfrm>
           <a:effectLst>
             <a:glow rad="101600">
@@ -9317,8 +9163,8 @@
           </p:nvSpPr>
           <p:spPr>
             <a:xfrm rot="21521100">
-              <a:off x="7898873" y="318624"/>
-              <a:ext cx="684957" cy="1509652"/>
+              <a:off x="7898874" y="318624"/>
+              <a:ext cx="684957" cy="1509651"/>
             </a:xfrm>
             <a:prstGeom prst="rect">
               <a:avLst/>
@@ -9393,8 +9239,8 @@
           </p:nvSpPr>
           <p:spPr>
             <a:xfrm rot="363399">
-              <a:off x="8174769" y="1568850"/>
-              <a:ext cx="745562" cy="1115830"/>
+              <a:off x="8180754" y="1672275"/>
+              <a:ext cx="745562" cy="1115831"/>
             </a:xfrm>
             <a:prstGeom prst="rect">
               <a:avLst/>

--- a/Courses/Applied-Programmer/Programming-Fundamentals/02-Типове-данни/05.Типове-данни-целочислени-типове-данни.pptx
+++ b/Courses/Applied-Programmer/Programming-Fundamentals/02-Типове-данни/05.Типове-данни-целочислени-типове-данни.pptx
@@ -365,7 +365,7 @@
             <a:fld id="{FE5B4EDC-59C0-49C7-8ADA-5A781B329E02}" type="datetimeFigureOut">
               <a:rPr lang="en-US"/>
               <a:pPr/>
-              <a:t>10-Nov-20</a:t>
+              <a:t>11-Nov-20</a:t>
             </a:fld>
             <a:endParaRPr dirty="0"/>
           </a:p>
@@ -663,7 +663,7 @@
             <a:fld id="{F2D8D46A-B586-417D-BFBD-8C8FE0AAF762}" type="datetimeFigureOut">
               <a:rPr lang="en-US" smtClean="0"/>
               <a:pPr/>
-              <a:t>10-Nov-20</a:t>
+              <a:t>11-Nov-20</a:t>
             </a:fld>
             <a:endParaRPr lang="en-US" dirty="0"/>
           </a:p>
@@ -5692,7 +5692,7 @@
               </a:rPr>
               <a:t>Console.WriteLine(</a:t>
             </a:r>
-            <a:br>
+            <a:r>
               <a:rPr lang="en-US" sz="2700" b="1" noProof="1">
                 <a:solidFill>
                   <a:schemeClr val="tx2"/>
@@ -5707,8 +5707,9 @@
                 <a:latin typeface="Consolas" pitchFamily="49" charset="0"/>
                 <a:cs typeface="Consolas" pitchFamily="49" charset="0"/>
               </a:rPr>
-            </a:br>
-            <a:r>
+              <a:t/>
+            </a:r>
+            <a:br>
               <a:rPr lang="en-US" sz="2700" b="1" noProof="1">
                 <a:solidFill>
                   <a:schemeClr val="tx2"/>
@@ -5723,10 +5724,9 @@
                 <a:latin typeface="Consolas" pitchFamily="49" charset="0"/>
                 <a:cs typeface="Consolas" pitchFamily="49" charset="0"/>
               </a:rPr>
-              <a:t>  </a:t>
-            </a:r>
-            <a:r>
-              <a:rPr lang="bg-BG" sz="2700" b="1" noProof="1">
+            </a:br>
+            <a:r>
+              <a:rPr lang="en-US" sz="2700" b="1" noProof="1">
                 <a:solidFill>
                   <a:schemeClr val="tx2"/>
                 </a:solidFill>
@@ -5740,10 +5740,10 @@
                 <a:latin typeface="Consolas" pitchFamily="49" charset="0"/>
                 <a:cs typeface="Consolas" pitchFamily="49" charset="0"/>
               </a:rPr>
-              <a:t>"{0} centuries </a:t>
-            </a:r>
-            <a:r>
-              <a:rPr lang="en-US" sz="2700" b="1" noProof="1">
+              <a:t>  </a:t>
+            </a:r>
+            <a:r>
+              <a:rPr lang="bg-BG" sz="2700" b="1" noProof="1">
                 <a:solidFill>
                   <a:schemeClr val="tx2"/>
                 </a:solidFill>
@@ -5757,10 +5757,10 @@
                 <a:latin typeface="Consolas" pitchFamily="49" charset="0"/>
                 <a:cs typeface="Consolas" pitchFamily="49" charset="0"/>
               </a:rPr>
-              <a:t>=</a:t>
-            </a:r>
-            <a:r>
-              <a:rPr lang="bg-BG" sz="2700" b="1" noProof="1">
+              <a:t>"{0} centuries </a:t>
+            </a:r>
+            <a:r>
+              <a:rPr lang="en-US" sz="2700" b="1" noProof="1">
                 <a:solidFill>
                   <a:schemeClr val="tx2"/>
                 </a:solidFill>
@@ -5774,10 +5774,10 @@
                 <a:latin typeface="Consolas" pitchFamily="49" charset="0"/>
                 <a:cs typeface="Consolas" pitchFamily="49" charset="0"/>
               </a:rPr>
-              <a:t> {1} years</a:t>
-            </a:r>
-            <a:r>
-              <a:rPr lang="en-US" sz="2700" b="1" noProof="1">
+              <a:t>=</a:t>
+            </a:r>
+            <a:r>
+              <a:rPr lang="bg-BG" sz="2700" b="1" noProof="1">
                 <a:solidFill>
                   <a:schemeClr val="tx2"/>
                 </a:solidFill>
@@ -5791,10 +5791,10 @@
                 <a:latin typeface="Consolas" pitchFamily="49" charset="0"/>
                 <a:cs typeface="Consolas" pitchFamily="49" charset="0"/>
               </a:rPr>
-              <a:t> = </a:t>
-            </a:r>
-            <a:r>
-              <a:rPr lang="bg-BG" sz="2700" b="1" noProof="1">
+              <a:t> {1} years</a:t>
+            </a:r>
+            <a:r>
+              <a:rPr lang="en-US" sz="2700" b="1" noProof="1">
                 <a:solidFill>
                   <a:schemeClr val="tx2"/>
                 </a:solidFill>
@@ -5808,10 +5808,10 @@
                 <a:latin typeface="Consolas" pitchFamily="49" charset="0"/>
                 <a:cs typeface="Consolas" pitchFamily="49" charset="0"/>
               </a:rPr>
-              <a:t>{2} days</a:t>
-            </a:r>
-            <a:r>
-              <a:rPr lang="en-US" sz="2700" b="1" noProof="1">
+              <a:t> = </a:t>
+            </a:r>
+            <a:r>
+              <a:rPr lang="bg-BG" sz="2700" b="1" noProof="1">
                 <a:solidFill>
                   <a:schemeClr val="tx2"/>
                 </a:solidFill>
@@ -5825,10 +5825,10 @@
                 <a:latin typeface="Consolas" pitchFamily="49" charset="0"/>
                 <a:cs typeface="Consolas" pitchFamily="49" charset="0"/>
               </a:rPr>
-              <a:t> =</a:t>
-            </a:r>
-            <a:r>
-              <a:rPr lang="bg-BG" sz="2700" b="1" noProof="1">
+              <a:t>{2} days</a:t>
+            </a:r>
+            <a:r>
+              <a:rPr lang="en-US" sz="2700" b="1" noProof="1">
                 <a:solidFill>
                   <a:schemeClr val="tx2"/>
                 </a:solidFill>
@@ -5842,7 +5842,41 @@
                 <a:latin typeface="Consolas" pitchFamily="49" charset="0"/>
                 <a:cs typeface="Consolas" pitchFamily="49" charset="0"/>
               </a:rPr>
+              <a:t> =</a:t>
+            </a:r>
+            <a:r>
+              <a:rPr lang="bg-BG" sz="2700" b="1" noProof="1">
+                <a:solidFill>
+                  <a:schemeClr val="tx2"/>
+                </a:solidFill>
+                <a:effectLst>
+                  <a:outerShdw blurRad="38100" dist="38100" dir="2700000" algn="tl">
+                    <a:srgbClr val="000000">
+                      <a:alpha val="43137"/>
+                    </a:srgbClr>
+                  </a:outerShdw>
+                </a:effectLst>
+                <a:latin typeface="Consolas" pitchFamily="49" charset="0"/>
+                <a:cs typeface="Consolas" pitchFamily="49" charset="0"/>
+              </a:rPr>
               <a:t> {3} hours.",</a:t>
+            </a:r>
+            <a:r>
+              <a:rPr lang="en-US" sz="2700" b="1" noProof="1">
+                <a:solidFill>
+                  <a:schemeClr val="tx2"/>
+                </a:solidFill>
+                <a:effectLst>
+                  <a:outerShdw blurRad="38100" dist="38100" dir="2700000" algn="tl">
+                    <a:srgbClr val="000000">
+                      <a:alpha val="43137"/>
+                    </a:srgbClr>
+                  </a:outerShdw>
+                </a:effectLst>
+                <a:latin typeface="Consolas" pitchFamily="49" charset="0"/>
+                <a:cs typeface="Consolas" pitchFamily="49" charset="0"/>
+              </a:rPr>
+              <a:t/>
             </a:r>
             <a:br>
               <a:rPr lang="en-US" sz="2700" b="1" noProof="1">
@@ -7219,7 +7253,7 @@
         </p:nvSpPr>
         <p:spPr bwMode="auto">
           <a:xfrm>
-            <a:off x="836612" y="2931963"/>
+            <a:off x="836612" y="2855763"/>
             <a:ext cx="10439400" cy="1640037"/>
           </a:xfrm>
           <a:prstGeom prst="rect">
@@ -7334,7 +7368,7 @@
         </p:nvSpPr>
         <p:spPr bwMode="auto">
           <a:xfrm>
-            <a:off x="836612" y="4836963"/>
+            <a:off x="836612" y="4648200"/>
             <a:ext cx="10439400" cy="1640037"/>
           </a:xfrm>
           <a:prstGeom prst="rect">
@@ -7496,6 +7530,51 @@
                 </a:prstClr>
               </a:solidFill>
             </a:endParaRPr>
+          </a:p>
+        </p:txBody>
+      </p:sp>
+      <p:sp>
+        <p:nvSpPr>
+          <p:cNvPr id="2" name="Rectangle 1"/>
+          <p:cNvSpPr/>
+          <p:nvPr/>
+        </p:nvSpPr>
+        <p:spPr>
+          <a:xfrm>
+            <a:off x="1598612" y="6326716"/>
+            <a:ext cx="9220200" cy="461665"/>
+          </a:xfrm>
+          <a:prstGeom prst="rect">
+            <a:avLst/>
+          </a:prstGeom>
+        </p:spPr>
+        <p:txBody>
+          <a:bodyPr wrap="square">
+            <a:spAutoFit/>
+          </a:bodyPr>
+          <a:lstStyle/>
+          <a:p>
+            <a:r>
+              <a:rPr lang="bg-BG" dirty="0"/>
+              <a:t>Тествайте в </a:t>
+            </a:r>
+            <a:r>
+              <a:rPr lang="en-US" dirty="0"/>
+              <a:t>Judge: </a:t>
+            </a:r>
+            <a:r>
+              <a:rPr lang="en-US" dirty="0">
+                <a:hlinkClick r:id="rId2"/>
+              </a:rPr>
+              <a:t>https://</a:t>
+            </a:r>
+            <a:r>
+              <a:rPr lang="en-US" dirty="0" smtClean="0">
+                <a:hlinkClick r:id="rId2"/>
+              </a:rPr>
+              <a:t>judge.softuni.bg/Contests/2647</a:t>
+            </a:r>
+            <a:endParaRPr lang="en-US" dirty="0"/>
           </a:p>
         </p:txBody>
       </p:sp>
@@ -8243,56 +8322,6 @@
                 </a:prstClr>
               </a:solidFill>
             </a:endParaRPr>
-          </a:p>
-        </p:txBody>
-      </p:sp>
-      <p:sp>
-        <p:nvSpPr>
-          <p:cNvPr id="9" name="TextBox 8">
-            <a:extLst>
-              <a:ext uri="{FF2B5EF4-FFF2-40B4-BE49-F238E27FC236}">
-                <a16:creationId xmlns:a16="http://schemas.microsoft.com/office/drawing/2014/main" id="{9D6EB5DD-1DFC-4C40-8D70-6A12F636600D}"/>
-              </a:ext>
-            </a:extLst>
-          </p:cNvPr>
-          <p:cNvSpPr txBox="1"/>
-          <p:nvPr/>
-        </p:nvSpPr>
-        <p:spPr>
-          <a:xfrm>
-            <a:off x="1592598" y="6177028"/>
-            <a:ext cx="8927428" cy="369332"/>
-          </a:xfrm>
-          <a:prstGeom prst="rect">
-            <a:avLst/>
-          </a:prstGeom>
-          <a:noFill/>
-        </p:spPr>
-        <p:txBody>
-          <a:bodyPr wrap="square">
-            <a:spAutoFit/>
-          </a:bodyPr>
-          <a:lstStyle/>
-          <a:p>
-            <a:pPr algn="ctr"/>
-            <a:r>
-              <a:rPr lang="bg-BG" sz="1800" dirty="0"/>
-              <a:t>Тествайте в </a:t>
-            </a:r>
-            <a:r>
-              <a:rPr lang="en-US" sz="1800" dirty="0"/>
-              <a:t>judge: </a:t>
-            </a:r>
-            <a:r>
-              <a:rPr lang="en-US" sz="1800" dirty="0">
-                <a:hlinkClick r:id="rId2"/>
-              </a:rPr>
-              <a:t>https://judge.softuni.bg/Contests/Practice/Index/2647</a:t>
-            </a:r>
-            <a:r>
-              <a:rPr lang="en-US" sz="1800" dirty="0"/>
-              <a:t> </a:t>
-            </a:r>
           </a:p>
         </p:txBody>
       </p:sp>

--- a/Courses/Applied-Programmer/Programming-Fundamentals/02-Типове-данни/05.Типове-данни-целочислени-типове-данни.pptx
+++ b/Courses/Applied-Programmer/Programming-Fundamentals/02-Типове-данни/05.Типове-данни-целочислени-типове-данни.pptx
@@ -365,7 +365,7 @@
             <a:fld id="{FE5B4EDC-59C0-49C7-8ADA-5A781B329E02}" type="datetimeFigureOut">
               <a:rPr lang="en-US"/>
               <a:pPr/>
-              <a:t>11-Nov-20</a:t>
+              <a:t>19-Nov-20</a:t>
             </a:fld>
             <a:endParaRPr dirty="0"/>
           </a:p>
@@ -663,7 +663,7 @@
             <a:fld id="{F2D8D46A-B586-417D-BFBD-8C8FE0AAF762}" type="datetimeFigureOut">
               <a:rPr lang="en-US" smtClean="0"/>
               <a:pPr/>
-              <a:t>11-Nov-20</a:t>
+              <a:t>19-Nov-20</a:t>
             </a:fld>
             <a:endParaRPr lang="en-US" dirty="0"/>
           </a:p>
@@ -4022,10 +4022,10 @@
         </p:nvGrpSpPr>
         <p:grpSpPr>
           <a:xfrm>
-            <a:off x="745783" y="3624633"/>
-            <a:ext cx="5043827" cy="2524722"/>
-            <a:chOff x="745783" y="3624633"/>
-            <a:chExt cx="5043827" cy="2524722"/>
+            <a:off x="227012" y="3624633"/>
+            <a:ext cx="5562598" cy="2641143"/>
+            <a:chOff x="227012" y="3624633"/>
+            <a:chExt cx="5562598" cy="2641143"/>
           </a:xfrm>
         </p:grpSpPr>
         <p:pic>
@@ -4082,7 +4082,7 @@
           </p:blipFill>
           <p:spPr bwMode="auto">
             <a:xfrm>
-              <a:off x="745783" y="4076772"/>
+              <a:off x="241094" y="4162692"/>
               <a:ext cx="2175525" cy="761165"/>
             </a:xfrm>
             <a:prstGeom prst="roundRect">
@@ -4121,7 +4121,7 @@
           </p:nvSpPr>
           <p:spPr bwMode="auto">
             <a:xfrm>
-              <a:off x="760413" y="4998598"/>
+              <a:off x="241094" y="4987324"/>
               <a:ext cx="3187614" cy="444343"/>
             </a:xfrm>
             <a:prstGeom prst="rect">
@@ -4356,7 +4356,7 @@
                 <a:t>Учителски</a:t>
               </a:r>
               <a:r>
-                <a:rPr lang="bg-BG"/>
+                <a:rPr lang="bg-BG" dirty="0"/>
                 <a:t> екип</a:t>
               </a:r>
             </a:p>
@@ -4378,7 +4378,7 @@
           </p:nvSpPr>
           <p:spPr bwMode="auto">
             <a:xfrm>
-              <a:off x="760412" y="5403725"/>
+              <a:off x="227012" y="5434835"/>
               <a:ext cx="3187613" cy="382788"/>
             </a:xfrm>
             <a:prstGeom prst="rect">
@@ -4612,7 +4612,7 @@
             </a:lstStyle>
             <a:p>
               <a:r>
-                <a:rPr lang="bg-BG"/>
+                <a:rPr lang="bg-BG" dirty="0"/>
                 <a:t>Обучение за ИТ кариера</a:t>
               </a:r>
             </a:p>
@@ -4634,7 +4634,7 @@
           </p:nvSpPr>
           <p:spPr bwMode="auto">
             <a:xfrm>
-              <a:off x="760412" y="5690893"/>
+              <a:off x="227012" y="5807314"/>
               <a:ext cx="3810000" cy="458462"/>
             </a:xfrm>
             <a:prstGeom prst="rect">
@@ -4865,16 +4865,151 @@
             </a:lstStyle>
             <a:p>
               <a:r>
-                <a:rPr lang="en-GB">
+                <a:rPr lang="en-GB" dirty="0">
                   <a:hlinkClick r:id="rId7"/>
                 </a:rPr>
                 <a:t>https://it-kariera.mon.bg/e-learning/</a:t>
               </a:r>
-              <a:endParaRPr lang="en-GB"/>
+              <a:endParaRPr lang="en-GB" dirty="0"/>
             </a:p>
           </p:txBody>
         </p:sp>
       </p:grpSp>
+      <p:sp>
+        <p:nvSpPr>
+          <p:cNvPr id="12" name="Text Placeholder 11">
+            <a:extLst>
+              <a:ext uri="{FF2B5EF4-FFF2-40B4-BE49-F238E27FC236}">
+                <a16:creationId xmlns:a16="http://schemas.microsoft.com/office/drawing/2014/main" id="{3E4A0819-C69C-40DE-8DCD-6732932F3986}"/>
+              </a:ext>
+            </a:extLst>
+          </p:cNvPr>
+          <p:cNvSpPr txBox="1">
+            <a:spLocks/>
+          </p:cNvSpPr>
+          <p:nvPr/>
+        </p:nvSpPr>
+        <p:spPr bwMode="auto">
+          <a:xfrm>
+            <a:off x="227012" y="6261672"/>
+            <a:ext cx="11885613" cy="349702"/>
+          </a:xfrm>
+          <a:prstGeom prst="rect">
+            <a:avLst/>
+          </a:prstGeom>
+          <a:noFill/>
+          <a:effectLst/>
+        </p:spPr>
+        <p:txBody>
+          <a:bodyPr vert="horz" wrap="square" lIns="36000" tIns="36000" rIns="36000" bIns="36000" rtlCol="0" anchor="ctr" anchorCtr="0">
+            <a:spAutoFit/>
+          </a:bodyPr>
+          <a:lstStyle>
+            <a:defPPr>
+              <a:defRPr lang="en-US"/>
+            </a:defPPr>
+            <a:lvl1pPr marL="0" algn="l" defTabSz="1218987" rtl="0" eaLnBrk="1" latinLnBrk="0" hangingPunct="1">
+              <a:defRPr sz="2400" kern="1200">
+                <a:solidFill>
+                  <a:schemeClr val="tx1"/>
+                </a:solidFill>
+                <a:latin typeface="+mn-lt"/>
+                <a:ea typeface="+mn-ea"/>
+                <a:cs typeface="+mn-cs"/>
+              </a:defRPr>
+            </a:lvl1pPr>
+            <a:lvl2pPr marL="609493" algn="l" defTabSz="1218987" rtl="0" eaLnBrk="1" latinLnBrk="0" hangingPunct="1">
+              <a:defRPr sz="2400" kern="1200">
+                <a:solidFill>
+                  <a:schemeClr val="tx1"/>
+                </a:solidFill>
+                <a:latin typeface="+mn-lt"/>
+                <a:ea typeface="+mn-ea"/>
+                <a:cs typeface="+mn-cs"/>
+              </a:defRPr>
+            </a:lvl2pPr>
+            <a:lvl3pPr marL="1218987" algn="l" defTabSz="1218987" rtl="0" eaLnBrk="1" latinLnBrk="0" hangingPunct="1">
+              <a:defRPr sz="2400" kern="1200">
+                <a:solidFill>
+                  <a:schemeClr val="tx1"/>
+                </a:solidFill>
+                <a:latin typeface="+mn-lt"/>
+                <a:ea typeface="+mn-ea"/>
+                <a:cs typeface="+mn-cs"/>
+              </a:defRPr>
+            </a:lvl3pPr>
+            <a:lvl4pPr marL="1828480" algn="l" defTabSz="1218987" rtl="0" eaLnBrk="1" latinLnBrk="0" hangingPunct="1">
+              <a:defRPr sz="2400" kern="1200">
+                <a:solidFill>
+                  <a:schemeClr val="tx1"/>
+                </a:solidFill>
+                <a:latin typeface="+mn-lt"/>
+                <a:ea typeface="+mn-ea"/>
+                <a:cs typeface="+mn-cs"/>
+              </a:defRPr>
+            </a:lvl4pPr>
+            <a:lvl5pPr marL="2437973" algn="l" defTabSz="1218987" rtl="0" eaLnBrk="1" latinLnBrk="0" hangingPunct="1">
+              <a:defRPr sz="2400" kern="1200">
+                <a:solidFill>
+                  <a:schemeClr val="tx1"/>
+                </a:solidFill>
+                <a:latin typeface="+mn-lt"/>
+                <a:ea typeface="+mn-ea"/>
+                <a:cs typeface="+mn-cs"/>
+              </a:defRPr>
+            </a:lvl5pPr>
+            <a:lvl6pPr marL="3047467" algn="l" defTabSz="1218987" rtl="0" eaLnBrk="1" latinLnBrk="0" hangingPunct="1">
+              <a:defRPr sz="2400" kern="1200">
+                <a:solidFill>
+                  <a:schemeClr val="tx1"/>
+                </a:solidFill>
+                <a:latin typeface="+mn-lt"/>
+                <a:ea typeface="+mn-ea"/>
+                <a:cs typeface="+mn-cs"/>
+              </a:defRPr>
+            </a:lvl6pPr>
+            <a:lvl7pPr marL="3656960" algn="l" defTabSz="1218987" rtl="0" eaLnBrk="1" latinLnBrk="0" hangingPunct="1">
+              <a:defRPr sz="2400" kern="1200">
+                <a:solidFill>
+                  <a:schemeClr val="tx1"/>
+                </a:solidFill>
+                <a:latin typeface="+mn-lt"/>
+                <a:ea typeface="+mn-ea"/>
+                <a:cs typeface="+mn-cs"/>
+              </a:defRPr>
+            </a:lvl7pPr>
+            <a:lvl8pPr marL="4266453" algn="l" defTabSz="1218987" rtl="0" eaLnBrk="1" latinLnBrk="0" hangingPunct="1">
+              <a:defRPr sz="2400" kern="1200">
+                <a:solidFill>
+                  <a:schemeClr val="tx1"/>
+                </a:solidFill>
+                <a:latin typeface="+mn-lt"/>
+                <a:ea typeface="+mn-ea"/>
+                <a:cs typeface="+mn-cs"/>
+              </a:defRPr>
+            </a:lvl8pPr>
+            <a:lvl9pPr marL="4875947" algn="l" defTabSz="1218987" rtl="0" eaLnBrk="1" latinLnBrk="0" hangingPunct="1">
+              <a:defRPr sz="2400" kern="1200">
+                <a:solidFill>
+                  <a:schemeClr val="tx1"/>
+                </a:solidFill>
+                <a:latin typeface="+mn-lt"/>
+                <a:ea typeface="+mn-ea"/>
+                <a:cs typeface="+mn-cs"/>
+              </a:defRPr>
+            </a:lvl9pPr>
+          </a:lstStyle>
+          <a:p>
+            <a:r>
+              <a:rPr lang="en-US" sz="1800" b="1" dirty="0">
+                <a:hlinkClick r:id="rId8"/>
+              </a:rPr>
+              <a:t>https://github.com/BG-IT-Edu/School-Programming/tree/main/Courses/Applied-Programmer/Programming-Fundamentals</a:t>
+            </a:r>
+            <a:endParaRPr lang="en-GB" sz="1800" b="1" dirty="0"/>
+          </a:p>
+        </p:txBody>
+      </p:sp>
     </p:spTree>
     <p:extLst>
       <p:ext uri="{BB962C8B-B14F-4D97-AF65-F5344CB8AC3E}">
@@ -5692,7 +5827,7 @@
               </a:rPr>
               <a:t>Console.WriteLine(</a:t>
             </a:r>
-            <a:r>
+            <a:br>
               <a:rPr lang="en-US" sz="2700" b="1" noProof="1">
                 <a:solidFill>
                   <a:schemeClr val="tx2"/>
@@ -5707,9 +5842,8 @@
                 <a:latin typeface="Consolas" pitchFamily="49" charset="0"/>
                 <a:cs typeface="Consolas" pitchFamily="49" charset="0"/>
               </a:rPr>
-              <a:t/>
-            </a:r>
-            <a:br>
+            </a:br>
+            <a:r>
               <a:rPr lang="en-US" sz="2700" b="1" noProof="1">
                 <a:solidFill>
                   <a:schemeClr val="tx2"/>
@@ -5724,9 +5858,10 @@
                 <a:latin typeface="Consolas" pitchFamily="49" charset="0"/>
                 <a:cs typeface="Consolas" pitchFamily="49" charset="0"/>
               </a:rPr>
-            </a:br>
-            <a:r>
-              <a:rPr lang="en-US" sz="2700" b="1" noProof="1">
+              <a:t>  </a:t>
+            </a:r>
+            <a:r>
+              <a:rPr lang="bg-BG" sz="2700" b="1" noProof="1">
                 <a:solidFill>
                   <a:schemeClr val="tx2"/>
                 </a:solidFill>
@@ -5740,10 +5875,10 @@
                 <a:latin typeface="Consolas" pitchFamily="49" charset="0"/>
                 <a:cs typeface="Consolas" pitchFamily="49" charset="0"/>
               </a:rPr>
-              <a:t>  </a:t>
-            </a:r>
-            <a:r>
-              <a:rPr lang="bg-BG" sz="2700" b="1" noProof="1">
+              <a:t>"{0} centuries </a:t>
+            </a:r>
+            <a:r>
+              <a:rPr lang="en-US" sz="2700" b="1" noProof="1">
                 <a:solidFill>
                   <a:schemeClr val="tx2"/>
                 </a:solidFill>
@@ -5757,10 +5892,10 @@
                 <a:latin typeface="Consolas" pitchFamily="49" charset="0"/>
                 <a:cs typeface="Consolas" pitchFamily="49" charset="0"/>
               </a:rPr>
-              <a:t>"{0} centuries </a:t>
-            </a:r>
-            <a:r>
-              <a:rPr lang="en-US" sz="2700" b="1" noProof="1">
+              <a:t>=</a:t>
+            </a:r>
+            <a:r>
+              <a:rPr lang="bg-BG" sz="2700" b="1" noProof="1">
                 <a:solidFill>
                   <a:schemeClr val="tx2"/>
                 </a:solidFill>
@@ -5774,10 +5909,10 @@
                 <a:latin typeface="Consolas" pitchFamily="49" charset="0"/>
                 <a:cs typeface="Consolas" pitchFamily="49" charset="0"/>
               </a:rPr>
-              <a:t>=</a:t>
-            </a:r>
-            <a:r>
-              <a:rPr lang="bg-BG" sz="2700" b="1" noProof="1">
+              <a:t> {1} years</a:t>
+            </a:r>
+            <a:r>
+              <a:rPr lang="en-US" sz="2700" b="1" noProof="1">
                 <a:solidFill>
                   <a:schemeClr val="tx2"/>
                 </a:solidFill>
@@ -5791,10 +5926,10 @@
                 <a:latin typeface="Consolas" pitchFamily="49" charset="0"/>
                 <a:cs typeface="Consolas" pitchFamily="49" charset="0"/>
               </a:rPr>
-              <a:t> {1} years</a:t>
-            </a:r>
-            <a:r>
-              <a:rPr lang="en-US" sz="2700" b="1" noProof="1">
+              <a:t> = </a:t>
+            </a:r>
+            <a:r>
+              <a:rPr lang="bg-BG" sz="2700" b="1" noProof="1">
                 <a:solidFill>
                   <a:schemeClr val="tx2"/>
                 </a:solidFill>
@@ -5808,10 +5943,10 @@
                 <a:latin typeface="Consolas" pitchFamily="49" charset="0"/>
                 <a:cs typeface="Consolas" pitchFamily="49" charset="0"/>
               </a:rPr>
-              <a:t> = </a:t>
-            </a:r>
-            <a:r>
-              <a:rPr lang="bg-BG" sz="2700" b="1" noProof="1">
+              <a:t>{2} days</a:t>
+            </a:r>
+            <a:r>
+              <a:rPr lang="en-US" sz="2700" b="1" noProof="1">
                 <a:solidFill>
                   <a:schemeClr val="tx2"/>
                 </a:solidFill>
@@ -5825,10 +5960,10 @@
                 <a:latin typeface="Consolas" pitchFamily="49" charset="0"/>
                 <a:cs typeface="Consolas" pitchFamily="49" charset="0"/>
               </a:rPr>
-              <a:t>{2} days</a:t>
-            </a:r>
-            <a:r>
-              <a:rPr lang="en-US" sz="2700" b="1" noProof="1">
+              <a:t> =</a:t>
+            </a:r>
+            <a:r>
+              <a:rPr lang="bg-BG" sz="2700" b="1" noProof="1">
                 <a:solidFill>
                   <a:schemeClr val="tx2"/>
                 </a:solidFill>
@@ -5842,41 +5977,7 @@
                 <a:latin typeface="Consolas" pitchFamily="49" charset="0"/>
                 <a:cs typeface="Consolas" pitchFamily="49" charset="0"/>
               </a:rPr>
-              <a:t> =</a:t>
-            </a:r>
-            <a:r>
-              <a:rPr lang="bg-BG" sz="2700" b="1" noProof="1">
-                <a:solidFill>
-                  <a:schemeClr val="tx2"/>
-                </a:solidFill>
-                <a:effectLst>
-                  <a:outerShdw blurRad="38100" dist="38100" dir="2700000" algn="tl">
-                    <a:srgbClr val="000000">
-                      <a:alpha val="43137"/>
-                    </a:srgbClr>
-                  </a:outerShdw>
-                </a:effectLst>
-                <a:latin typeface="Consolas" pitchFamily="49" charset="0"/>
-                <a:cs typeface="Consolas" pitchFamily="49" charset="0"/>
-              </a:rPr>
               <a:t> {3} hours.",</a:t>
-            </a:r>
-            <a:r>
-              <a:rPr lang="en-US" sz="2700" b="1" noProof="1">
-                <a:solidFill>
-                  <a:schemeClr val="tx2"/>
-                </a:solidFill>
-                <a:effectLst>
-                  <a:outerShdw blurRad="38100" dist="38100" dir="2700000" algn="tl">
-                    <a:srgbClr val="000000">
-                      <a:alpha val="43137"/>
-                    </a:srgbClr>
-                  </a:outerShdw>
-                </a:effectLst>
-                <a:latin typeface="Consolas" pitchFamily="49" charset="0"/>
-                <a:cs typeface="Consolas" pitchFamily="49" charset="0"/>
-              </a:rPr>
-              <a:t/>
             </a:r>
             <a:br>
               <a:rPr lang="en-US" sz="2700" b="1" noProof="1">
@@ -7566,13 +7667,7 @@
               <a:rPr lang="en-US" dirty="0">
                 <a:hlinkClick r:id="rId2"/>
               </a:rPr>
-              <a:t>https://</a:t>
-            </a:r>
-            <a:r>
-              <a:rPr lang="en-US" dirty="0" smtClean="0">
-                <a:hlinkClick r:id="rId2"/>
-              </a:rPr>
-              <a:t>judge.softuni.bg/Contests/2647</a:t>
+              <a:t>https://judge.softuni.bg/Contests/2647</a:t>
             </a:r>
             <a:endParaRPr lang="en-US" dirty="0"/>
           </a:p>
@@ -10402,62 +10497,190 @@
       </p:grpSpPr>
       <p:sp>
         <p:nvSpPr>
-          <p:cNvPr id="11" name="Title 10"/>
-          <p:cNvSpPr>
-            <a:spLocks noGrp="1"/>
+          <p:cNvPr id="6" name="Text Placeholder 11">
+            <a:extLst>
+              <a:ext uri="{FF2B5EF4-FFF2-40B4-BE49-F238E27FC236}">
+                <a16:creationId xmlns:a16="http://schemas.microsoft.com/office/drawing/2014/main" id="{3E4A0819-C69C-40DE-8DCD-6732932F3986}"/>
+              </a:ext>
+            </a:extLst>
+          </p:cNvPr>
+          <p:cNvSpPr txBox="1">
+            <a:spLocks/>
           </p:cNvSpPr>
-          <p:nvPr>
-            <p:ph type="title"/>
-          </p:nvPr>
+          <p:nvPr/>
         </p:nvSpPr>
-        <p:spPr/>
+        <p:spPr bwMode="auto">
+          <a:xfrm>
+            <a:off x="303212" y="6400800"/>
+            <a:ext cx="11885613" cy="349702"/>
+          </a:xfrm>
+          <a:prstGeom prst="rect">
+            <a:avLst/>
+          </a:prstGeom>
+          <a:noFill/>
+          <a:effectLst/>
+        </p:spPr>
         <p:txBody>
-          <a:bodyPr>
-            <a:normAutofit/>
+          <a:bodyPr vert="horz" wrap="square" lIns="36000" tIns="36000" rIns="36000" bIns="36000" rtlCol="0" anchor="ctr" anchorCtr="0">
+            <a:spAutoFit/>
           </a:bodyPr>
-          <a:lstStyle/>
-          <a:p>
-            <a:r>
-              <a:rPr lang="bg-BG" dirty="0"/>
-              <a:t>Програмиране </a:t>
-            </a:r>
-            <a:r>
-              <a:rPr lang="en-US" dirty="0"/>
-              <a:t>– </a:t>
-            </a:r>
-            <a:r>
-              <a:rPr lang="bg-BG" dirty="0"/>
-              <a:t>Въпроси</a:t>
-            </a:r>
-            <a:endParaRPr lang="en-US" dirty="0"/>
+          <a:lstStyle>
+            <a:defPPr>
+              <a:defRPr lang="en-US"/>
+            </a:defPPr>
+            <a:lvl1pPr marL="0" algn="l" defTabSz="1218987" rtl="0" eaLnBrk="1" latinLnBrk="0" hangingPunct="1">
+              <a:defRPr sz="2400" kern="1200">
+                <a:solidFill>
+                  <a:schemeClr val="tx1"/>
+                </a:solidFill>
+                <a:latin typeface="+mn-lt"/>
+                <a:ea typeface="+mn-ea"/>
+                <a:cs typeface="+mn-cs"/>
+              </a:defRPr>
+            </a:lvl1pPr>
+            <a:lvl2pPr marL="609493" algn="l" defTabSz="1218987" rtl="0" eaLnBrk="1" latinLnBrk="0" hangingPunct="1">
+              <a:defRPr sz="2400" kern="1200">
+                <a:solidFill>
+                  <a:schemeClr val="tx1"/>
+                </a:solidFill>
+                <a:latin typeface="+mn-lt"/>
+                <a:ea typeface="+mn-ea"/>
+                <a:cs typeface="+mn-cs"/>
+              </a:defRPr>
+            </a:lvl2pPr>
+            <a:lvl3pPr marL="1218987" algn="l" defTabSz="1218987" rtl="0" eaLnBrk="1" latinLnBrk="0" hangingPunct="1">
+              <a:defRPr sz="2400" kern="1200">
+                <a:solidFill>
+                  <a:schemeClr val="tx1"/>
+                </a:solidFill>
+                <a:latin typeface="+mn-lt"/>
+                <a:ea typeface="+mn-ea"/>
+                <a:cs typeface="+mn-cs"/>
+              </a:defRPr>
+            </a:lvl3pPr>
+            <a:lvl4pPr marL="1828480" algn="l" defTabSz="1218987" rtl="0" eaLnBrk="1" latinLnBrk="0" hangingPunct="1">
+              <a:defRPr sz="2400" kern="1200">
+                <a:solidFill>
+                  <a:schemeClr val="tx1"/>
+                </a:solidFill>
+                <a:latin typeface="+mn-lt"/>
+                <a:ea typeface="+mn-ea"/>
+                <a:cs typeface="+mn-cs"/>
+              </a:defRPr>
+            </a:lvl4pPr>
+            <a:lvl5pPr marL="2437973" algn="l" defTabSz="1218987" rtl="0" eaLnBrk="1" latinLnBrk="0" hangingPunct="1">
+              <a:defRPr sz="2400" kern="1200">
+                <a:solidFill>
+                  <a:schemeClr val="tx1"/>
+                </a:solidFill>
+                <a:latin typeface="+mn-lt"/>
+                <a:ea typeface="+mn-ea"/>
+                <a:cs typeface="+mn-cs"/>
+              </a:defRPr>
+            </a:lvl5pPr>
+            <a:lvl6pPr marL="3047467" algn="l" defTabSz="1218987" rtl="0" eaLnBrk="1" latinLnBrk="0" hangingPunct="1">
+              <a:defRPr sz="2400" kern="1200">
+                <a:solidFill>
+                  <a:schemeClr val="tx1"/>
+                </a:solidFill>
+                <a:latin typeface="+mn-lt"/>
+                <a:ea typeface="+mn-ea"/>
+                <a:cs typeface="+mn-cs"/>
+              </a:defRPr>
+            </a:lvl6pPr>
+            <a:lvl7pPr marL="3656960" algn="l" defTabSz="1218987" rtl="0" eaLnBrk="1" latinLnBrk="0" hangingPunct="1">
+              <a:defRPr sz="2400" kern="1200">
+                <a:solidFill>
+                  <a:schemeClr val="tx1"/>
+                </a:solidFill>
+                <a:latin typeface="+mn-lt"/>
+                <a:ea typeface="+mn-ea"/>
+                <a:cs typeface="+mn-cs"/>
+              </a:defRPr>
+            </a:lvl7pPr>
+            <a:lvl8pPr marL="4266453" algn="l" defTabSz="1218987" rtl="0" eaLnBrk="1" latinLnBrk="0" hangingPunct="1">
+              <a:defRPr sz="2400" kern="1200">
+                <a:solidFill>
+                  <a:schemeClr val="tx1"/>
+                </a:solidFill>
+                <a:latin typeface="+mn-lt"/>
+                <a:ea typeface="+mn-ea"/>
+                <a:cs typeface="+mn-cs"/>
+              </a:defRPr>
+            </a:lvl8pPr>
+            <a:lvl9pPr marL="4875947" algn="l" defTabSz="1218987" rtl="0" eaLnBrk="1" latinLnBrk="0" hangingPunct="1">
+              <a:defRPr sz="2400" kern="1200">
+                <a:solidFill>
+                  <a:schemeClr val="tx1"/>
+                </a:solidFill>
+                <a:latin typeface="+mn-lt"/>
+                <a:ea typeface="+mn-ea"/>
+                <a:cs typeface="+mn-cs"/>
+              </a:defRPr>
+            </a:lvl9pPr>
+          </a:lstStyle>
+          <a:p>
+            <a:r>
+              <a:rPr lang="en-US" sz="1800" b="1" dirty="0">
+                <a:hlinkClick r:id="rId3"/>
+              </a:rPr>
+              <a:t>https://github.com/BG-IT-Edu/School-Programming/tree/main/Courses/Applied-Programmer/Programming-Fundamentals</a:t>
+            </a:r>
+            <a:endParaRPr lang="en-GB" sz="1800" b="1" dirty="0"/>
           </a:p>
         </p:txBody>
       </p:sp>
       <p:sp>
         <p:nvSpPr>
-          <p:cNvPr id="4" name="Text Placeholder 2"/>
-          <p:cNvSpPr>
-            <a:spLocks noGrp="1"/>
+          <p:cNvPr id="7" name="Title 4">
+            <a:extLst>
+              <a:ext uri="{FF2B5EF4-FFF2-40B4-BE49-F238E27FC236}">
+                <a16:creationId xmlns:a16="http://schemas.microsoft.com/office/drawing/2014/main" id="{F818F4F7-A61C-4410-803D-544619E822EF}"/>
+              </a:ext>
+            </a:extLst>
+          </p:cNvPr>
+          <p:cNvSpPr txBox="1">
+            <a:spLocks/>
           </p:cNvSpPr>
-          <p:nvPr>
-            <p:ph type="body" sz="quarter" idx="10"/>
-          </p:nvPr>
+          <p:nvPr/>
         </p:nvSpPr>
         <p:spPr>
           <a:xfrm>
-            <a:off x="1529384" y="6400802"/>
-            <a:ext cx="10482604" cy="363552"/>
+            <a:off x="303212" y="228600"/>
+            <a:ext cx="7910299" cy="788071"/>
           </a:xfrm>
+          <a:prstGeom prst="rect">
+            <a:avLst/>
+          </a:prstGeom>
         </p:spPr>
         <p:txBody>
-          <a:bodyPr/>
-          <a:lstStyle/>
-          <a:p>
-            <a:r>
-              <a:rPr lang="en-US" dirty="0">
-                <a:hlinkClick r:id="rId3"/>
-              </a:rPr>
-              <a:t>https://it-kariera.mon.bg/e-learning/</a:t>
+          <a:bodyPr vert="horz" lIns="108000" tIns="36000" rIns="108000" bIns="36000" rtlCol="0" anchor="ctr" anchorCtr="0">
+            <a:normAutofit fontScale="97500"/>
+          </a:bodyPr>
+          <a:lstStyle>
+            <a:lvl1pPr algn="l" defTabSz="1218565" rtl="0" eaLnBrk="1" latinLnBrk="0" hangingPunct="1">
+              <a:lnSpc>
+                <a:spcPct val="90000"/>
+              </a:lnSpc>
+              <a:spcBef>
+                <a:spcPct val="0"/>
+              </a:spcBef>
+              <a:buNone/>
+              <a:defRPr sz="4000" b="1" kern="1200">
+                <a:solidFill>
+                  <a:srgbClr val="F3BE60"/>
+                </a:solidFill>
+                <a:effectLst/>
+                <a:latin typeface="+mj-lt"/>
+                <a:ea typeface="+mj-ea"/>
+                <a:cs typeface="+mj-cs"/>
+              </a:defRPr>
+            </a:lvl1pPr>
+          </a:lstStyle>
+          <a:p>
+            <a:r>
+              <a:rPr lang="bg-BG" dirty="0"/>
+              <a:t>Типове данни и променливи</a:t>
             </a:r>
             <a:endParaRPr lang="en-US" dirty="0"/>
           </a:p>

--- a/Courses/Applied-Programmer/Programming-Fundamentals/02-Типове-данни/05.Типове-данни-целочислени-типове-данни.pptx
+++ b/Courses/Applied-Programmer/Programming-Fundamentals/02-Типове-данни/05.Типове-данни-целочислени-типове-данни.pptx
@@ -365,7 +365,7 @@
             <a:fld id="{FE5B4EDC-59C0-49C7-8ADA-5A781B329E02}" type="datetimeFigureOut">
               <a:rPr lang="en-US"/>
               <a:pPr/>
-              <a:t>19-Nov-20</a:t>
+              <a:t>21-Nov-20</a:t>
             </a:fld>
             <a:endParaRPr dirty="0"/>
           </a:p>
@@ -663,7 +663,7 @@
             <a:fld id="{F2D8D46A-B586-417D-BFBD-8C8FE0AAF762}" type="datetimeFigureOut">
               <a:rPr lang="en-US" smtClean="0"/>
               <a:pPr/>
-              <a:t>19-Nov-20</a:t>
+              <a:t>21-Nov-20</a:t>
             </a:fld>
             <a:endParaRPr lang="en-US" dirty="0"/>
           </a:p>
@@ -6141,6 +6141,129 @@
     <a:masterClrMapping/>
   </p:clrMapOvr>
   <p:transition/>
+  <p:timing>
+    <p:tnLst>
+      <p:par>
+        <p:cTn id="1" dur="indefinite" restart="never" nodeType="tmRoot">
+          <p:childTnLst>
+            <p:seq concurrent="1" nextAc="seek">
+              <p:cTn id="2" dur="indefinite" nodeType="mainSeq">
+                <p:childTnLst>
+                  <p:par>
+                    <p:cTn id="3" fill="hold">
+                      <p:stCondLst>
+                        <p:cond delay="indefinite"/>
+                      </p:stCondLst>
+                      <p:childTnLst>
+                        <p:par>
+                          <p:cTn id="4" fill="hold">
+                            <p:stCondLst>
+                              <p:cond delay="0"/>
+                            </p:stCondLst>
+                            <p:childTnLst>
+                              <p:par>
+                                <p:cTn id="5" presetID="1" presetClass="entr" presetSubtype="0" fill="hold" nodeType="clickEffect">
+                                  <p:stCondLst>
+                                    <p:cond delay="0"/>
+                                  </p:stCondLst>
+                                  <p:childTnLst>
+                                    <p:set>
+                                      <p:cBhvr>
+                                        <p:cTn id="6" dur="1" fill="hold">
+                                          <p:stCondLst>
+                                            <p:cond delay="0"/>
+                                          </p:stCondLst>
+                                        </p:cTn>
+                                        <p:tgtEl>
+                                          <p:spTgt spid="3"/>
+                                        </p:tgtEl>
+                                        <p:attrNameLst>
+                                          <p:attrName>style.visibility</p:attrName>
+                                        </p:attrNameLst>
+                                      </p:cBhvr>
+                                      <p:to>
+                                        <p:strVal val="visible"/>
+                                      </p:to>
+                                    </p:set>
+                                  </p:childTnLst>
+                                </p:cTn>
+                              </p:par>
+                            </p:childTnLst>
+                          </p:cTn>
+                        </p:par>
+                      </p:childTnLst>
+                    </p:cTn>
+                  </p:par>
+                  <p:par>
+                    <p:cTn id="7" fill="hold">
+                      <p:stCondLst>
+                        <p:cond delay="indefinite"/>
+                      </p:stCondLst>
+                      <p:childTnLst>
+                        <p:par>
+                          <p:cTn id="8" fill="hold">
+                            <p:stCondLst>
+                              <p:cond delay="0"/>
+                            </p:stCondLst>
+                            <p:childTnLst>
+                              <p:par>
+                                <p:cTn id="9" presetID="1" presetClass="entr" presetSubtype="0" fill="hold" grpId="0" nodeType="clickEffect">
+                                  <p:stCondLst>
+                                    <p:cond delay="0"/>
+                                  </p:stCondLst>
+                                  <p:childTnLst>
+                                    <p:set>
+                                      <p:cBhvr>
+                                        <p:cTn id="10" dur="1" fill="hold">
+                                          <p:stCondLst>
+                                            <p:cond delay="0"/>
+                                          </p:stCondLst>
+                                        </p:cTn>
+                                        <p:tgtEl>
+                                          <p:spTgt spid="512004"/>
+                                        </p:tgtEl>
+                                        <p:attrNameLst>
+                                          <p:attrName>style.visibility</p:attrName>
+                                        </p:attrNameLst>
+                                      </p:cBhvr>
+                                      <p:to>
+                                        <p:strVal val="visible"/>
+                                      </p:to>
+                                    </p:set>
+                                  </p:childTnLst>
+                                </p:cTn>
+                              </p:par>
+                            </p:childTnLst>
+                          </p:cTn>
+                        </p:par>
+                      </p:childTnLst>
+                    </p:cTn>
+                  </p:par>
+                </p:childTnLst>
+              </p:cTn>
+              <p:prevCondLst>
+                <p:cond evt="onPrev" delay="0">
+                  <p:tgtEl>
+                    <p:sldTgt/>
+                  </p:tgtEl>
+                </p:cond>
+              </p:prevCondLst>
+              <p:nextCondLst>
+                <p:cond evt="onNext" delay="0">
+                  <p:tgtEl>
+                    <p:sldTgt/>
+                  </p:tgtEl>
+                </p:cond>
+              </p:nextCondLst>
+            </p:seq>
+          </p:childTnLst>
+        </p:cTn>
+      </p:par>
+    </p:tnLst>
+    <p:bldLst>
+      <p:bldP spid="512004" grpId="0" animBg="1"/>
+    </p:bldLst>
+  </p:timing>
 </p:sld>
 </file>
 
@@ -7081,33 +7204,15 @@
                                   </p:childTnLst>
                                 </p:cTn>
                               </p:par>
-                            </p:childTnLst>
-                          </p:cTn>
-                        </p:par>
-                      </p:childTnLst>
-                    </p:cTn>
-                  </p:par>
-                  <p:par>
-                    <p:cTn id="11" fill="hold">
-                      <p:stCondLst>
-                        <p:cond delay="indefinite"/>
-                      </p:stCondLst>
-                      <p:childTnLst>
-                        <p:par>
-                          <p:cTn id="12" fill="hold">
-                            <p:stCondLst>
-                              <p:cond delay="0"/>
-                            </p:stCondLst>
-                            <p:childTnLst>
                               <p:par>
-                                <p:cTn id="13" presetID="1" presetClass="entr" presetSubtype="0" fill="hold" grpId="0" nodeType="clickEffect">
+                                <p:cTn id="11" presetID="1" presetClass="entr" presetSubtype="0" fill="hold" grpId="0" nodeType="withEffect">
                                   <p:stCondLst>
                                     <p:cond delay="0"/>
                                   </p:stCondLst>
                                   <p:childTnLst>
                                     <p:set>
                                       <p:cBhvr>
-                                        <p:cTn id="14" dur="1" fill="hold">
+                                        <p:cTn id="12" dur="1" fill="hold">
                                           <p:stCondLst>
                                             <p:cond delay="0"/>
                                           </p:stCondLst>
@@ -7127,14 +7232,14 @@
                                 </p:cTn>
                               </p:par>
                               <p:par>
-                                <p:cTn id="15" presetID="1" presetClass="entr" presetSubtype="0" fill="hold" grpId="0" nodeType="withEffect">
+                                <p:cTn id="13" presetID="1" presetClass="entr" presetSubtype="0" fill="hold" grpId="0" nodeType="withEffect">
                                   <p:stCondLst>
                                     <p:cond delay="0"/>
                                   </p:stCondLst>
                                   <p:childTnLst>
                                     <p:set>
                                       <p:cBhvr>
-                                        <p:cTn id="16" dur="1" fill="hold">
+                                        <p:cTn id="14" dur="1" fill="hold">
                                           <p:stCondLst>
                                             <p:cond delay="0"/>
                                           </p:stCondLst>
@@ -7683,6 +7788,176 @@
   <p:clrMapOvr>
     <a:masterClrMapping/>
   </p:clrMapOvr>
+  <p:timing>
+    <p:tnLst>
+      <p:par>
+        <p:cTn id="1" dur="indefinite" restart="never" nodeType="tmRoot">
+          <p:childTnLst>
+            <p:seq concurrent="1" nextAc="seek">
+              <p:cTn id="2" dur="indefinite" nodeType="mainSeq">
+                <p:childTnLst>
+                  <p:par>
+                    <p:cTn id="3" fill="hold">
+                      <p:stCondLst>
+                        <p:cond delay="indefinite"/>
+                      </p:stCondLst>
+                      <p:childTnLst>
+                        <p:par>
+                          <p:cTn id="4" fill="hold">
+                            <p:stCondLst>
+                              <p:cond delay="0"/>
+                            </p:stCondLst>
+                            <p:childTnLst>
+                              <p:par>
+                                <p:cTn id="5" presetID="1" presetClass="entr" presetSubtype="0" fill="hold" grpId="0" nodeType="clickEffect">
+                                  <p:stCondLst>
+                                    <p:cond delay="0"/>
+                                  </p:stCondLst>
+                                  <p:childTnLst>
+                                    <p:set>
+                                      <p:cBhvr>
+                                        <p:cTn id="6" dur="1" fill="hold">
+                                          <p:stCondLst>
+                                            <p:cond delay="0"/>
+                                          </p:stCondLst>
+                                        </p:cTn>
+                                        <p:tgtEl>
+                                          <p:spTgt spid="6"/>
+                                        </p:tgtEl>
+                                        <p:attrNameLst>
+                                          <p:attrName>style.visibility</p:attrName>
+                                        </p:attrNameLst>
+                                      </p:cBhvr>
+                                      <p:to>
+                                        <p:strVal val="visible"/>
+                                      </p:to>
+                                    </p:set>
+                                  </p:childTnLst>
+                                </p:cTn>
+                              </p:par>
+                            </p:childTnLst>
+                          </p:cTn>
+                        </p:par>
+                      </p:childTnLst>
+                    </p:cTn>
+                  </p:par>
+                  <p:par>
+                    <p:cTn id="7" fill="hold">
+                      <p:stCondLst>
+                        <p:cond delay="indefinite"/>
+                      </p:stCondLst>
+                      <p:childTnLst>
+                        <p:par>
+                          <p:cTn id="8" fill="hold">
+                            <p:stCondLst>
+                              <p:cond delay="0"/>
+                            </p:stCondLst>
+                            <p:childTnLst>
+                              <p:par>
+                                <p:cTn id="9" presetID="1" presetClass="entr" presetSubtype="0" fill="hold" grpId="0" nodeType="clickEffect">
+                                  <p:stCondLst>
+                                    <p:cond delay="0"/>
+                                  </p:stCondLst>
+                                  <p:childTnLst>
+                                    <p:set>
+                                      <p:cBhvr>
+                                        <p:cTn id="10" dur="1" fill="hold">
+                                          <p:stCondLst>
+                                            <p:cond delay="0"/>
+                                          </p:stCondLst>
+                                        </p:cTn>
+                                        <p:tgtEl>
+                                          <p:spTgt spid="8"/>
+                                        </p:tgtEl>
+                                        <p:attrNameLst>
+                                          <p:attrName>style.visibility</p:attrName>
+                                        </p:attrNameLst>
+                                      </p:cBhvr>
+                                      <p:to>
+                                        <p:strVal val="visible"/>
+                                      </p:to>
+                                    </p:set>
+                                  </p:childTnLst>
+                                </p:cTn>
+                              </p:par>
+                            </p:childTnLst>
+                          </p:cTn>
+                        </p:par>
+                      </p:childTnLst>
+                    </p:cTn>
+                  </p:par>
+                  <p:par>
+                    <p:cTn id="11" fill="hold">
+                      <p:stCondLst>
+                        <p:cond delay="indefinite"/>
+                      </p:stCondLst>
+                      <p:childTnLst>
+                        <p:par>
+                          <p:cTn id="12" fill="hold">
+                            <p:stCondLst>
+                              <p:cond delay="0"/>
+                            </p:stCondLst>
+                            <p:childTnLst>
+                              <p:par>
+                                <p:cTn id="13" presetID="1" presetClass="entr" presetSubtype="0" fill="hold" grpId="0" nodeType="clickEffect">
+                                  <p:stCondLst>
+                                    <p:cond delay="0"/>
+                                  </p:stCondLst>
+                                  <p:childTnLst>
+                                    <p:set>
+                                      <p:cBhvr>
+                                        <p:cTn id="14" dur="1" fill="hold">
+                                          <p:stCondLst>
+                                            <p:cond delay="0"/>
+                                          </p:stCondLst>
+                                        </p:cTn>
+                                        <p:tgtEl>
+                                          <p:spTgt spid="2"/>
+                                        </p:tgtEl>
+                                        <p:attrNameLst>
+                                          <p:attrName>style.visibility</p:attrName>
+                                        </p:attrNameLst>
+                                      </p:cBhvr>
+                                      <p:to>
+                                        <p:strVal val="visible"/>
+                                      </p:to>
+                                    </p:set>
+                                  </p:childTnLst>
+                                </p:cTn>
+                              </p:par>
+                            </p:childTnLst>
+                          </p:cTn>
+                        </p:par>
+                      </p:childTnLst>
+                    </p:cTn>
+                  </p:par>
+                </p:childTnLst>
+              </p:cTn>
+              <p:prevCondLst>
+                <p:cond evt="onPrev" delay="0">
+                  <p:tgtEl>
+                    <p:sldTgt/>
+                  </p:tgtEl>
+                </p:cond>
+              </p:prevCondLst>
+              <p:nextCondLst>
+                <p:cond evt="onNext" delay="0">
+                  <p:tgtEl>
+                    <p:sldTgt/>
+                  </p:tgtEl>
+                </p:cond>
+              </p:nextCondLst>
+            </p:seq>
+          </p:childTnLst>
+        </p:cTn>
+      </p:par>
+    </p:tnLst>
+    <p:bldLst>
+      <p:bldP spid="6" grpId="0" animBg="1"/>
+      <p:bldP spid="8" grpId="0" animBg="1"/>
+      <p:bldP spid="2" grpId="0"/>
+    </p:bldLst>
+  </p:timing>
 </p:sld>
 </file>
 
@@ -9995,6 +10270,135 @@
                                         <p:tgtEl>
                                           <p:spTgt spid="532483">
                                             <p:txEl>
+                                              <p:pRg st="1" end="1"/>
+                                            </p:txEl>
+                                          </p:spTgt>
+                                        </p:tgtEl>
+                                        <p:attrNameLst>
+                                          <p:attrName>style.visibility</p:attrName>
+                                        </p:attrNameLst>
+                                      </p:cBhvr>
+                                      <p:to>
+                                        <p:strVal val="visible"/>
+                                      </p:to>
+                                    </p:set>
+                                  </p:childTnLst>
+                                </p:cTn>
+                              </p:par>
+                            </p:childTnLst>
+                          </p:cTn>
+                        </p:par>
+                      </p:childTnLst>
+                    </p:cTn>
+                  </p:par>
+                  <p:par>
+                    <p:cTn id="7" fill="hold">
+                      <p:stCondLst>
+                        <p:cond delay="indefinite"/>
+                      </p:stCondLst>
+                      <p:childTnLst>
+                        <p:par>
+                          <p:cTn id="8" fill="hold">
+                            <p:stCondLst>
+                              <p:cond delay="0"/>
+                            </p:stCondLst>
+                            <p:childTnLst>
+                              <p:par>
+                                <p:cTn id="9" presetID="1" presetClass="entr" presetSubtype="0" fill="hold" nodeType="clickEffect">
+                                  <p:stCondLst>
+                                    <p:cond delay="0"/>
+                                  </p:stCondLst>
+                                  <p:childTnLst>
+                                    <p:set>
+                                      <p:cBhvr>
+                                        <p:cTn id="10" dur="1" fill="hold">
+                                          <p:stCondLst>
+                                            <p:cond delay="0"/>
+                                          </p:stCondLst>
+                                        </p:cTn>
+                                        <p:tgtEl>
+                                          <p:spTgt spid="532483">
+                                            <p:txEl>
+                                              <p:pRg st="2" end="2"/>
+                                            </p:txEl>
+                                          </p:spTgt>
+                                        </p:tgtEl>
+                                        <p:attrNameLst>
+                                          <p:attrName>style.visibility</p:attrName>
+                                        </p:attrNameLst>
+                                      </p:cBhvr>
+                                      <p:to>
+                                        <p:strVal val="visible"/>
+                                      </p:to>
+                                    </p:set>
+                                  </p:childTnLst>
+                                </p:cTn>
+                              </p:par>
+                              <p:par>
+                                <p:cTn id="11" presetID="1" presetClass="entr" presetSubtype="0" fill="hold" nodeType="withEffect">
+                                  <p:stCondLst>
+                                    <p:cond delay="0"/>
+                                  </p:stCondLst>
+                                  <p:childTnLst>
+                                    <p:set>
+                                      <p:cBhvr>
+                                        <p:cTn id="12" dur="1" fill="hold">
+                                          <p:stCondLst>
+                                            <p:cond delay="0"/>
+                                          </p:stCondLst>
+                                        </p:cTn>
+                                        <p:tgtEl>
+                                          <p:spTgt spid="532483">
+                                            <p:txEl>
+                                              <p:pRg st="3" end="3"/>
+                                            </p:txEl>
+                                          </p:spTgt>
+                                        </p:tgtEl>
+                                        <p:attrNameLst>
+                                          <p:attrName>style.visibility</p:attrName>
+                                        </p:attrNameLst>
+                                      </p:cBhvr>
+                                      <p:to>
+                                        <p:strVal val="visible"/>
+                                      </p:to>
+                                    </p:set>
+                                  </p:childTnLst>
+                                </p:cTn>
+                              </p:par>
+                            </p:childTnLst>
+                          </p:cTn>
+                        </p:par>
+                      </p:childTnLst>
+                    </p:cTn>
+                  </p:par>
+                  <p:par>
+                    <p:cTn id="13" fill="hold">
+                      <p:stCondLst>
+                        <p:cond delay="indefinite"/>
+                      </p:stCondLst>
+                      <p:childTnLst>
+                        <p:par>
+                          <p:cTn id="14" fill="hold">
+                            <p:stCondLst>
+                              <p:cond delay="0"/>
+                            </p:stCondLst>
+                            <p:childTnLst>
+                              <p:par>
+                                <p:cTn id="15" presetID="1" presetClass="entr" presetSubtype="0" fill="hold" nodeType="clickEffect">
+                                  <p:stCondLst>
+                                    <p:cond delay="0"/>
+                                  </p:stCondLst>
+                                  <p:childTnLst>
+                                    <p:set>
+                                      <p:cBhvr>
+                                        <p:cTn id="16" dur="1" fill="hold">
+                                          <p:stCondLst>
+                                            <p:cond delay="0"/>
+                                          </p:stCondLst>
+                                        </p:cTn>
+                                        <p:tgtEl>
+                                          <p:spTgt spid="532483">
+                                            <p:txEl>
                                               <p:pRg st="4" end="4"/>
                                             </p:txEl>
                                           </p:spTgt>
@@ -10011,14 +10415,14 @@
                                 </p:cTn>
                               </p:par>
                               <p:par>
-                                <p:cTn id="7" presetID="1" presetClass="entr" presetSubtype="0" fill="hold" nodeType="withEffect">
+                                <p:cTn id="17" presetID="1" presetClass="entr" presetSubtype="0" fill="hold" nodeType="withEffect">
                                   <p:stCondLst>
                                     <p:cond delay="0"/>
                                   </p:stCondLst>
                                   <p:childTnLst>
                                     <p:set>
                                       <p:cBhvr>
-                                        <p:cTn id="8" dur="1" fill="hold">
+                                        <p:cTn id="18" dur="1" fill="hold">
                                           <p:stCondLst>
                                             <p:cond delay="0"/>
                                           </p:stCondLst>
@@ -10048,26 +10452,26 @@
                     </p:cTn>
                   </p:par>
                   <p:par>
-                    <p:cTn id="9" fill="hold">
+                    <p:cTn id="19" fill="hold">
                       <p:stCondLst>
                         <p:cond delay="indefinite"/>
                       </p:stCondLst>
                       <p:childTnLst>
                         <p:par>
-                          <p:cTn id="10" fill="hold">
+                          <p:cTn id="20" fill="hold">
                             <p:stCondLst>
                               <p:cond delay="0"/>
                             </p:stCondLst>
                             <p:childTnLst>
                               <p:par>
-                                <p:cTn id="11" presetID="1" presetClass="entr" presetSubtype="0" fill="hold" nodeType="clickEffect">
+                                <p:cTn id="21" presetID="1" presetClass="entr" presetSubtype="0" fill="hold" nodeType="clickEffect">
                                   <p:stCondLst>
                                     <p:cond delay="0"/>
                                   </p:stCondLst>
                                   <p:childTnLst>
                                     <p:set>
                                       <p:cBhvr>
-                                        <p:cTn id="12" dur="1" fill="hold">
+                                        <p:cTn id="22" dur="1" fill="hold">
                                           <p:stCondLst>
                                             <p:cond delay="0"/>
                                           </p:stCondLst>
@@ -10091,14 +10495,14 @@
                                 </p:cTn>
                               </p:par>
                               <p:par>
-                                <p:cTn id="13" presetID="1" presetClass="entr" presetSubtype="0" fill="hold" nodeType="withEffect">
+                                <p:cTn id="23" presetID="1" presetClass="entr" presetSubtype="0" fill="hold" nodeType="withEffect">
                                   <p:stCondLst>
                                     <p:cond delay="0"/>
                                   </p:stCondLst>
                                   <p:childTnLst>
                                     <p:set>
                                       <p:cBhvr>
-                                        <p:cTn id="14" dur="1" fill="hold">
+                                        <p:cTn id="24" dur="1" fill="hold">
                                           <p:stCondLst>
                                             <p:cond delay="0"/>
                                           </p:stCondLst>
@@ -10475,6 +10879,325 @@
   <p:clrMapOvr>
     <a:masterClrMapping/>
   </p:clrMapOvr>
+  <p:timing>
+    <p:tnLst>
+      <p:par>
+        <p:cTn id="1" dur="indefinite" restart="never" nodeType="tmRoot">
+          <p:childTnLst>
+            <p:seq concurrent="1" nextAc="seek">
+              <p:cTn id="2" dur="indefinite" nodeType="mainSeq">
+                <p:childTnLst>
+                  <p:par>
+                    <p:cTn id="3" fill="hold">
+                      <p:stCondLst>
+                        <p:cond delay="indefinite"/>
+                      </p:stCondLst>
+                      <p:childTnLst>
+                        <p:par>
+                          <p:cTn id="4" fill="hold">
+                            <p:stCondLst>
+                              <p:cond delay="0"/>
+                            </p:stCondLst>
+                            <p:childTnLst>
+                              <p:par>
+                                <p:cTn id="5" presetID="1" presetClass="entr" presetSubtype="0" fill="hold" nodeType="clickEffect">
+                                  <p:stCondLst>
+                                    <p:cond delay="0"/>
+                                  </p:stCondLst>
+                                  <p:childTnLst>
+                                    <p:set>
+                                      <p:cBhvr>
+                                        <p:cTn id="6" dur="1" fill="hold">
+                                          <p:stCondLst>
+                                            <p:cond delay="0"/>
+                                          </p:stCondLst>
+                                        </p:cTn>
+                                        <p:tgtEl>
+                                          <p:spTgt spid="5">
+                                            <p:txEl>
+                                              <p:pRg st="1" end="1"/>
+                                            </p:txEl>
+                                          </p:spTgt>
+                                        </p:tgtEl>
+                                        <p:attrNameLst>
+                                          <p:attrName>style.visibility</p:attrName>
+                                        </p:attrNameLst>
+                                      </p:cBhvr>
+                                      <p:to>
+                                        <p:strVal val="visible"/>
+                                      </p:to>
+                                    </p:set>
+                                  </p:childTnLst>
+                                </p:cTn>
+                              </p:par>
+                              <p:par>
+                                <p:cTn id="7" presetID="1" presetClass="entr" presetSubtype="0" fill="hold" nodeType="withEffect">
+                                  <p:stCondLst>
+                                    <p:cond delay="0"/>
+                                  </p:stCondLst>
+                                  <p:childTnLst>
+                                    <p:set>
+                                      <p:cBhvr>
+                                        <p:cTn id="8" dur="1" fill="hold">
+                                          <p:stCondLst>
+                                            <p:cond delay="0"/>
+                                          </p:stCondLst>
+                                        </p:cTn>
+                                        <p:tgtEl>
+                                          <p:spTgt spid="5">
+                                            <p:txEl>
+                                              <p:pRg st="2" end="2"/>
+                                            </p:txEl>
+                                          </p:spTgt>
+                                        </p:tgtEl>
+                                        <p:attrNameLst>
+                                          <p:attrName>style.visibility</p:attrName>
+                                        </p:attrNameLst>
+                                      </p:cBhvr>
+                                      <p:to>
+                                        <p:strVal val="visible"/>
+                                      </p:to>
+                                    </p:set>
+                                  </p:childTnLst>
+                                </p:cTn>
+                              </p:par>
+                              <p:par>
+                                <p:cTn id="9" presetID="1" presetClass="entr" presetSubtype="0" fill="hold" nodeType="withEffect">
+                                  <p:stCondLst>
+                                    <p:cond delay="0"/>
+                                  </p:stCondLst>
+                                  <p:childTnLst>
+                                    <p:set>
+                                      <p:cBhvr>
+                                        <p:cTn id="10" dur="1" fill="hold">
+                                          <p:stCondLst>
+                                            <p:cond delay="0"/>
+                                          </p:stCondLst>
+                                        </p:cTn>
+                                        <p:tgtEl>
+                                          <p:spTgt spid="5">
+                                            <p:txEl>
+                                              <p:pRg st="3" end="3"/>
+                                            </p:txEl>
+                                          </p:spTgt>
+                                        </p:tgtEl>
+                                        <p:attrNameLst>
+                                          <p:attrName>style.visibility</p:attrName>
+                                        </p:attrNameLst>
+                                      </p:cBhvr>
+                                      <p:to>
+                                        <p:strVal val="visible"/>
+                                      </p:to>
+                                    </p:set>
+                                  </p:childTnLst>
+                                </p:cTn>
+                              </p:par>
+                            </p:childTnLst>
+                          </p:cTn>
+                        </p:par>
+                      </p:childTnLst>
+                    </p:cTn>
+                  </p:par>
+                  <p:par>
+                    <p:cTn id="11" fill="hold">
+                      <p:stCondLst>
+                        <p:cond delay="indefinite"/>
+                      </p:stCondLst>
+                      <p:childTnLst>
+                        <p:par>
+                          <p:cTn id="12" fill="hold">
+                            <p:stCondLst>
+                              <p:cond delay="0"/>
+                            </p:stCondLst>
+                            <p:childTnLst>
+                              <p:par>
+                                <p:cTn id="13" presetID="1" presetClass="entr" presetSubtype="0" fill="hold" nodeType="clickEffect">
+                                  <p:stCondLst>
+                                    <p:cond delay="0"/>
+                                  </p:stCondLst>
+                                  <p:childTnLst>
+                                    <p:set>
+                                      <p:cBhvr>
+                                        <p:cTn id="14" dur="1" fill="hold">
+                                          <p:stCondLst>
+                                            <p:cond delay="0"/>
+                                          </p:stCondLst>
+                                        </p:cTn>
+                                        <p:tgtEl>
+                                          <p:spTgt spid="5">
+                                            <p:txEl>
+                                              <p:pRg st="4" end="4"/>
+                                            </p:txEl>
+                                          </p:spTgt>
+                                        </p:tgtEl>
+                                        <p:attrNameLst>
+                                          <p:attrName>style.visibility</p:attrName>
+                                        </p:attrNameLst>
+                                      </p:cBhvr>
+                                      <p:to>
+                                        <p:strVal val="visible"/>
+                                      </p:to>
+                                    </p:set>
+                                  </p:childTnLst>
+                                </p:cTn>
+                              </p:par>
+                            </p:childTnLst>
+                          </p:cTn>
+                        </p:par>
+                      </p:childTnLst>
+                    </p:cTn>
+                  </p:par>
+                  <p:par>
+                    <p:cTn id="15" fill="hold">
+                      <p:stCondLst>
+                        <p:cond delay="indefinite"/>
+                      </p:stCondLst>
+                      <p:childTnLst>
+                        <p:par>
+                          <p:cTn id="16" fill="hold">
+                            <p:stCondLst>
+                              <p:cond delay="0"/>
+                            </p:stCondLst>
+                            <p:childTnLst>
+                              <p:par>
+                                <p:cTn id="17" presetID="1" presetClass="entr" presetSubtype="0" fill="hold" nodeType="clickEffect">
+                                  <p:stCondLst>
+                                    <p:cond delay="0"/>
+                                  </p:stCondLst>
+                                  <p:childTnLst>
+                                    <p:set>
+                                      <p:cBhvr>
+                                        <p:cTn id="18" dur="1" fill="hold">
+                                          <p:stCondLst>
+                                            <p:cond delay="0"/>
+                                          </p:stCondLst>
+                                        </p:cTn>
+                                        <p:tgtEl>
+                                          <p:spTgt spid="5">
+                                            <p:txEl>
+                                              <p:pRg st="5" end="5"/>
+                                            </p:txEl>
+                                          </p:spTgt>
+                                        </p:tgtEl>
+                                        <p:attrNameLst>
+                                          <p:attrName>style.visibility</p:attrName>
+                                        </p:attrNameLst>
+                                      </p:cBhvr>
+                                      <p:to>
+                                        <p:strVal val="visible"/>
+                                      </p:to>
+                                    </p:set>
+                                  </p:childTnLst>
+                                </p:cTn>
+                              </p:par>
+                            </p:childTnLst>
+                          </p:cTn>
+                        </p:par>
+                      </p:childTnLst>
+                    </p:cTn>
+                  </p:par>
+                  <p:par>
+                    <p:cTn id="19" fill="hold">
+                      <p:stCondLst>
+                        <p:cond delay="indefinite"/>
+                      </p:stCondLst>
+                      <p:childTnLst>
+                        <p:par>
+                          <p:cTn id="20" fill="hold">
+                            <p:stCondLst>
+                              <p:cond delay="0"/>
+                            </p:stCondLst>
+                            <p:childTnLst>
+                              <p:par>
+                                <p:cTn id="21" presetID="1" presetClass="entr" presetSubtype="0" fill="hold" nodeType="clickEffect">
+                                  <p:stCondLst>
+                                    <p:cond delay="0"/>
+                                  </p:stCondLst>
+                                  <p:childTnLst>
+                                    <p:set>
+                                      <p:cBhvr>
+                                        <p:cTn id="22" dur="1" fill="hold">
+                                          <p:stCondLst>
+                                            <p:cond delay="0"/>
+                                          </p:stCondLst>
+                                        </p:cTn>
+                                        <p:tgtEl>
+                                          <p:spTgt spid="5">
+                                            <p:txEl>
+                                              <p:pRg st="6" end="6"/>
+                                            </p:txEl>
+                                          </p:spTgt>
+                                        </p:tgtEl>
+                                        <p:attrNameLst>
+                                          <p:attrName>style.visibility</p:attrName>
+                                        </p:attrNameLst>
+                                      </p:cBhvr>
+                                      <p:to>
+                                        <p:strVal val="visible"/>
+                                      </p:to>
+                                    </p:set>
+                                  </p:childTnLst>
+                                </p:cTn>
+                              </p:par>
+                              <p:par>
+                                <p:cTn id="23" presetID="1" presetClass="entr" presetSubtype="0" fill="hold" nodeType="withEffect">
+                                  <p:stCondLst>
+                                    <p:cond delay="0"/>
+                                  </p:stCondLst>
+                                  <p:childTnLst>
+                                    <p:set>
+                                      <p:cBhvr>
+                                        <p:cTn id="24" dur="1" fill="hold">
+                                          <p:stCondLst>
+                                            <p:cond delay="0"/>
+                                          </p:stCondLst>
+                                        </p:cTn>
+                                        <p:tgtEl>
+                                          <p:spTgt spid="5">
+                                            <p:txEl>
+                                              <p:pRg st="7" end="7"/>
+                                            </p:txEl>
+                                          </p:spTgt>
+                                        </p:tgtEl>
+                                        <p:attrNameLst>
+                                          <p:attrName>style.visibility</p:attrName>
+                                        </p:attrNameLst>
+                                      </p:cBhvr>
+                                      <p:to>
+                                        <p:strVal val="visible"/>
+                                      </p:to>
+                                    </p:set>
+                                  </p:childTnLst>
+                                </p:cTn>
+                              </p:par>
+                            </p:childTnLst>
+                          </p:cTn>
+                        </p:par>
+                      </p:childTnLst>
+                    </p:cTn>
+                  </p:par>
+                </p:childTnLst>
+              </p:cTn>
+              <p:prevCondLst>
+                <p:cond evt="onPrev" delay="0">
+                  <p:tgtEl>
+                    <p:sldTgt/>
+                  </p:tgtEl>
+                </p:cond>
+              </p:prevCondLst>
+              <p:nextCondLst>
+                <p:cond evt="onNext" delay="0">
+                  <p:tgtEl>
+                    <p:sldTgt/>
+                  </p:tgtEl>
+                </p:cond>
+              </p:nextCondLst>
+            </p:seq>
+          </p:childTnLst>
+        </p:cTn>
+      </p:par>
+    </p:tnLst>
+  </p:timing>
 </p:sld>
 </file>
 
@@ -11320,6 +12043,85 @@
   <p:clrMapOvr>
     <a:masterClrMapping/>
   </p:clrMapOvr>
+  <p:timing>
+    <p:tnLst>
+      <p:par>
+        <p:cTn id="1" dur="indefinite" restart="never" nodeType="tmRoot">
+          <p:childTnLst>
+            <p:seq concurrent="1" nextAc="seek">
+              <p:cTn id="2" dur="indefinite" nodeType="mainSeq">
+                <p:childTnLst>
+                  <p:par>
+                    <p:cTn id="3" fill="hold">
+                      <p:stCondLst>
+                        <p:cond delay="indefinite"/>
+                      </p:stCondLst>
+                      <p:childTnLst>
+                        <p:par>
+                          <p:cTn id="4" fill="hold">
+                            <p:stCondLst>
+                              <p:cond delay="0"/>
+                            </p:stCondLst>
+                            <p:childTnLst>
+                              <p:par>
+                                <p:cTn id="5" presetID="1" presetClass="entr" presetSubtype="0" fill="hold" nodeType="clickEffect">
+                                  <p:stCondLst>
+                                    <p:cond delay="0"/>
+                                  </p:stCondLst>
+                                  <p:childTnLst>
+                                    <p:set>
+                                      <p:cBhvr>
+                                        <p:cTn id="6" dur="1" fill="hold">
+                                          <p:stCondLst>
+                                            <p:cond delay="0"/>
+                                          </p:stCondLst>
+                                        </p:cTn>
+                                        <p:tgtEl>
+                                          <p:spTgt spid="423939">
+                                            <p:txEl>
+                                              <p:pRg st="1" end="1"/>
+                                            </p:txEl>
+                                          </p:spTgt>
+                                        </p:tgtEl>
+                                        <p:attrNameLst>
+                                          <p:attrName>style.visibility</p:attrName>
+                                        </p:attrNameLst>
+                                      </p:cBhvr>
+                                      <p:to>
+                                        <p:strVal val="visible"/>
+                                      </p:to>
+                                    </p:set>
+                                  </p:childTnLst>
+                                </p:cTn>
+                              </p:par>
+                            </p:childTnLst>
+                          </p:cTn>
+                        </p:par>
+                      </p:childTnLst>
+                    </p:cTn>
+                  </p:par>
+                </p:childTnLst>
+              </p:cTn>
+              <p:prevCondLst>
+                <p:cond evt="onPrev" delay="0">
+                  <p:tgtEl>
+                    <p:sldTgt/>
+                  </p:tgtEl>
+                </p:cond>
+              </p:prevCondLst>
+              <p:nextCondLst>
+                <p:cond evt="onNext" delay="0">
+                  <p:tgtEl>
+                    <p:sldTgt/>
+                  </p:tgtEl>
+                </p:cond>
+              </p:nextCondLst>
+            </p:seq>
+          </p:childTnLst>
+        </p:cTn>
+      </p:par>
+    </p:tnLst>
+  </p:timing>
 </p:sld>
 </file>
 
@@ -12175,6 +12977,130 @@
     <a:masterClrMapping/>
   </p:clrMapOvr>
   <p:transition/>
+  <p:timing>
+    <p:tnLst>
+      <p:par>
+        <p:cTn id="1" dur="indefinite" restart="never" nodeType="tmRoot">
+          <p:childTnLst>
+            <p:seq concurrent="1" nextAc="seek">
+              <p:cTn id="2" dur="indefinite" nodeType="mainSeq">
+                <p:childTnLst>
+                  <p:par>
+                    <p:cTn id="3" fill="hold">
+                      <p:stCondLst>
+                        <p:cond delay="indefinite"/>
+                      </p:stCondLst>
+                      <p:childTnLst>
+                        <p:par>
+                          <p:cTn id="4" fill="hold">
+                            <p:stCondLst>
+                              <p:cond delay="0"/>
+                            </p:stCondLst>
+                            <p:childTnLst>
+                              <p:par>
+                                <p:cTn id="5" presetID="1" presetClass="entr" presetSubtype="0" fill="hold" nodeType="clickEffect">
+                                  <p:stCondLst>
+                                    <p:cond delay="0"/>
+                                  </p:stCondLst>
+                                  <p:childTnLst>
+                                    <p:set>
+                                      <p:cBhvr>
+                                        <p:cTn id="6" dur="1" fill="hold">
+                                          <p:stCondLst>
+                                            <p:cond delay="0"/>
+                                          </p:stCondLst>
+                                        </p:cTn>
+                                        <p:tgtEl>
+                                          <p:spTgt spid="560131">
+                                            <p:txEl>
+                                              <p:pRg st="1" end="1"/>
+                                            </p:txEl>
+                                          </p:spTgt>
+                                        </p:tgtEl>
+                                        <p:attrNameLst>
+                                          <p:attrName>style.visibility</p:attrName>
+                                        </p:attrNameLst>
+                                      </p:cBhvr>
+                                      <p:to>
+                                        <p:strVal val="visible"/>
+                                      </p:to>
+                                    </p:set>
+                                  </p:childTnLst>
+                                </p:cTn>
+                              </p:par>
+                            </p:childTnLst>
+                          </p:cTn>
+                        </p:par>
+                      </p:childTnLst>
+                    </p:cTn>
+                  </p:par>
+                  <p:par>
+                    <p:cTn id="7" fill="hold">
+                      <p:stCondLst>
+                        <p:cond delay="indefinite"/>
+                      </p:stCondLst>
+                      <p:childTnLst>
+                        <p:par>
+                          <p:cTn id="8" fill="hold">
+                            <p:stCondLst>
+                              <p:cond delay="0"/>
+                            </p:stCondLst>
+                            <p:childTnLst>
+                              <p:par>
+                                <p:cTn id="9" presetID="1" presetClass="entr" presetSubtype="0" fill="hold" nodeType="clickEffect">
+                                  <p:stCondLst>
+                                    <p:cond delay="0"/>
+                                  </p:stCondLst>
+                                  <p:childTnLst>
+                                    <p:set>
+                                      <p:cBhvr>
+                                        <p:cTn id="10" dur="1" fill="hold">
+                                          <p:stCondLst>
+                                            <p:cond delay="0"/>
+                                          </p:stCondLst>
+                                        </p:cTn>
+                                        <p:tgtEl>
+                                          <p:spTgt spid="6"/>
+                                        </p:tgtEl>
+                                        <p:attrNameLst>
+                                          <p:attrName>style.visibility</p:attrName>
+                                        </p:attrNameLst>
+                                      </p:cBhvr>
+                                      <p:to>
+                                        <p:strVal val="visible"/>
+                                      </p:to>
+                                    </p:set>
+                                  </p:childTnLst>
+                                </p:cTn>
+                              </p:par>
+                            </p:childTnLst>
+                          </p:cTn>
+                        </p:par>
+                      </p:childTnLst>
+                    </p:cTn>
+                  </p:par>
+                </p:childTnLst>
+              </p:cTn>
+              <p:prevCondLst>
+                <p:cond evt="onPrev" delay="0">
+                  <p:tgtEl>
+                    <p:sldTgt/>
+                  </p:tgtEl>
+                </p:cond>
+              </p:prevCondLst>
+              <p:nextCondLst>
+                <p:cond evt="onNext" delay="0">
+                  <p:tgtEl>
+                    <p:sldTgt/>
+                  </p:tgtEl>
+                </p:cond>
+              </p:nextCondLst>
+            </p:seq>
+          </p:childTnLst>
+        </p:cTn>
+      </p:par>
+    </p:tnLst>
+  </p:timing>
 </p:sld>
 </file>
 
@@ -12784,7 +13710,7 @@
                             </p:stCondLst>
                             <p:childTnLst>
                               <p:par>
-                                <p:cTn id="5" presetID="1" presetClass="entr" presetSubtype="0" fill="hold" grpId="0" nodeType="clickEffect">
+                                <p:cTn id="5" presetID="1" presetClass="entr" presetSubtype="0" fill="hold" nodeType="clickEffect">
                                   <p:stCondLst>
                                     <p:cond delay="0"/>
                                   </p:stCondLst>
@@ -12797,7 +13723,11 @@
                                           </p:stCondLst>
                                         </p:cTn>
                                         <p:tgtEl>
-                                          <p:spTgt spid="560133"/>
+                                          <p:spTgt spid="560131">
+                                            <p:txEl>
+                                              <p:pRg st="1" end="1"/>
+                                            </p:txEl>
+                                          </p:spTgt>
                                         </p:tgtEl>
                                         <p:attrNameLst>
                                           <p:attrName>style.visibility</p:attrName>
@@ -12829,7 +13759,7 @@
                             </p:stCondLst>
                             <p:childTnLst>
                               <p:par>
-                                <p:cTn id="9" presetID="1" presetClass="entr" presetSubtype="0" fill="hold" grpId="0" nodeType="clickEffect">
+                                <p:cTn id="9" presetID="1" presetClass="entr" presetSubtype="0" fill="hold" nodeType="clickEffect">
                                   <p:stCondLst>
                                     <p:cond delay="0"/>
                                   </p:stCondLst>
@@ -12842,7 +13772,11 @@
                                           </p:stCondLst>
                                         </p:cTn>
                                         <p:tgtEl>
-                                          <p:spTgt spid="560134"/>
+                                          <p:spTgt spid="560131">
+                                            <p:txEl>
+                                              <p:pRg st="2" end="2"/>
+                                            </p:txEl>
+                                          </p:spTgt>
                                         </p:tgtEl>
                                         <p:attrNameLst>
                                           <p:attrName>style.visibility</p:attrName>
@@ -12887,7 +13821,173 @@
                                           </p:stCondLst>
                                         </p:cTn>
                                         <p:tgtEl>
+                                          <p:spTgt spid="560132"/>
+                                        </p:tgtEl>
+                                        <p:attrNameLst>
+                                          <p:attrName>style.visibility</p:attrName>
+                                        </p:attrNameLst>
+                                      </p:cBhvr>
+                                      <p:to>
+                                        <p:strVal val="visible"/>
+                                      </p:to>
+                                    </p:set>
+                                  </p:childTnLst>
+                                </p:cTn>
+                              </p:par>
+                              <p:par>
+                                <p:cTn id="15" presetID="1" presetClass="entr" presetSubtype="0" fill="hold" grpId="0" nodeType="withEffect">
+                                  <p:stCondLst>
+                                    <p:cond delay="0"/>
+                                  </p:stCondLst>
+                                  <p:childTnLst>
+                                    <p:set>
+                                      <p:cBhvr>
+                                        <p:cTn id="16" dur="1" fill="hold">
+                                          <p:stCondLst>
+                                            <p:cond delay="0"/>
+                                          </p:stCondLst>
+                                        </p:cTn>
+                                        <p:tgtEl>
+                                          <p:spTgt spid="560133"/>
+                                        </p:tgtEl>
+                                        <p:attrNameLst>
+                                          <p:attrName>style.visibility</p:attrName>
+                                        </p:attrNameLst>
+                                      </p:cBhvr>
+                                      <p:to>
+                                        <p:strVal val="visible"/>
+                                      </p:to>
+                                    </p:set>
+                                  </p:childTnLst>
+                                </p:cTn>
+                              </p:par>
+                            </p:childTnLst>
+                          </p:cTn>
+                        </p:par>
+                      </p:childTnLst>
+                    </p:cTn>
+                  </p:par>
+                  <p:par>
+                    <p:cTn id="17" fill="hold">
+                      <p:stCondLst>
+                        <p:cond delay="indefinite"/>
+                      </p:stCondLst>
+                      <p:childTnLst>
+                        <p:par>
+                          <p:cTn id="18" fill="hold">
+                            <p:stCondLst>
+                              <p:cond delay="0"/>
+                            </p:stCondLst>
+                            <p:childTnLst>
+                              <p:par>
+                                <p:cTn id="19" presetID="1" presetClass="entr" presetSubtype="0" fill="hold" grpId="0" nodeType="clickEffect">
+                                  <p:stCondLst>
+                                    <p:cond delay="0"/>
+                                  </p:stCondLst>
+                                  <p:childTnLst>
+                                    <p:set>
+                                      <p:cBhvr>
+                                        <p:cTn id="20" dur="1" fill="hold">
+                                          <p:stCondLst>
+                                            <p:cond delay="0"/>
+                                          </p:stCondLst>
+                                        </p:cTn>
+                                        <p:tgtEl>
+                                          <p:spTgt spid="560134"/>
+                                        </p:tgtEl>
+                                        <p:attrNameLst>
+                                          <p:attrName>style.visibility</p:attrName>
+                                        </p:attrNameLst>
+                                      </p:cBhvr>
+                                      <p:to>
+                                        <p:strVal val="visible"/>
+                                      </p:to>
+                                    </p:set>
+                                  </p:childTnLst>
+                                </p:cTn>
+                              </p:par>
+                            </p:childTnLst>
+                          </p:cTn>
+                        </p:par>
+                      </p:childTnLst>
+                    </p:cTn>
+                  </p:par>
+                  <p:par>
+                    <p:cTn id="21" fill="hold">
+                      <p:stCondLst>
+                        <p:cond delay="indefinite"/>
+                      </p:stCondLst>
+                      <p:childTnLst>
+                        <p:par>
+                          <p:cTn id="22" fill="hold">
+                            <p:stCondLst>
+                              <p:cond delay="0"/>
+                            </p:stCondLst>
+                            <p:childTnLst>
+                              <p:par>
+                                <p:cTn id="23" presetID="1" presetClass="entr" presetSubtype="0" fill="hold" grpId="0" nodeType="clickEffect">
+                                  <p:stCondLst>
+                                    <p:cond delay="0"/>
+                                  </p:stCondLst>
+                                  <p:childTnLst>
+                                    <p:set>
+                                      <p:cBhvr>
+                                        <p:cTn id="24" dur="1" fill="hold">
+                                          <p:stCondLst>
+                                            <p:cond delay="0"/>
+                                          </p:stCondLst>
+                                        </p:cTn>
+                                        <p:tgtEl>
                                           <p:spTgt spid="560135"/>
+                                        </p:tgtEl>
+                                        <p:attrNameLst>
+                                          <p:attrName>style.visibility</p:attrName>
+                                        </p:attrNameLst>
+                                      </p:cBhvr>
+                                      <p:to>
+                                        <p:strVal val="visible"/>
+                                      </p:to>
+                                    </p:set>
+                                  </p:childTnLst>
+                                </p:cTn>
+                              </p:par>
+                            </p:childTnLst>
+                          </p:cTn>
+                        </p:par>
+                      </p:childTnLst>
+                    </p:cTn>
+                  </p:par>
+                  <p:par>
+                    <p:cTn id="25" fill="hold">
+                      <p:stCondLst>
+                        <p:cond delay="indefinite"/>
+                      </p:stCondLst>
+                      <p:childTnLst>
+                        <p:par>
+                          <p:cTn id="26" fill="hold">
+                            <p:stCondLst>
+                              <p:cond delay="0"/>
+                            </p:stCondLst>
+                            <p:childTnLst>
+                              <p:par>
+                                <p:cTn id="27" presetID="1" presetClass="entr" presetSubtype="0" fill="hold" nodeType="clickEffect">
+                                  <p:stCondLst>
+                                    <p:cond delay="0"/>
+                                  </p:stCondLst>
+                                  <p:childTnLst>
+                                    <p:set>
+                                      <p:cBhvr>
+                                        <p:cTn id="28" dur="1" fill="hold">
+                                          <p:stCondLst>
+                                            <p:cond delay="0"/>
+                                          </p:stCondLst>
+                                        </p:cTn>
+                                        <p:tgtEl>
+                                          <p:spTgt spid="560131">
+                                            <p:txEl>
+                                              <p:pRg st="6" end="6"/>
+                                            </p:txEl>
+                                          </p:spTgt>
                                         </p:tgtEl>
                                         <p:attrNameLst>
                                           <p:attrName>style.visibility</p:attrName>
@@ -12928,6 +14028,7 @@
       </p:par>
     </p:tnLst>
     <p:bldLst>
+      <p:bldP spid="560132" grpId="0" animBg="1"/>
       <p:bldP spid="560133" grpId="0" animBg="1"/>
       <p:bldP spid="560134" grpId="0" animBg="1"/>
       <p:bldP spid="560135" grpId="0" animBg="1"/>
@@ -13448,6 +14549,104 @@
                                         <p:tgtEl>
                                           <p:spTgt spid="507907">
                                             <p:txEl>
+                                              <p:pRg st="1" end="1"/>
+                                            </p:txEl>
+                                          </p:spTgt>
+                                        </p:tgtEl>
+                                        <p:attrNameLst>
+                                          <p:attrName>style.visibility</p:attrName>
+                                        </p:attrNameLst>
+                                      </p:cBhvr>
+                                      <p:to>
+                                        <p:strVal val="visible"/>
+                                      </p:to>
+                                    </p:set>
+                                  </p:childTnLst>
+                                </p:cTn>
+                              </p:par>
+                            </p:childTnLst>
+                          </p:cTn>
+                        </p:par>
+                      </p:childTnLst>
+                    </p:cTn>
+                  </p:par>
+                  <p:par>
+                    <p:cTn id="7" fill="hold">
+                      <p:stCondLst>
+                        <p:cond delay="indefinite"/>
+                      </p:stCondLst>
+                      <p:childTnLst>
+                        <p:par>
+                          <p:cTn id="8" fill="hold">
+                            <p:stCondLst>
+                              <p:cond delay="0"/>
+                            </p:stCondLst>
+                            <p:childTnLst>
+                              <p:par>
+                                <p:cTn id="9" presetID="1" presetClass="entr" presetSubtype="0" fill="hold" nodeType="clickEffect">
+                                  <p:stCondLst>
+                                    <p:cond delay="0"/>
+                                  </p:stCondLst>
+                                  <p:childTnLst>
+                                    <p:set>
+                                      <p:cBhvr>
+                                        <p:cTn id="10" dur="1" fill="hold">
+                                          <p:stCondLst>
+                                            <p:cond delay="0"/>
+                                          </p:stCondLst>
+                                        </p:cTn>
+                                        <p:tgtEl>
+                                          <p:spTgt spid="507907">
+                                            <p:txEl>
+                                              <p:pRg st="2" end="2"/>
+                                            </p:txEl>
+                                          </p:spTgt>
+                                        </p:tgtEl>
+                                        <p:attrNameLst>
+                                          <p:attrName>style.visibility</p:attrName>
+                                        </p:attrNameLst>
+                                      </p:cBhvr>
+                                      <p:to>
+                                        <p:strVal val="visible"/>
+                                      </p:to>
+                                    </p:set>
+                                  </p:childTnLst>
+                                </p:cTn>
+                              </p:par>
+                            </p:childTnLst>
+                          </p:cTn>
+                        </p:par>
+                      </p:childTnLst>
+                    </p:cTn>
+                  </p:par>
+                  <p:par>
+                    <p:cTn id="11" fill="hold">
+                      <p:stCondLst>
+                        <p:cond delay="indefinite"/>
+                      </p:stCondLst>
+                      <p:childTnLst>
+                        <p:par>
+                          <p:cTn id="12" fill="hold">
+                            <p:stCondLst>
+                              <p:cond delay="0"/>
+                            </p:stCondLst>
+                            <p:childTnLst>
+                              <p:par>
+                                <p:cTn id="13" presetID="1" presetClass="entr" presetSubtype="0" fill="hold" nodeType="clickEffect">
+                                  <p:stCondLst>
+                                    <p:cond delay="0"/>
+                                  </p:stCondLst>
+                                  <p:childTnLst>
+                                    <p:set>
+                                      <p:cBhvr>
+                                        <p:cTn id="14" dur="1" fill="hold">
+                                          <p:stCondLst>
+                                            <p:cond delay="0"/>
+                                          </p:stCondLst>
+                                        </p:cTn>
+                                        <p:tgtEl>
+                                          <p:spTgt spid="507907">
+                                            <p:txEl>
                                               <p:pRg st="3" end="3"/>
                                             </p:txEl>
                                           </p:spTgt>
@@ -13463,15 +14662,33 @@
                                   </p:childTnLst>
                                 </p:cTn>
                               </p:par>
+                            </p:childTnLst>
+                          </p:cTn>
+                        </p:par>
+                      </p:childTnLst>
+                    </p:cTn>
+                  </p:par>
+                  <p:par>
+                    <p:cTn id="15" fill="hold">
+                      <p:stCondLst>
+                        <p:cond delay="indefinite"/>
+                      </p:stCondLst>
+                      <p:childTnLst>
+                        <p:par>
+                          <p:cTn id="16" fill="hold">
+                            <p:stCondLst>
+                              <p:cond delay="0"/>
+                            </p:stCondLst>
+                            <p:childTnLst>
                               <p:par>
-                                <p:cTn id="7" presetID="1" presetClass="entr" presetSubtype="0" fill="hold" nodeType="withEffect">
+                                <p:cTn id="17" presetID="1" presetClass="entr" presetSubtype="0" fill="hold" nodeType="clickEffect">
                                   <p:stCondLst>
                                     <p:cond delay="0"/>
                                   </p:stCondLst>
                                   <p:childTnLst>
                                     <p:set>
                                       <p:cBhvr>
-                                        <p:cTn id="8" dur="1" fill="hold">
+                                        <p:cTn id="18" dur="1" fill="hold">
                                           <p:stCondLst>
                                             <p:cond delay="0"/>
                                           </p:stCondLst>
@@ -13494,15 +14711,33 @@
                                   </p:childTnLst>
                                 </p:cTn>
                               </p:par>
+                            </p:childTnLst>
+                          </p:cTn>
+                        </p:par>
+                      </p:childTnLst>
+                    </p:cTn>
+                  </p:par>
+                  <p:par>
+                    <p:cTn id="19" fill="hold">
+                      <p:stCondLst>
+                        <p:cond delay="indefinite"/>
+                      </p:stCondLst>
+                      <p:childTnLst>
+                        <p:par>
+                          <p:cTn id="20" fill="hold">
+                            <p:stCondLst>
+                              <p:cond delay="0"/>
+                            </p:stCondLst>
+                            <p:childTnLst>
                               <p:par>
-                                <p:cTn id="9" presetID="1" presetClass="entr" presetSubtype="0" fill="hold" nodeType="withEffect">
+                                <p:cTn id="21" presetID="1" presetClass="entr" presetSubtype="0" fill="hold" nodeType="clickEffect">
                                   <p:stCondLst>
                                     <p:cond delay="0"/>
                                   </p:stCondLst>
                                   <p:childTnLst>
                                     <p:set>
                                       <p:cBhvr>
-                                        <p:cTn id="10" dur="1" fill="hold">
+                                        <p:cTn id="22" dur="1" fill="hold">
                                           <p:stCondLst>
                                             <p:cond delay="0"/>
                                           </p:stCondLst>
@@ -13525,15 +14760,33 @@
                                   </p:childTnLst>
                                 </p:cTn>
                               </p:par>
+                            </p:childTnLst>
+                          </p:cTn>
+                        </p:par>
+                      </p:childTnLst>
+                    </p:cTn>
+                  </p:par>
+                  <p:par>
+                    <p:cTn id="23" fill="hold">
+                      <p:stCondLst>
+                        <p:cond delay="indefinite"/>
+                      </p:stCondLst>
+                      <p:childTnLst>
+                        <p:par>
+                          <p:cTn id="24" fill="hold">
+                            <p:stCondLst>
+                              <p:cond delay="0"/>
+                            </p:stCondLst>
+                            <p:childTnLst>
                               <p:par>
-                                <p:cTn id="11" presetID="1" presetClass="entr" presetSubtype="0" fill="hold" nodeType="withEffect">
+                                <p:cTn id="25" presetID="1" presetClass="entr" presetSubtype="0" fill="hold" nodeType="clickEffect">
                                   <p:stCondLst>
                                     <p:cond delay="0"/>
                                   </p:stCondLst>
                                   <p:childTnLst>
                                     <p:set>
                                       <p:cBhvr>
-                                        <p:cTn id="12" dur="1" fill="hold">
+                                        <p:cTn id="26" dur="1" fill="hold">
                                           <p:stCondLst>
                                             <p:cond delay="0"/>
                                           </p:stCondLst>
@@ -14360,6 +15613,153 @@
                                         <p:tgtEl>
                                           <p:spTgt spid="506883">
                                             <p:txEl>
+                                              <p:pRg st="1" end="1"/>
+                                            </p:txEl>
+                                          </p:spTgt>
+                                        </p:tgtEl>
+                                        <p:attrNameLst>
+                                          <p:attrName>style.visibility</p:attrName>
+                                        </p:attrNameLst>
+                                      </p:cBhvr>
+                                      <p:to>
+                                        <p:strVal val="visible"/>
+                                      </p:to>
+                                    </p:set>
+                                  </p:childTnLst>
+                                </p:cTn>
+                              </p:par>
+                            </p:childTnLst>
+                          </p:cTn>
+                        </p:par>
+                      </p:childTnLst>
+                    </p:cTn>
+                  </p:par>
+                  <p:par>
+                    <p:cTn id="7" fill="hold">
+                      <p:stCondLst>
+                        <p:cond delay="indefinite"/>
+                      </p:stCondLst>
+                      <p:childTnLst>
+                        <p:par>
+                          <p:cTn id="8" fill="hold">
+                            <p:stCondLst>
+                              <p:cond delay="0"/>
+                            </p:stCondLst>
+                            <p:childTnLst>
+                              <p:par>
+                                <p:cTn id="9" presetID="1" presetClass="entr" presetSubtype="0" fill="hold" nodeType="clickEffect">
+                                  <p:stCondLst>
+                                    <p:cond delay="0"/>
+                                  </p:stCondLst>
+                                  <p:childTnLst>
+                                    <p:set>
+                                      <p:cBhvr>
+                                        <p:cTn id="10" dur="1" fill="hold">
+                                          <p:stCondLst>
+                                            <p:cond delay="0"/>
+                                          </p:stCondLst>
+                                        </p:cTn>
+                                        <p:tgtEl>
+                                          <p:spTgt spid="506883">
+                                            <p:txEl>
+                                              <p:pRg st="2" end="2"/>
+                                            </p:txEl>
+                                          </p:spTgt>
+                                        </p:tgtEl>
+                                        <p:attrNameLst>
+                                          <p:attrName>style.visibility</p:attrName>
+                                        </p:attrNameLst>
+                                      </p:cBhvr>
+                                      <p:to>
+                                        <p:strVal val="visible"/>
+                                      </p:to>
+                                    </p:set>
+                                  </p:childTnLst>
+                                </p:cTn>
+                              </p:par>
+                            </p:childTnLst>
+                          </p:cTn>
+                        </p:par>
+                      </p:childTnLst>
+                    </p:cTn>
+                  </p:par>
+                  <p:par>
+                    <p:cTn id="11" fill="hold">
+                      <p:stCondLst>
+                        <p:cond delay="indefinite"/>
+                      </p:stCondLst>
+                      <p:childTnLst>
+                        <p:par>
+                          <p:cTn id="12" fill="hold">
+                            <p:stCondLst>
+                              <p:cond delay="0"/>
+                            </p:stCondLst>
+                            <p:childTnLst>
+                              <p:par>
+                                <p:cTn id="13" presetID="1" presetClass="entr" presetSubtype="0" fill="hold" nodeType="clickEffect">
+                                  <p:stCondLst>
+                                    <p:cond delay="0"/>
+                                  </p:stCondLst>
+                                  <p:childTnLst>
+                                    <p:set>
+                                      <p:cBhvr>
+                                        <p:cTn id="14" dur="1" fill="hold">
+                                          <p:stCondLst>
+                                            <p:cond delay="0"/>
+                                          </p:stCondLst>
+                                        </p:cTn>
+                                        <p:tgtEl>
+                                          <p:spTgt spid="506883">
+                                            <p:txEl>
+                                              <p:pRg st="3" end="3"/>
+                                            </p:txEl>
+                                          </p:spTgt>
+                                        </p:tgtEl>
+                                        <p:attrNameLst>
+                                          <p:attrName>style.visibility</p:attrName>
+                                        </p:attrNameLst>
+                                      </p:cBhvr>
+                                      <p:to>
+                                        <p:strVal val="visible"/>
+                                      </p:to>
+                                    </p:set>
+                                  </p:childTnLst>
+                                </p:cTn>
+                              </p:par>
+                            </p:childTnLst>
+                          </p:cTn>
+                        </p:par>
+                      </p:childTnLst>
+                    </p:cTn>
+                  </p:par>
+                  <p:par>
+                    <p:cTn id="15" fill="hold">
+                      <p:stCondLst>
+                        <p:cond delay="indefinite"/>
+                      </p:stCondLst>
+                      <p:childTnLst>
+                        <p:par>
+                          <p:cTn id="16" fill="hold">
+                            <p:stCondLst>
+                              <p:cond delay="0"/>
+                            </p:stCondLst>
+                            <p:childTnLst>
+                              <p:par>
+                                <p:cTn id="17" presetID="1" presetClass="entr" presetSubtype="0" fill="hold" nodeType="clickEffect">
+                                  <p:stCondLst>
+                                    <p:cond delay="0"/>
+                                  </p:stCondLst>
+                                  <p:childTnLst>
+                                    <p:set>
+                                      <p:cBhvr>
+                                        <p:cTn id="18" dur="1" fill="hold">
+                                          <p:stCondLst>
+                                            <p:cond delay="0"/>
+                                          </p:stCondLst>
+                                        </p:cTn>
+                                        <p:tgtEl>
+                                          <p:spTgt spid="506883">
+                                            <p:txEl>
                                               <p:pRg st="4" end="4"/>
                                             </p:txEl>
                                           </p:spTgt>
@@ -14375,15 +15775,33 @@
                                   </p:childTnLst>
                                 </p:cTn>
                               </p:par>
+                            </p:childTnLst>
+                          </p:cTn>
+                        </p:par>
+                      </p:childTnLst>
+                    </p:cTn>
+                  </p:par>
+                  <p:par>
+                    <p:cTn id="19" fill="hold">
+                      <p:stCondLst>
+                        <p:cond delay="indefinite"/>
+                      </p:stCondLst>
+                      <p:childTnLst>
+                        <p:par>
+                          <p:cTn id="20" fill="hold">
+                            <p:stCondLst>
+                              <p:cond delay="0"/>
+                            </p:stCondLst>
+                            <p:childTnLst>
                               <p:par>
-                                <p:cTn id="7" presetID="1" presetClass="entr" presetSubtype="0" fill="hold" nodeType="withEffect">
+                                <p:cTn id="21" presetID="1" presetClass="entr" presetSubtype="0" fill="hold" nodeType="clickEffect">
                                   <p:stCondLst>
                                     <p:cond delay="0"/>
                                   </p:stCondLst>
                                   <p:childTnLst>
                                     <p:set>
                                       <p:cBhvr>
-                                        <p:cTn id="8" dur="1" fill="hold">
+                                        <p:cTn id="22" dur="1" fill="hold">
                                           <p:stCondLst>
                                             <p:cond delay="0"/>
                                           </p:stCondLst>
@@ -14406,15 +15824,33 @@
                                   </p:childTnLst>
                                 </p:cTn>
                               </p:par>
+                            </p:childTnLst>
+                          </p:cTn>
+                        </p:par>
+                      </p:childTnLst>
+                    </p:cTn>
+                  </p:par>
+                  <p:par>
+                    <p:cTn id="23" fill="hold">
+                      <p:stCondLst>
+                        <p:cond delay="indefinite"/>
+                      </p:stCondLst>
+                      <p:childTnLst>
+                        <p:par>
+                          <p:cTn id="24" fill="hold">
+                            <p:stCondLst>
+                              <p:cond delay="0"/>
+                            </p:stCondLst>
+                            <p:childTnLst>
                               <p:par>
-                                <p:cTn id="9" presetID="1" presetClass="entr" presetSubtype="0" fill="hold" nodeType="withEffect">
+                                <p:cTn id="25" presetID="1" presetClass="entr" presetSubtype="0" fill="hold" nodeType="clickEffect">
                                   <p:stCondLst>
                                     <p:cond delay="0"/>
                                   </p:stCondLst>
                                   <p:childTnLst>
                                     <p:set>
                                       <p:cBhvr>
-                                        <p:cTn id="10" dur="1" fill="hold">
+                                        <p:cTn id="26" dur="1" fill="hold">
                                           <p:stCondLst>
                                             <p:cond delay="0"/>
                                           </p:stCondLst>
@@ -14437,15 +15873,33 @@
                                   </p:childTnLst>
                                 </p:cTn>
                               </p:par>
+                            </p:childTnLst>
+                          </p:cTn>
+                        </p:par>
+                      </p:childTnLst>
+                    </p:cTn>
+                  </p:par>
+                  <p:par>
+                    <p:cTn id="27" fill="hold">
+                      <p:stCondLst>
+                        <p:cond delay="indefinite"/>
+                      </p:stCondLst>
+                      <p:childTnLst>
+                        <p:par>
+                          <p:cTn id="28" fill="hold">
+                            <p:stCondLst>
+                              <p:cond delay="0"/>
+                            </p:stCondLst>
+                            <p:childTnLst>
                               <p:par>
-                                <p:cTn id="11" presetID="1" presetClass="entr" presetSubtype="0" fill="hold" nodeType="withEffect">
+                                <p:cTn id="29" presetID="1" presetClass="entr" presetSubtype="0" fill="hold" nodeType="clickEffect">
                                   <p:stCondLst>
                                     <p:cond delay="0"/>
                                   </p:stCondLst>
                                   <p:childTnLst>
                                     <p:set>
                                       <p:cBhvr>
-                                        <p:cTn id="12" dur="1" fill="hold">
+                                        <p:cTn id="30" dur="1" fill="hold">
                                           <p:stCondLst>
                                             <p:cond delay="0"/>
                                           </p:stCondLst>
@@ -14468,15 +15922,33 @@
                                   </p:childTnLst>
                                 </p:cTn>
                               </p:par>
+                            </p:childTnLst>
+                          </p:cTn>
+                        </p:par>
+                      </p:childTnLst>
+                    </p:cTn>
+                  </p:par>
+                  <p:par>
+                    <p:cTn id="31" fill="hold">
+                      <p:stCondLst>
+                        <p:cond delay="indefinite"/>
+                      </p:stCondLst>
+                      <p:childTnLst>
+                        <p:par>
+                          <p:cTn id="32" fill="hold">
+                            <p:stCondLst>
+                              <p:cond delay="0"/>
+                            </p:stCondLst>
+                            <p:childTnLst>
                               <p:par>
-                                <p:cTn id="13" presetID="1" presetClass="entr" presetSubtype="0" fill="hold" nodeType="withEffect">
+                                <p:cTn id="33" presetID="1" presetClass="entr" presetSubtype="0" fill="hold" nodeType="clickEffect">
                                   <p:stCondLst>
                                     <p:cond delay="0"/>
                                   </p:stCondLst>
                                   <p:childTnLst>
                                     <p:set>
                                       <p:cBhvr>
-                                        <p:cTn id="14" dur="1" fill="hold">
+                                        <p:cTn id="34" dur="1" fill="hold">
                                           <p:stCondLst>
                                             <p:cond delay="0"/>
                                           </p:stCondLst>
@@ -14499,15 +15971,33 @@
                                   </p:childTnLst>
                                 </p:cTn>
                               </p:par>
+                            </p:childTnLst>
+                          </p:cTn>
+                        </p:par>
+                      </p:childTnLst>
+                    </p:cTn>
+                  </p:par>
+                  <p:par>
+                    <p:cTn id="35" fill="hold">
+                      <p:stCondLst>
+                        <p:cond delay="indefinite"/>
+                      </p:stCondLst>
+                      <p:childTnLst>
+                        <p:par>
+                          <p:cTn id="36" fill="hold">
+                            <p:stCondLst>
+                              <p:cond delay="0"/>
+                            </p:stCondLst>
+                            <p:childTnLst>
                               <p:par>
-                                <p:cTn id="15" presetID="1" presetClass="entr" presetSubtype="0" fill="hold" grpId="0" nodeType="withEffect">
+                                <p:cTn id="37" presetID="1" presetClass="entr" presetSubtype="0" fill="hold" grpId="0" nodeType="clickEffect">
                                   <p:stCondLst>
                                     <p:cond delay="0"/>
                                   </p:stCondLst>
                                   <p:childTnLst>
                                     <p:set>
                                       <p:cBhvr>
-                                        <p:cTn id="16" dur="1" fill="hold">
+                                        <p:cTn id="38" dur="1" fill="hold">
                                           <p:stCondLst>
                                             <p:cond delay="0"/>
                                           </p:stCondLst>
@@ -14527,14 +16017,14 @@
                                 </p:cTn>
                               </p:par>
                               <p:par>
-                                <p:cTn id="17" presetID="1" presetClass="entr" presetSubtype="0" fill="hold" nodeType="withEffect">
+                                <p:cTn id="39" presetID="1" presetClass="entr" presetSubtype="0" fill="hold" nodeType="withEffect">
                                   <p:stCondLst>
                                     <p:cond delay="0"/>
                                   </p:stCondLst>
                                   <p:childTnLst>
                                     <p:set>
                                       <p:cBhvr>
-                                        <p:cTn id="18" dur="1" fill="hold">
+                                        <p:cTn id="40" dur="1" fill="hold">
                                           <p:stCondLst>
                                             <p:cond delay="0"/>
                                           </p:stCondLst>
@@ -14554,14 +16044,14 @@
                                 </p:cTn>
                               </p:par>
                               <p:par>
-                                <p:cTn id="19" presetID="1" presetClass="entr" presetSubtype="0" fill="hold" nodeType="withEffect">
+                                <p:cTn id="41" presetID="1" presetClass="entr" presetSubtype="0" fill="hold" nodeType="withEffect">
                                   <p:stCondLst>
                                     <p:cond delay="0"/>
                                   </p:stCondLst>
                                   <p:childTnLst>
                                     <p:set>
                                       <p:cBhvr>
-                                        <p:cTn id="20" dur="1" fill="hold">
+                                        <p:cTn id="42" dur="1" fill="hold">
                                           <p:stCondLst>
                                             <p:cond delay="0"/>
                                           </p:stCondLst>
@@ -14581,14 +16071,14 @@
                                 </p:cTn>
                               </p:par>
                               <p:par>
-                                <p:cTn id="21" presetID="1" presetClass="entr" presetSubtype="0" fill="hold" grpId="0" nodeType="withEffect">
+                                <p:cTn id="43" presetID="1" presetClass="entr" presetSubtype="0" fill="hold" grpId="0" nodeType="withEffect">
                                   <p:stCondLst>
                                     <p:cond delay="0"/>
                                   </p:stCondLst>
                                   <p:childTnLst>
                                     <p:set>
                                       <p:cBhvr>
-                                        <p:cTn id="22" dur="1" fill="hold">
+                                        <p:cTn id="44" dur="1" fill="hold">
                                           <p:stCondLst>
                                             <p:cond delay="0"/>
                                           </p:stCondLst>
@@ -16780,38 +18270,7 @@
                                         <p:tgtEl>
                                           <p:spTgt spid="562179">
                                             <p:txEl>
-                                              <p:pRg st="2" end="2"/>
-                                            </p:txEl>
-                                          </p:spTgt>
-                                        </p:tgtEl>
-                                        <p:attrNameLst>
-                                          <p:attrName>style.visibility</p:attrName>
-                                        </p:attrNameLst>
-                                      </p:cBhvr>
-                                      <p:to>
-                                        <p:strVal val="visible"/>
-                                      </p:to>
-                                    </p:set>
-                                  </p:childTnLst>
-                                </p:cTn>
-                              </p:par>
-                              <p:par>
-                                <p:cTn id="7" presetID="1" presetClass="entr" presetSubtype="0" fill="hold" nodeType="withEffect">
-                                  <p:stCondLst>
-                                    <p:cond delay="0"/>
-                                  </p:stCondLst>
-                                  <p:childTnLst>
-                                    <p:set>
-                                      <p:cBhvr>
-                                        <p:cTn id="8" dur="1" fill="hold">
-                                          <p:stCondLst>
-                                            <p:cond delay="0"/>
-                                          </p:stCondLst>
-                                        </p:cTn>
-                                        <p:tgtEl>
-                                          <p:spTgt spid="562179">
-                                            <p:txEl>
-                                              <p:pRg st="3" end="3"/>
+                                              <p:pRg st="1" end="1"/>
                                             </p:txEl>
                                           </p:spTgt>
                                         </p:tgtEl>
@@ -16833,26 +18292,26 @@
                     </p:cTn>
                   </p:par>
                   <p:par>
-                    <p:cTn id="9" fill="hold">
+                    <p:cTn id="7" fill="hold">
                       <p:stCondLst>
                         <p:cond delay="indefinite"/>
                       </p:stCondLst>
                       <p:childTnLst>
                         <p:par>
-                          <p:cTn id="10" fill="hold">
+                          <p:cTn id="8" fill="hold">
                             <p:stCondLst>
                               <p:cond delay="0"/>
                             </p:stCondLst>
                             <p:childTnLst>
                               <p:par>
-                                <p:cTn id="11" presetID="1" presetClass="entr" presetSubtype="0" fill="hold" nodeType="clickEffect">
+                                <p:cTn id="9" presetID="1" presetClass="entr" presetSubtype="0" fill="hold" nodeType="clickEffect">
                                   <p:stCondLst>
                                     <p:cond delay="0"/>
                                   </p:stCondLst>
                                   <p:childTnLst>
                                     <p:set>
                                       <p:cBhvr>
-                                        <p:cTn id="12" dur="1" fill="hold">
+                                        <p:cTn id="10" dur="1" fill="hold">
                                           <p:stCondLst>
                                             <p:cond delay="0"/>
                                           </p:stCondLst>
@@ -16860,7 +18319,7 @@
                                         <p:tgtEl>
                                           <p:spTgt spid="562179">
                                             <p:txEl>
-                                              <p:pRg st="4" end="4"/>
+                                              <p:pRg st="2" end="2"/>
                                             </p:txEl>
                                           </p:spTgt>
                                         </p:tgtEl>
@@ -16875,8 +18334,26 @@
                                   </p:childTnLst>
                                 </p:cTn>
                               </p:par>
+                            </p:childTnLst>
+                          </p:cTn>
+                        </p:par>
+                      </p:childTnLst>
+                    </p:cTn>
+                  </p:par>
+                  <p:par>
+                    <p:cTn id="11" fill="hold">
+                      <p:stCondLst>
+                        <p:cond delay="indefinite"/>
+                      </p:stCondLst>
+                      <p:childTnLst>
+                        <p:par>
+                          <p:cTn id="12" fill="hold">
+                            <p:stCondLst>
+                              <p:cond delay="0"/>
+                            </p:stCondLst>
+                            <p:childTnLst>
                               <p:par>
-                                <p:cTn id="13" presetID="1" presetClass="entr" presetSubtype="0" fill="hold" nodeType="withEffect">
+                                <p:cTn id="13" presetID="1" presetClass="entr" presetSubtype="0" fill="hold" nodeType="clickEffect">
                                   <p:stCondLst>
                                     <p:cond delay="0"/>
                                   </p:stCondLst>
@@ -16891,7 +18368,7 @@
                                         <p:tgtEl>
                                           <p:spTgt spid="562179">
                                             <p:txEl>
-                                              <p:pRg st="5" end="5"/>
+                                              <p:pRg st="3" end="3"/>
                                             </p:txEl>
                                           </p:spTgt>
                                         </p:tgtEl>
@@ -16940,6 +18417,104 @@
                                         <p:tgtEl>
                                           <p:spTgt spid="562179">
                                             <p:txEl>
+                                              <p:pRg st="4" end="4"/>
+                                            </p:txEl>
+                                          </p:spTgt>
+                                        </p:tgtEl>
+                                        <p:attrNameLst>
+                                          <p:attrName>style.visibility</p:attrName>
+                                        </p:attrNameLst>
+                                      </p:cBhvr>
+                                      <p:to>
+                                        <p:strVal val="visible"/>
+                                      </p:to>
+                                    </p:set>
+                                  </p:childTnLst>
+                                </p:cTn>
+                              </p:par>
+                            </p:childTnLst>
+                          </p:cTn>
+                        </p:par>
+                      </p:childTnLst>
+                    </p:cTn>
+                  </p:par>
+                  <p:par>
+                    <p:cTn id="19" fill="hold">
+                      <p:stCondLst>
+                        <p:cond delay="indefinite"/>
+                      </p:stCondLst>
+                      <p:childTnLst>
+                        <p:par>
+                          <p:cTn id="20" fill="hold">
+                            <p:stCondLst>
+                              <p:cond delay="0"/>
+                            </p:stCondLst>
+                            <p:childTnLst>
+                              <p:par>
+                                <p:cTn id="21" presetID="1" presetClass="entr" presetSubtype="0" fill="hold" nodeType="clickEffect">
+                                  <p:stCondLst>
+                                    <p:cond delay="0"/>
+                                  </p:stCondLst>
+                                  <p:childTnLst>
+                                    <p:set>
+                                      <p:cBhvr>
+                                        <p:cTn id="22" dur="1" fill="hold">
+                                          <p:stCondLst>
+                                            <p:cond delay="0"/>
+                                          </p:stCondLst>
+                                        </p:cTn>
+                                        <p:tgtEl>
+                                          <p:spTgt spid="562179">
+                                            <p:txEl>
+                                              <p:pRg st="5" end="5"/>
+                                            </p:txEl>
+                                          </p:spTgt>
+                                        </p:tgtEl>
+                                        <p:attrNameLst>
+                                          <p:attrName>style.visibility</p:attrName>
+                                        </p:attrNameLst>
+                                      </p:cBhvr>
+                                      <p:to>
+                                        <p:strVal val="visible"/>
+                                      </p:to>
+                                    </p:set>
+                                  </p:childTnLst>
+                                </p:cTn>
+                              </p:par>
+                            </p:childTnLst>
+                          </p:cTn>
+                        </p:par>
+                      </p:childTnLst>
+                    </p:cTn>
+                  </p:par>
+                  <p:par>
+                    <p:cTn id="23" fill="hold">
+                      <p:stCondLst>
+                        <p:cond delay="indefinite"/>
+                      </p:stCondLst>
+                      <p:childTnLst>
+                        <p:par>
+                          <p:cTn id="24" fill="hold">
+                            <p:stCondLst>
+                              <p:cond delay="0"/>
+                            </p:stCondLst>
+                            <p:childTnLst>
+                              <p:par>
+                                <p:cTn id="25" presetID="1" presetClass="entr" presetSubtype="0" fill="hold" nodeType="clickEffect">
+                                  <p:stCondLst>
+                                    <p:cond delay="0"/>
+                                  </p:stCondLst>
+                                  <p:childTnLst>
+                                    <p:set>
+                                      <p:cBhvr>
+                                        <p:cTn id="26" dur="1" fill="hold">
+                                          <p:stCondLst>
+                                            <p:cond delay="0"/>
+                                          </p:stCondLst>
+                                        </p:cTn>
+                                        <p:tgtEl>
+                                          <p:spTgt spid="562179">
+                                            <p:txEl>
                                               <p:pRg st="6" end="6"/>
                                             </p:txEl>
                                           </p:spTgt>
@@ -16955,15 +18530,33 @@
                                   </p:childTnLst>
                                 </p:cTn>
                               </p:par>
+                            </p:childTnLst>
+                          </p:cTn>
+                        </p:par>
+                      </p:childTnLst>
+                    </p:cTn>
+                  </p:par>
+                  <p:par>
+                    <p:cTn id="27" fill="hold">
+                      <p:stCondLst>
+                        <p:cond delay="indefinite"/>
+                      </p:stCondLst>
+                      <p:childTnLst>
+                        <p:par>
+                          <p:cTn id="28" fill="hold">
+                            <p:stCondLst>
+                              <p:cond delay="0"/>
+                            </p:stCondLst>
+                            <p:childTnLst>
                               <p:par>
-                                <p:cTn id="19" presetID="1" presetClass="entr" presetSubtype="0" fill="hold" nodeType="withEffect">
+                                <p:cTn id="29" presetID="1" presetClass="entr" presetSubtype="0" fill="hold" nodeType="clickEffect">
                                   <p:stCondLst>
                                     <p:cond delay="0"/>
                                   </p:stCondLst>
                                   <p:childTnLst>
                                     <p:set>
                                       <p:cBhvr>
-                                        <p:cTn id="20" dur="1" fill="hold">
+                                        <p:cTn id="30" dur="1" fill="hold">
                                           <p:stCondLst>
                                             <p:cond delay="0"/>
                                           </p:stCondLst>

--- a/Courses/Applied-Programmer/Programming-Fundamentals/02-Типове-данни/05.Типове-данни-целочислени-типове-данни.pptx
+++ b/Courses/Applied-Programmer/Programming-Fundamentals/02-Типове-данни/05.Типове-данни-целочислени-типове-данни.pptx
@@ -5,10 +5,10 @@
     <p:sldMasterId id="2147483670" r:id="rId2"/>
   </p:sldMasterIdLst>
   <p:notesMasterIdLst>
-    <p:notesMasterId r:id="rId20"/>
+    <p:notesMasterId r:id="rId25"/>
   </p:notesMasterIdLst>
   <p:handoutMasterIdLst>
-    <p:handoutMasterId r:id="rId21"/>
+    <p:handoutMasterId r:id="rId26"/>
   </p:handoutMasterIdLst>
   <p:sldIdLst>
     <p:sldId id="402" r:id="rId3"/>
@@ -25,9 +25,14 @@
     <p:sldId id="476" r:id="rId14"/>
     <p:sldId id="477" r:id="rId15"/>
     <p:sldId id="478" r:id="rId16"/>
-    <p:sldId id="464" r:id="rId17"/>
-    <p:sldId id="518" r:id="rId18"/>
-    <p:sldId id="481" r:id="rId19"/>
+    <p:sldId id="426" r:id="rId17"/>
+    <p:sldId id="483" r:id="rId18"/>
+    <p:sldId id="484" r:id="rId19"/>
+    <p:sldId id="486" r:id="rId20"/>
+    <p:sldId id="485" r:id="rId21"/>
+    <p:sldId id="464" r:id="rId22"/>
+    <p:sldId id="518" r:id="rId23"/>
+    <p:sldId id="481" r:id="rId24"/>
   </p:sldIdLst>
   <p:sldSz cx="12188825" cy="6858000"/>
   <p:notesSz cx="6858000" cy="9144000"/>
@@ -153,6 +158,11 @@
             <p14:sldId id="476"/>
             <p14:sldId id="477"/>
             <p14:sldId id="478"/>
+            <p14:sldId id="426"/>
+            <p14:sldId id="483"/>
+            <p14:sldId id="484"/>
+            <p14:sldId id="486"/>
+            <p14:sldId id="485"/>
           </p14:sldIdLst>
         </p14:section>
         <p14:section name="Conclusion" id="{7ADD8500-CA4F-4F92-8870-B5F2D8D6CDF4}">
@@ -365,7 +375,7 @@
             <a:fld id="{FE5B4EDC-59C0-49C7-8ADA-5A781B329E02}" type="datetimeFigureOut">
               <a:rPr lang="en-US"/>
               <a:pPr/>
-              <a:t>21-Nov-20</a:t>
+              <a:t>23-Nov-20</a:t>
             </a:fld>
             <a:endParaRPr dirty="0"/>
           </a:p>
@@ -663,7 +673,7 @@
             <a:fld id="{F2D8D46A-B586-417D-BFBD-8C8FE0AAF762}" type="datetimeFigureOut">
               <a:rPr lang="en-US" smtClean="0"/>
               <a:pPr/>
-              <a:t>21-Nov-20</a:t>
+              <a:t>23-Nov-20</a:t>
             </a:fld>
             <a:endParaRPr lang="en-US" dirty="0"/>
           </a:p>
@@ -1492,7 +1502,7 @@
                 </a:solidFill>
               </a:rPr>
               <a:pPr/>
-              <a:t>16</a:t>
+              <a:t>21</a:t>
             </a:fld>
             <a:endParaRPr lang="en-US" dirty="0">
               <a:solidFill>
@@ -1655,7 +1665,7 @@
           <a:p>
             <a:fld id="{3EBA5BD7-F043-4D1B-AA17-CD412FC534DE}" type="slidenum">
               <a:rPr lang="en-US" smtClean="0"/>
-              <a:t>17</a:t>
+              <a:t>22</a:t>
             </a:fld>
             <a:endParaRPr lang="en-US" dirty="0"/>
           </a:p>
@@ -10575,6 +10585,1637 @@
       </p:grpSpPr>
       <p:sp>
         <p:nvSpPr>
+          <p:cNvPr id="2" name="Title 1"/>
+          <p:cNvSpPr>
+            <a:spLocks noGrp="1"/>
+          </p:cNvSpPr>
+          <p:nvPr>
+            <p:ph type="title"/>
+          </p:nvPr>
+        </p:nvSpPr>
+        <p:spPr/>
+        <p:txBody>
+          <a:bodyPr/>
+          <a:lstStyle/>
+          <a:p>
+            <a:r>
+              <a:rPr lang="en-US"/>
+              <a:t>Judge </a:t>
+            </a:r>
+            <a:r>
+              <a:rPr lang="bg-BG" dirty="0"/>
+              <a:t>системата</a:t>
+            </a:r>
+            <a:endParaRPr lang="en-US" dirty="0"/>
+          </a:p>
+        </p:txBody>
+      </p:sp>
+      <p:sp>
+        <p:nvSpPr>
+          <p:cNvPr id="3" name="Text Placeholder 2"/>
+          <p:cNvSpPr>
+            <a:spLocks noGrp="1"/>
+          </p:cNvSpPr>
+          <p:nvPr>
+            <p:ph type="body" idx="1"/>
+          </p:nvPr>
+        </p:nvSpPr>
+        <p:spPr/>
+        <p:txBody>
+          <a:bodyPr/>
+          <a:lstStyle/>
+          <a:p>
+            <a:r>
+              <a:rPr lang="bg-BG" dirty="0"/>
+              <a:t>Автоматична проверка за задачи</a:t>
+            </a:r>
+            <a:endParaRPr lang="en-US" dirty="0"/>
+          </a:p>
+        </p:txBody>
+      </p:sp>
+      <p:sp>
+        <p:nvSpPr>
+          <p:cNvPr id="7" name="Slide Number Placeholder">
+            <a:extLst>
+              <a:ext uri="{FF2B5EF4-FFF2-40B4-BE49-F238E27FC236}">
+                <a16:creationId xmlns:a16="http://schemas.microsoft.com/office/drawing/2014/main" id="{E693C928-DFAD-4024-AAAC-3DD47D4DDA98}"/>
+              </a:ext>
+            </a:extLst>
+          </p:cNvPr>
+          <p:cNvSpPr txBox="1">
+            <a:spLocks/>
+          </p:cNvSpPr>
+          <p:nvPr/>
+        </p:nvSpPr>
+        <p:spPr>
+          <a:xfrm>
+            <a:off x="11566412" y="6525002"/>
+            <a:ext cx="428822" cy="196477"/>
+          </a:xfrm>
+          <a:prstGeom prst="rect">
+            <a:avLst/>
+          </a:prstGeom>
+        </p:spPr>
+        <p:txBody>
+          <a:bodyPr vert="horz" lIns="36000" tIns="36000" rIns="36000" bIns="36000" rtlCol="0" anchor="ctr"/>
+          <a:lstStyle>
+            <a:defPPr>
+              <a:defRPr lang="en-US"/>
+            </a:defPPr>
+            <a:lvl1pPr marL="0" algn="r" defTabSz="1218987" rtl="0" eaLnBrk="1" latinLnBrk="0" hangingPunct="1">
+              <a:defRPr sz="1000" kern="1200">
+                <a:solidFill>
+                  <a:schemeClr val="tx1">
+                    <a:tint val="75000"/>
+                  </a:schemeClr>
+                </a:solidFill>
+                <a:latin typeface="+mn-lt"/>
+                <a:ea typeface="+mn-ea"/>
+                <a:cs typeface="+mn-cs"/>
+              </a:defRPr>
+            </a:lvl1pPr>
+            <a:lvl2pPr marL="609493" algn="l" defTabSz="1218987" rtl="0" eaLnBrk="1" latinLnBrk="0" hangingPunct="1">
+              <a:defRPr sz="2400" kern="1200">
+                <a:solidFill>
+                  <a:schemeClr val="tx1"/>
+                </a:solidFill>
+                <a:latin typeface="+mn-lt"/>
+                <a:ea typeface="+mn-ea"/>
+                <a:cs typeface="+mn-cs"/>
+              </a:defRPr>
+            </a:lvl2pPr>
+            <a:lvl3pPr marL="1218987" algn="l" defTabSz="1218987" rtl="0" eaLnBrk="1" latinLnBrk="0" hangingPunct="1">
+              <a:defRPr sz="2400" kern="1200">
+                <a:solidFill>
+                  <a:schemeClr val="tx1"/>
+                </a:solidFill>
+                <a:latin typeface="+mn-lt"/>
+                <a:ea typeface="+mn-ea"/>
+                <a:cs typeface="+mn-cs"/>
+              </a:defRPr>
+            </a:lvl3pPr>
+            <a:lvl4pPr marL="1828480" algn="l" defTabSz="1218987" rtl="0" eaLnBrk="1" latinLnBrk="0" hangingPunct="1">
+              <a:defRPr sz="2400" kern="1200">
+                <a:solidFill>
+                  <a:schemeClr val="tx1"/>
+                </a:solidFill>
+                <a:latin typeface="+mn-lt"/>
+                <a:ea typeface="+mn-ea"/>
+                <a:cs typeface="+mn-cs"/>
+              </a:defRPr>
+            </a:lvl4pPr>
+            <a:lvl5pPr marL="2437973" algn="l" defTabSz="1218987" rtl="0" eaLnBrk="1" latinLnBrk="0" hangingPunct="1">
+              <a:defRPr sz="2400" kern="1200">
+                <a:solidFill>
+                  <a:schemeClr val="tx1"/>
+                </a:solidFill>
+                <a:latin typeface="+mn-lt"/>
+                <a:ea typeface="+mn-ea"/>
+                <a:cs typeface="+mn-cs"/>
+              </a:defRPr>
+            </a:lvl5pPr>
+            <a:lvl6pPr marL="3047467" algn="l" defTabSz="1218987" rtl="0" eaLnBrk="1" latinLnBrk="0" hangingPunct="1">
+              <a:defRPr sz="2400" kern="1200">
+                <a:solidFill>
+                  <a:schemeClr val="tx1"/>
+                </a:solidFill>
+                <a:latin typeface="+mn-lt"/>
+                <a:ea typeface="+mn-ea"/>
+                <a:cs typeface="+mn-cs"/>
+              </a:defRPr>
+            </a:lvl6pPr>
+            <a:lvl7pPr marL="3656960" algn="l" defTabSz="1218987" rtl="0" eaLnBrk="1" latinLnBrk="0" hangingPunct="1">
+              <a:defRPr sz="2400" kern="1200">
+                <a:solidFill>
+                  <a:schemeClr val="tx1"/>
+                </a:solidFill>
+                <a:latin typeface="+mn-lt"/>
+                <a:ea typeface="+mn-ea"/>
+                <a:cs typeface="+mn-cs"/>
+              </a:defRPr>
+            </a:lvl7pPr>
+            <a:lvl8pPr marL="4266453" algn="l" defTabSz="1218987" rtl="0" eaLnBrk="1" latinLnBrk="0" hangingPunct="1">
+              <a:defRPr sz="2400" kern="1200">
+                <a:solidFill>
+                  <a:schemeClr val="tx1"/>
+                </a:solidFill>
+                <a:latin typeface="+mn-lt"/>
+                <a:ea typeface="+mn-ea"/>
+                <a:cs typeface="+mn-cs"/>
+              </a:defRPr>
+            </a:lvl8pPr>
+            <a:lvl9pPr marL="4875947" algn="l" defTabSz="1218987" rtl="0" eaLnBrk="1" latinLnBrk="0" hangingPunct="1">
+              <a:defRPr sz="2400" kern="1200">
+                <a:solidFill>
+                  <a:schemeClr val="tx1"/>
+                </a:solidFill>
+                <a:latin typeface="+mn-lt"/>
+                <a:ea typeface="+mn-ea"/>
+                <a:cs typeface="+mn-cs"/>
+              </a:defRPr>
+            </a:lvl9pPr>
+          </a:lstStyle>
+          <a:p>
+            <a:fld id="{C014DD1E-5D91-48A3-AD6D-45FBA980D106}" type="slidenum">
+              <a:rPr lang="en-US" smtClean="0">
+                <a:solidFill>
+                  <a:prstClr val="white">
+                    <a:tint val="75000"/>
+                  </a:prstClr>
+                </a:solidFill>
+              </a:rPr>
+              <a:pPr/>
+              <a:t>15</a:t>
+            </a:fld>
+            <a:endParaRPr lang="en-US" dirty="0">
+              <a:solidFill>
+                <a:prstClr val="white">
+                  <a:tint val="75000"/>
+                </a:prstClr>
+              </a:solidFill>
+            </a:endParaRPr>
+          </a:p>
+        </p:txBody>
+      </p:sp>
+      <p:pic>
+        <p:nvPicPr>
+          <p:cNvPr id="5" name="Picture 4">
+            <a:extLst>
+              <a:ext uri="{FF2B5EF4-FFF2-40B4-BE49-F238E27FC236}">
+                <a16:creationId xmlns:a16="http://schemas.microsoft.com/office/drawing/2014/main" id="{A680E165-D012-4134-904C-0A1C46F40995}"/>
+              </a:ext>
+            </a:extLst>
+          </p:cNvPr>
+          <p:cNvPicPr>
+            <a:picLocks noChangeAspect="1"/>
+          </p:cNvPicPr>
+          <p:nvPr/>
+        </p:nvPicPr>
+        <p:blipFill>
+          <a:blip r:embed="rId2"/>
+          <a:stretch>
+            <a:fillRect/>
+          </a:stretch>
+        </p:blipFill>
+        <p:spPr>
+          <a:xfrm>
+            <a:off x="3076874" y="583481"/>
+            <a:ext cx="6035077" cy="4258277"/>
+          </a:xfrm>
+          <a:prstGeom prst="rect">
+            <a:avLst/>
+          </a:prstGeom>
+        </p:spPr>
+      </p:pic>
+    </p:spTree>
+    <p:extLst>
+      <p:ext uri="{BB962C8B-B14F-4D97-AF65-F5344CB8AC3E}">
+        <p14:creationId xmlns:p14="http://schemas.microsoft.com/office/powerpoint/2010/main" val="1274625882"/>
+      </p:ext>
+    </p:extLst>
+  </p:cSld>
+  <p:clrMapOvr>
+    <a:masterClrMapping/>
+  </p:clrMapOvr>
+</p:sld>
+</file>
+
+<file path=ppt/slides/slide16.xml><?xml version="1.0" encoding="utf-8"?>
+<p:sld xmlns:a="http://schemas.openxmlformats.org/drawingml/2006/main" xmlns:r="http://schemas.openxmlformats.org/officeDocument/2006/relationships" xmlns:p="http://schemas.openxmlformats.org/presentationml/2006/main">
+  <p:cSld>
+    <p:spTree>
+      <p:nvGrpSpPr>
+        <p:cNvPr id="1" name=""/>
+        <p:cNvGrpSpPr/>
+        <p:nvPr/>
+      </p:nvGrpSpPr>
+      <p:grpSpPr>
+        <a:xfrm>
+          <a:off x="0" y="0"/>
+          <a:ext cx="0" cy="0"/>
+          <a:chOff x="0" y="0"/>
+          <a:chExt cx="0" cy="0"/>
+        </a:xfrm>
+      </p:grpSpPr>
+      <p:sp>
+        <p:nvSpPr>
+          <p:cNvPr id="2" name="Slide Number Placeholder 1">
+            <a:extLst>
+              <a:ext uri="{FF2B5EF4-FFF2-40B4-BE49-F238E27FC236}">
+                <a16:creationId xmlns:a16="http://schemas.microsoft.com/office/drawing/2014/main" id="{594CED2B-754E-426E-8A55-8FCA2C22FB19}"/>
+              </a:ext>
+            </a:extLst>
+          </p:cNvPr>
+          <p:cNvSpPr>
+            <a:spLocks noGrp="1"/>
+          </p:cNvSpPr>
+          <p:nvPr>
+            <p:ph type="sldNum" sz="quarter" idx="4"/>
+          </p:nvPr>
+        </p:nvSpPr>
+        <p:spPr/>
+        <p:txBody>
+          <a:bodyPr/>
+          <a:lstStyle/>
+          <a:p>
+            <a:fld id="{C014DD1E-5D91-48A3-AD6D-45FBA980D106}" type="slidenum">
+              <a:rPr lang="en-US" smtClean="0">
+                <a:solidFill>
+                  <a:prstClr val="white">
+                    <a:tint val="75000"/>
+                  </a:prstClr>
+                </a:solidFill>
+              </a:rPr>
+              <a:pPr/>
+              <a:t>16</a:t>
+            </a:fld>
+            <a:endParaRPr lang="en-US" dirty="0">
+              <a:solidFill>
+                <a:prstClr val="white">
+                  <a:tint val="75000"/>
+                </a:prstClr>
+              </a:solidFill>
+            </a:endParaRPr>
+          </a:p>
+        </p:txBody>
+      </p:sp>
+      <p:sp>
+        <p:nvSpPr>
+          <p:cNvPr id="3" name="Content Placeholder 2">
+            <a:extLst>
+              <a:ext uri="{FF2B5EF4-FFF2-40B4-BE49-F238E27FC236}">
+                <a16:creationId xmlns:a16="http://schemas.microsoft.com/office/drawing/2014/main" id="{B7640DC8-2D19-464D-9852-787CBA43FA7A}"/>
+              </a:ext>
+            </a:extLst>
+          </p:cNvPr>
+          <p:cNvSpPr>
+            <a:spLocks noGrp="1"/>
+          </p:cNvSpPr>
+          <p:nvPr>
+            <p:ph idx="1"/>
+          </p:nvPr>
+        </p:nvSpPr>
+        <p:spPr/>
+        <p:txBody>
+          <a:bodyPr/>
+          <a:lstStyle/>
+          <a:p>
+            <a:r>
+              <a:rPr lang="bg-BG" dirty="0"/>
+              <a:t>Системата за автоматизирана проверка на задачи </a:t>
+            </a:r>
+            <a:r>
+              <a:rPr lang="en-US" b="1" dirty="0">
+                <a:solidFill>
+                  <a:srgbClr val="FFA72A"/>
+                </a:solidFill>
+              </a:rPr>
+              <a:t>SoftUni Judge </a:t>
+            </a:r>
+            <a:r>
+              <a:rPr lang="bg-BG" dirty="0"/>
+              <a:t>позволява да проверите решението си веднага</a:t>
+            </a:r>
+          </a:p>
+          <a:p>
+            <a:r>
+              <a:rPr lang="bg-BG" dirty="0"/>
+              <a:t>Направете си </a:t>
+            </a:r>
+            <a:r>
+              <a:rPr lang="bg-BG" b="1" dirty="0">
+                <a:solidFill>
+                  <a:srgbClr val="FFA72A"/>
+                </a:solidFill>
+              </a:rPr>
+              <a:t>регистрация</a:t>
+            </a:r>
+            <a:r>
+              <a:rPr lang="en-US" dirty="0"/>
+              <a:t> (</a:t>
+            </a:r>
+            <a:r>
+              <a:rPr lang="bg-BG" dirty="0"/>
+              <a:t>еднократно</a:t>
+            </a:r>
+            <a:r>
+              <a:rPr lang="en-US" dirty="0"/>
+              <a:t>)</a:t>
+            </a:r>
+            <a:r>
+              <a:rPr lang="bg-BG" dirty="0"/>
+              <a:t>:</a:t>
+            </a:r>
+          </a:p>
+          <a:p>
+            <a:endParaRPr lang="en-US" dirty="0"/>
+          </a:p>
+        </p:txBody>
+      </p:sp>
+      <p:sp>
+        <p:nvSpPr>
+          <p:cNvPr id="4" name="Title 3">
+            <a:extLst>
+              <a:ext uri="{FF2B5EF4-FFF2-40B4-BE49-F238E27FC236}">
+                <a16:creationId xmlns:a16="http://schemas.microsoft.com/office/drawing/2014/main" id="{5A94D355-54D5-477A-B00E-82C83B793B59}"/>
+              </a:ext>
+            </a:extLst>
+          </p:cNvPr>
+          <p:cNvSpPr>
+            <a:spLocks noGrp="1"/>
+          </p:cNvSpPr>
+          <p:nvPr>
+            <p:ph type="title"/>
+          </p:nvPr>
+        </p:nvSpPr>
+        <p:spPr/>
+        <p:txBody>
+          <a:bodyPr/>
+          <a:lstStyle/>
+          <a:p>
+            <a:r>
+              <a:rPr lang="en-US" dirty="0"/>
+              <a:t>SoftUni Judge</a:t>
+            </a:r>
+          </a:p>
+        </p:txBody>
+      </p:sp>
+      <p:pic>
+        <p:nvPicPr>
+          <p:cNvPr id="6" name="Picture 5">
+            <a:extLst>
+              <a:ext uri="{FF2B5EF4-FFF2-40B4-BE49-F238E27FC236}">
+                <a16:creationId xmlns:a16="http://schemas.microsoft.com/office/drawing/2014/main" id="{9B2AAA77-FB30-4CAC-980E-B76EEB218A42}"/>
+              </a:ext>
+            </a:extLst>
+          </p:cNvPr>
+          <p:cNvPicPr>
+            <a:picLocks noChangeAspect="1"/>
+          </p:cNvPicPr>
+          <p:nvPr/>
+        </p:nvPicPr>
+        <p:blipFill>
+          <a:blip r:embed="rId2"/>
+          <a:stretch>
+            <a:fillRect/>
+          </a:stretch>
+        </p:blipFill>
+        <p:spPr>
+          <a:xfrm>
+            <a:off x="2623662" y="3276600"/>
+            <a:ext cx="6941500" cy="3095625"/>
+          </a:xfrm>
+          <a:prstGeom prst="rect">
+            <a:avLst/>
+          </a:prstGeom>
+          <a:ln>
+            <a:solidFill>
+              <a:schemeClr val="bg2">
+                <a:lumMod val="60000"/>
+                <a:lumOff val="40000"/>
+              </a:schemeClr>
+            </a:solidFill>
+          </a:ln>
+        </p:spPr>
+      </p:pic>
+    </p:spTree>
+    <p:extLst>
+      <p:ext uri="{BB962C8B-B14F-4D97-AF65-F5344CB8AC3E}">
+        <p14:creationId xmlns:p14="http://schemas.microsoft.com/office/powerpoint/2010/main" val="84602204"/>
+      </p:ext>
+    </p:extLst>
+  </p:cSld>
+  <p:clrMapOvr>
+    <a:masterClrMapping/>
+  </p:clrMapOvr>
+  <p:timing>
+    <p:tnLst>
+      <p:par>
+        <p:cTn id="1" dur="indefinite" restart="never" nodeType="tmRoot">
+          <p:childTnLst>
+            <p:seq concurrent="1" nextAc="seek">
+              <p:cTn id="2" dur="indefinite" nodeType="mainSeq">
+                <p:childTnLst>
+                  <p:par>
+                    <p:cTn id="3" fill="hold">
+                      <p:stCondLst>
+                        <p:cond delay="indefinite"/>
+                      </p:stCondLst>
+                      <p:childTnLst>
+                        <p:par>
+                          <p:cTn id="4" fill="hold">
+                            <p:stCondLst>
+                              <p:cond delay="0"/>
+                            </p:stCondLst>
+                            <p:childTnLst>
+                              <p:par>
+                                <p:cTn id="5" presetID="1" presetClass="entr" presetSubtype="0" fill="hold" nodeType="clickEffect">
+                                  <p:stCondLst>
+                                    <p:cond delay="0"/>
+                                  </p:stCondLst>
+                                  <p:childTnLst>
+                                    <p:set>
+                                      <p:cBhvr>
+                                        <p:cTn id="6" dur="1" fill="hold">
+                                          <p:stCondLst>
+                                            <p:cond delay="0"/>
+                                          </p:stCondLst>
+                                        </p:cTn>
+                                        <p:tgtEl>
+                                          <p:spTgt spid="3">
+                                            <p:txEl>
+                                              <p:pRg st="1" end="1"/>
+                                            </p:txEl>
+                                          </p:spTgt>
+                                        </p:tgtEl>
+                                        <p:attrNameLst>
+                                          <p:attrName>style.visibility</p:attrName>
+                                        </p:attrNameLst>
+                                      </p:cBhvr>
+                                      <p:to>
+                                        <p:strVal val="visible"/>
+                                      </p:to>
+                                    </p:set>
+                                  </p:childTnLst>
+                                </p:cTn>
+                              </p:par>
+                              <p:par>
+                                <p:cTn id="7" presetID="1" presetClass="entr" presetSubtype="0" fill="hold" nodeType="withEffect">
+                                  <p:stCondLst>
+                                    <p:cond delay="0"/>
+                                  </p:stCondLst>
+                                  <p:childTnLst>
+                                    <p:set>
+                                      <p:cBhvr>
+                                        <p:cTn id="8" dur="1" fill="hold">
+                                          <p:stCondLst>
+                                            <p:cond delay="0"/>
+                                          </p:stCondLst>
+                                        </p:cTn>
+                                        <p:tgtEl>
+                                          <p:spTgt spid="6"/>
+                                        </p:tgtEl>
+                                        <p:attrNameLst>
+                                          <p:attrName>style.visibility</p:attrName>
+                                        </p:attrNameLst>
+                                      </p:cBhvr>
+                                      <p:to>
+                                        <p:strVal val="visible"/>
+                                      </p:to>
+                                    </p:set>
+                                  </p:childTnLst>
+                                </p:cTn>
+                              </p:par>
+                            </p:childTnLst>
+                          </p:cTn>
+                        </p:par>
+                      </p:childTnLst>
+                    </p:cTn>
+                  </p:par>
+                </p:childTnLst>
+              </p:cTn>
+              <p:prevCondLst>
+                <p:cond evt="onPrev" delay="0">
+                  <p:tgtEl>
+                    <p:sldTgt/>
+                  </p:tgtEl>
+                </p:cond>
+              </p:prevCondLst>
+              <p:nextCondLst>
+                <p:cond evt="onNext" delay="0">
+                  <p:tgtEl>
+                    <p:sldTgt/>
+                  </p:tgtEl>
+                </p:cond>
+              </p:nextCondLst>
+            </p:seq>
+          </p:childTnLst>
+        </p:cTn>
+      </p:par>
+    </p:tnLst>
+  </p:timing>
+</p:sld>
+</file>
+
+<file path=ppt/slides/slide17.xml><?xml version="1.0" encoding="utf-8"?>
+<p:sld xmlns:a="http://schemas.openxmlformats.org/drawingml/2006/main" xmlns:r="http://schemas.openxmlformats.org/officeDocument/2006/relationships" xmlns:p="http://schemas.openxmlformats.org/presentationml/2006/main">
+  <p:cSld>
+    <p:spTree>
+      <p:nvGrpSpPr>
+        <p:cNvPr id="1" name=""/>
+        <p:cNvGrpSpPr/>
+        <p:nvPr/>
+      </p:nvGrpSpPr>
+      <p:grpSpPr>
+        <a:xfrm>
+          <a:off x="0" y="0"/>
+          <a:ext cx="0" cy="0"/>
+          <a:chOff x="0" y="0"/>
+          <a:chExt cx="0" cy="0"/>
+        </a:xfrm>
+      </p:grpSpPr>
+      <p:sp>
+        <p:nvSpPr>
+          <p:cNvPr id="2" name="Slide Number Placeholder 1">
+            <a:extLst>
+              <a:ext uri="{FF2B5EF4-FFF2-40B4-BE49-F238E27FC236}">
+                <a16:creationId xmlns:a16="http://schemas.microsoft.com/office/drawing/2014/main" id="{594CED2B-754E-426E-8A55-8FCA2C22FB19}"/>
+              </a:ext>
+            </a:extLst>
+          </p:cNvPr>
+          <p:cNvSpPr>
+            <a:spLocks noGrp="1"/>
+          </p:cNvSpPr>
+          <p:nvPr>
+            <p:ph type="sldNum" sz="quarter" idx="4"/>
+          </p:nvPr>
+        </p:nvSpPr>
+        <p:spPr/>
+        <p:txBody>
+          <a:bodyPr/>
+          <a:lstStyle/>
+          <a:p>
+            <a:fld id="{C014DD1E-5D91-48A3-AD6D-45FBA980D106}" type="slidenum">
+              <a:rPr lang="en-US" smtClean="0">
+                <a:solidFill>
+                  <a:prstClr val="white">
+                    <a:tint val="75000"/>
+                  </a:prstClr>
+                </a:solidFill>
+              </a:rPr>
+              <a:pPr/>
+              <a:t>17</a:t>
+            </a:fld>
+            <a:endParaRPr lang="en-US" dirty="0">
+              <a:solidFill>
+                <a:prstClr val="white">
+                  <a:tint val="75000"/>
+                </a:prstClr>
+              </a:solidFill>
+            </a:endParaRPr>
+          </a:p>
+        </p:txBody>
+      </p:sp>
+      <p:sp>
+        <p:nvSpPr>
+          <p:cNvPr id="3" name="Content Placeholder 2">
+            <a:extLst>
+              <a:ext uri="{FF2B5EF4-FFF2-40B4-BE49-F238E27FC236}">
+                <a16:creationId xmlns:a16="http://schemas.microsoft.com/office/drawing/2014/main" id="{B7640DC8-2D19-464D-9852-787CBA43FA7A}"/>
+              </a:ext>
+            </a:extLst>
+          </p:cNvPr>
+          <p:cNvSpPr>
+            <a:spLocks noGrp="1"/>
+          </p:cNvSpPr>
+          <p:nvPr>
+            <p:ph idx="1"/>
+          </p:nvPr>
+        </p:nvSpPr>
+        <p:spPr>
+          <a:xfrm>
+            <a:off x="190413" y="1027924"/>
+            <a:ext cx="11804822" cy="5570355"/>
+          </a:xfrm>
+        </p:spPr>
+        <p:txBody>
+          <a:bodyPr/>
+          <a:lstStyle/>
+          <a:p>
+            <a:r>
+              <a:rPr lang="en-US" dirty="0"/>
+              <a:t>SoftUni judge </a:t>
+            </a:r>
+            <a:r>
+              <a:rPr lang="bg-BG" dirty="0"/>
+              <a:t>съдържа </a:t>
+            </a:r>
+            <a:r>
+              <a:rPr lang="bg-BG" b="1" dirty="0">
+                <a:solidFill>
+                  <a:srgbClr val="FFA72A"/>
+                </a:solidFill>
+              </a:rPr>
+              <a:t>категории</a:t>
+            </a:r>
+            <a:r>
+              <a:rPr lang="bg-BG" dirty="0"/>
+              <a:t> със състезания</a:t>
+            </a:r>
+            <a:endParaRPr lang="en-US" b="1" dirty="0">
+              <a:solidFill>
+                <a:srgbClr val="FFA72A"/>
+              </a:solidFill>
+            </a:endParaRPr>
+          </a:p>
+        </p:txBody>
+      </p:sp>
+      <p:sp>
+        <p:nvSpPr>
+          <p:cNvPr id="4" name="Title 3">
+            <a:extLst>
+              <a:ext uri="{FF2B5EF4-FFF2-40B4-BE49-F238E27FC236}">
+                <a16:creationId xmlns:a16="http://schemas.microsoft.com/office/drawing/2014/main" id="{5A94D355-54D5-477A-B00E-82C83B793B59}"/>
+              </a:ext>
+            </a:extLst>
+          </p:cNvPr>
+          <p:cNvSpPr>
+            <a:spLocks noGrp="1"/>
+          </p:cNvSpPr>
+          <p:nvPr>
+            <p:ph type="title"/>
+          </p:nvPr>
+        </p:nvSpPr>
+        <p:spPr/>
+        <p:txBody>
+          <a:bodyPr/>
+          <a:lstStyle/>
+          <a:p>
+            <a:r>
+              <a:rPr lang="en-US" dirty="0"/>
+              <a:t>SoftUni Judge</a:t>
+            </a:r>
+            <a:r>
+              <a:rPr lang="bg-BG" dirty="0"/>
+              <a:t>: категории</a:t>
+            </a:r>
+            <a:endParaRPr lang="en-US" dirty="0"/>
+          </a:p>
+        </p:txBody>
+      </p:sp>
+      <p:pic>
+        <p:nvPicPr>
+          <p:cNvPr id="7" name="Picture 6">
+            <a:extLst>
+              <a:ext uri="{FF2B5EF4-FFF2-40B4-BE49-F238E27FC236}">
+                <a16:creationId xmlns:a16="http://schemas.microsoft.com/office/drawing/2014/main" id="{77E3292B-5E80-4746-A81E-F4626093A192}"/>
+              </a:ext>
+            </a:extLst>
+          </p:cNvPr>
+          <p:cNvPicPr>
+            <a:picLocks noChangeAspect="1"/>
+          </p:cNvPicPr>
+          <p:nvPr/>
+        </p:nvPicPr>
+        <p:blipFill>
+          <a:blip r:embed="rId2"/>
+          <a:stretch>
+            <a:fillRect/>
+          </a:stretch>
+        </p:blipFill>
+        <p:spPr>
+          <a:xfrm>
+            <a:off x="522399" y="1828800"/>
+            <a:ext cx="4477220" cy="4751646"/>
+          </a:xfrm>
+          <a:prstGeom prst="rect">
+            <a:avLst/>
+          </a:prstGeom>
+          <a:ln>
+            <a:solidFill>
+              <a:schemeClr val="bg2">
+                <a:lumMod val="60000"/>
+                <a:lumOff val="40000"/>
+              </a:schemeClr>
+            </a:solidFill>
+          </a:ln>
+        </p:spPr>
+      </p:pic>
+      <p:sp>
+        <p:nvSpPr>
+          <p:cNvPr id="10" name="Arrow: Right 9">
+            <a:extLst>
+              <a:ext uri="{FF2B5EF4-FFF2-40B4-BE49-F238E27FC236}">
+                <a16:creationId xmlns:a16="http://schemas.microsoft.com/office/drawing/2014/main" id="{0B9E27D9-544C-4D49-A182-8EA2BCF423FE}"/>
+              </a:ext>
+            </a:extLst>
+          </p:cNvPr>
+          <p:cNvSpPr/>
+          <p:nvPr/>
+        </p:nvSpPr>
+        <p:spPr>
+          <a:xfrm>
+            <a:off x="5186984" y="4077272"/>
+            <a:ext cx="457200" cy="254702"/>
+          </a:xfrm>
+          <a:prstGeom prst="rightArrow">
+            <a:avLst/>
+          </a:prstGeom>
+        </p:spPr>
+        <p:style>
+          <a:lnRef idx="2">
+            <a:schemeClr val="accent1">
+              <a:shade val="50000"/>
+            </a:schemeClr>
+          </a:lnRef>
+          <a:fillRef idx="1">
+            <a:schemeClr val="accent1"/>
+          </a:fillRef>
+          <a:effectRef idx="0">
+            <a:schemeClr val="accent1"/>
+          </a:effectRef>
+          <a:fontRef idx="minor">
+            <a:schemeClr val="lt1"/>
+          </a:fontRef>
+        </p:style>
+        <p:txBody>
+          <a:bodyPr rtlCol="0" anchor="ctr"/>
+          <a:lstStyle/>
+          <a:p>
+            <a:pPr algn="ctr"/>
+            <a:endParaRPr lang="en-US" sz="2800"/>
+          </a:p>
+        </p:txBody>
+      </p:sp>
+      <p:pic>
+        <p:nvPicPr>
+          <p:cNvPr id="9" name="Picture 8">
+            <a:extLst>
+              <a:ext uri="{FF2B5EF4-FFF2-40B4-BE49-F238E27FC236}">
+                <a16:creationId xmlns:a16="http://schemas.microsoft.com/office/drawing/2014/main" id="{AFDD2B3F-1FA6-4399-A653-C6A72C370A43}"/>
+              </a:ext>
+            </a:extLst>
+          </p:cNvPr>
+          <p:cNvPicPr>
+            <a:picLocks noChangeAspect="1"/>
+          </p:cNvPicPr>
+          <p:nvPr/>
+        </p:nvPicPr>
+        <p:blipFill>
+          <a:blip r:embed="rId3"/>
+          <a:stretch>
+            <a:fillRect/>
+          </a:stretch>
+        </p:blipFill>
+        <p:spPr>
+          <a:xfrm>
+            <a:off x="5816154" y="1828801"/>
+            <a:ext cx="5830804" cy="4751644"/>
+          </a:xfrm>
+          <a:prstGeom prst="rect">
+            <a:avLst/>
+          </a:prstGeom>
+          <a:ln>
+            <a:solidFill>
+              <a:schemeClr val="bg2">
+                <a:lumMod val="60000"/>
+                <a:lumOff val="40000"/>
+              </a:schemeClr>
+            </a:solidFill>
+          </a:ln>
+        </p:spPr>
+      </p:pic>
+    </p:spTree>
+    <p:extLst>
+      <p:ext uri="{BB962C8B-B14F-4D97-AF65-F5344CB8AC3E}">
+        <p14:creationId xmlns:p14="http://schemas.microsoft.com/office/powerpoint/2010/main" val="3228191451"/>
+      </p:ext>
+    </p:extLst>
+  </p:cSld>
+  <p:clrMapOvr>
+    <a:masterClrMapping/>
+  </p:clrMapOvr>
+</p:sld>
+</file>
+
+<file path=ppt/slides/slide18.xml><?xml version="1.0" encoding="utf-8"?>
+<p:sld xmlns:a="http://schemas.openxmlformats.org/drawingml/2006/main" xmlns:r="http://schemas.openxmlformats.org/officeDocument/2006/relationships" xmlns:p="http://schemas.openxmlformats.org/presentationml/2006/main">
+  <p:cSld>
+    <p:spTree>
+      <p:nvGrpSpPr>
+        <p:cNvPr id="1" name=""/>
+        <p:cNvGrpSpPr/>
+        <p:nvPr/>
+      </p:nvGrpSpPr>
+      <p:grpSpPr>
+        <a:xfrm>
+          <a:off x="0" y="0"/>
+          <a:ext cx="0" cy="0"/>
+          <a:chOff x="0" y="0"/>
+          <a:chExt cx="0" cy="0"/>
+        </a:xfrm>
+      </p:grpSpPr>
+      <p:sp>
+        <p:nvSpPr>
+          <p:cNvPr id="2" name="Slide Number Placeholder 1">
+            <a:extLst>
+              <a:ext uri="{FF2B5EF4-FFF2-40B4-BE49-F238E27FC236}">
+                <a16:creationId xmlns:a16="http://schemas.microsoft.com/office/drawing/2014/main" id="{594CED2B-754E-426E-8A55-8FCA2C22FB19}"/>
+              </a:ext>
+            </a:extLst>
+          </p:cNvPr>
+          <p:cNvSpPr>
+            <a:spLocks noGrp="1"/>
+          </p:cNvSpPr>
+          <p:nvPr>
+            <p:ph type="sldNum" sz="quarter" idx="4"/>
+          </p:nvPr>
+        </p:nvSpPr>
+        <p:spPr/>
+        <p:txBody>
+          <a:bodyPr/>
+          <a:lstStyle/>
+          <a:p>
+            <a:fld id="{C014DD1E-5D91-48A3-AD6D-45FBA980D106}" type="slidenum">
+              <a:rPr lang="en-US" smtClean="0">
+                <a:solidFill>
+                  <a:prstClr val="white">
+                    <a:tint val="75000"/>
+                  </a:prstClr>
+                </a:solidFill>
+              </a:rPr>
+              <a:pPr/>
+              <a:t>18</a:t>
+            </a:fld>
+            <a:endParaRPr lang="en-US" dirty="0">
+              <a:solidFill>
+                <a:prstClr val="white">
+                  <a:tint val="75000"/>
+                </a:prstClr>
+              </a:solidFill>
+            </a:endParaRPr>
+          </a:p>
+        </p:txBody>
+      </p:sp>
+      <p:sp>
+        <p:nvSpPr>
+          <p:cNvPr id="3" name="Content Placeholder 2">
+            <a:extLst>
+              <a:ext uri="{FF2B5EF4-FFF2-40B4-BE49-F238E27FC236}">
+                <a16:creationId xmlns:a16="http://schemas.microsoft.com/office/drawing/2014/main" id="{B7640DC8-2D19-464D-9852-787CBA43FA7A}"/>
+              </a:ext>
+            </a:extLst>
+          </p:cNvPr>
+          <p:cNvSpPr>
+            <a:spLocks noGrp="1"/>
+          </p:cNvSpPr>
+          <p:nvPr>
+            <p:ph idx="1"/>
+          </p:nvPr>
+        </p:nvSpPr>
+        <p:spPr/>
+        <p:txBody>
+          <a:bodyPr/>
+          <a:lstStyle/>
+          <a:p>
+            <a:r>
+              <a:rPr lang="bg-BG" dirty="0"/>
+              <a:t>Всяко </a:t>
+            </a:r>
+            <a:r>
+              <a:rPr lang="bg-BG" b="1" dirty="0">
+                <a:solidFill>
+                  <a:srgbClr val="FFA72A"/>
+                </a:solidFill>
+              </a:rPr>
+              <a:t>състезание</a:t>
+            </a:r>
+            <a:r>
+              <a:rPr lang="bg-BG" dirty="0"/>
+              <a:t> съдържа задачите от даден урок:</a:t>
+            </a:r>
+            <a:r>
+              <a:rPr lang="en-US" dirty="0"/>
+              <a:t> </a:t>
+            </a:r>
+            <a:endParaRPr lang="en-US" b="1" dirty="0">
+              <a:solidFill>
+                <a:srgbClr val="FFA72A"/>
+              </a:solidFill>
+            </a:endParaRPr>
+          </a:p>
+        </p:txBody>
+      </p:sp>
+      <p:sp>
+        <p:nvSpPr>
+          <p:cNvPr id="4" name="Title 3">
+            <a:extLst>
+              <a:ext uri="{FF2B5EF4-FFF2-40B4-BE49-F238E27FC236}">
+                <a16:creationId xmlns:a16="http://schemas.microsoft.com/office/drawing/2014/main" id="{5A94D355-54D5-477A-B00E-82C83B793B59}"/>
+              </a:ext>
+            </a:extLst>
+          </p:cNvPr>
+          <p:cNvSpPr>
+            <a:spLocks noGrp="1"/>
+          </p:cNvSpPr>
+          <p:nvPr>
+            <p:ph type="title"/>
+          </p:nvPr>
+        </p:nvSpPr>
+        <p:spPr/>
+        <p:txBody>
+          <a:bodyPr/>
+          <a:lstStyle/>
+          <a:p>
+            <a:r>
+              <a:rPr lang="en-US" dirty="0"/>
+              <a:t>SoftUni Judge</a:t>
+            </a:r>
+            <a:r>
+              <a:rPr lang="bg-BG" dirty="0"/>
+              <a:t>: състезания</a:t>
+            </a:r>
+            <a:endParaRPr lang="en-US" dirty="0"/>
+          </a:p>
+        </p:txBody>
+      </p:sp>
+      <p:sp>
+        <p:nvSpPr>
+          <p:cNvPr id="10" name="Arrow: Right 9">
+            <a:extLst>
+              <a:ext uri="{FF2B5EF4-FFF2-40B4-BE49-F238E27FC236}">
+                <a16:creationId xmlns:a16="http://schemas.microsoft.com/office/drawing/2014/main" id="{0B9E27D9-544C-4D49-A182-8EA2BCF423FE}"/>
+              </a:ext>
+            </a:extLst>
+          </p:cNvPr>
+          <p:cNvSpPr/>
+          <p:nvPr/>
+        </p:nvSpPr>
+        <p:spPr>
+          <a:xfrm>
+            <a:off x="5144452" y="4021610"/>
+            <a:ext cx="343501" cy="254702"/>
+          </a:xfrm>
+          <a:prstGeom prst="rightArrow">
+            <a:avLst/>
+          </a:prstGeom>
+        </p:spPr>
+        <p:style>
+          <a:lnRef idx="2">
+            <a:schemeClr val="accent1">
+              <a:shade val="50000"/>
+            </a:schemeClr>
+          </a:lnRef>
+          <a:fillRef idx="1">
+            <a:schemeClr val="accent1"/>
+          </a:fillRef>
+          <a:effectRef idx="0">
+            <a:schemeClr val="accent1"/>
+          </a:effectRef>
+          <a:fontRef idx="minor">
+            <a:schemeClr val="lt1"/>
+          </a:fontRef>
+        </p:style>
+        <p:txBody>
+          <a:bodyPr rtlCol="0" anchor="ctr"/>
+          <a:lstStyle/>
+          <a:p>
+            <a:pPr algn="ctr"/>
+            <a:endParaRPr lang="en-US" sz="2800"/>
+          </a:p>
+        </p:txBody>
+      </p:sp>
+      <p:pic>
+        <p:nvPicPr>
+          <p:cNvPr id="11" name="Picture 10">
+            <a:extLst>
+              <a:ext uri="{FF2B5EF4-FFF2-40B4-BE49-F238E27FC236}">
+                <a16:creationId xmlns:a16="http://schemas.microsoft.com/office/drawing/2014/main" id="{36C4A794-E6F0-468E-A41C-553890BDDAB1}"/>
+              </a:ext>
+            </a:extLst>
+          </p:cNvPr>
+          <p:cNvPicPr>
+            <a:picLocks noChangeAspect="1"/>
+          </p:cNvPicPr>
+          <p:nvPr/>
+        </p:nvPicPr>
+        <p:blipFill>
+          <a:blip r:embed="rId2"/>
+          <a:stretch>
+            <a:fillRect/>
+          </a:stretch>
+        </p:blipFill>
+        <p:spPr>
+          <a:xfrm>
+            <a:off x="548244" y="2380965"/>
+            <a:ext cx="4403168" cy="3528216"/>
+          </a:xfrm>
+          <a:prstGeom prst="rect">
+            <a:avLst/>
+          </a:prstGeom>
+          <a:ln>
+            <a:solidFill>
+              <a:schemeClr val="bg2">
+                <a:lumMod val="60000"/>
+                <a:lumOff val="40000"/>
+              </a:schemeClr>
+            </a:solidFill>
+          </a:ln>
+        </p:spPr>
+      </p:pic>
+      <p:pic>
+        <p:nvPicPr>
+          <p:cNvPr id="13" name="Picture 12">
+            <a:extLst>
+              <a:ext uri="{FF2B5EF4-FFF2-40B4-BE49-F238E27FC236}">
+                <a16:creationId xmlns:a16="http://schemas.microsoft.com/office/drawing/2014/main" id="{FBCD1C3D-C178-4015-84F3-32D54E910430}"/>
+              </a:ext>
+            </a:extLst>
+          </p:cNvPr>
+          <p:cNvPicPr>
+            <a:picLocks noChangeAspect="1"/>
+          </p:cNvPicPr>
+          <p:nvPr/>
+        </p:nvPicPr>
+        <p:blipFill>
+          <a:blip r:embed="rId3"/>
+          <a:stretch>
+            <a:fillRect/>
+          </a:stretch>
+        </p:blipFill>
+        <p:spPr>
+          <a:xfrm>
+            <a:off x="5680993" y="2380962"/>
+            <a:ext cx="5836801" cy="3528216"/>
+          </a:xfrm>
+          <a:prstGeom prst="rect">
+            <a:avLst/>
+          </a:prstGeom>
+          <a:ln>
+            <a:solidFill>
+              <a:schemeClr val="bg2">
+                <a:lumMod val="60000"/>
+                <a:lumOff val="40000"/>
+              </a:schemeClr>
+            </a:solidFill>
+          </a:ln>
+        </p:spPr>
+      </p:pic>
+    </p:spTree>
+    <p:extLst>
+      <p:ext uri="{BB962C8B-B14F-4D97-AF65-F5344CB8AC3E}">
+        <p14:creationId xmlns:p14="http://schemas.microsoft.com/office/powerpoint/2010/main" val="550612981"/>
+      </p:ext>
+    </p:extLst>
+  </p:cSld>
+  <p:clrMapOvr>
+    <a:masterClrMapping/>
+  </p:clrMapOvr>
+</p:sld>
+</file>
+
+<file path=ppt/slides/slide19.xml><?xml version="1.0" encoding="utf-8"?>
+<p:sld xmlns:a="http://schemas.openxmlformats.org/drawingml/2006/main" xmlns:r="http://schemas.openxmlformats.org/officeDocument/2006/relationships" xmlns:p="http://schemas.openxmlformats.org/presentationml/2006/main">
+  <p:cSld>
+    <p:spTree>
+      <p:nvGrpSpPr>
+        <p:cNvPr id="1" name=""/>
+        <p:cNvGrpSpPr/>
+        <p:nvPr/>
+      </p:nvGrpSpPr>
+      <p:grpSpPr>
+        <a:xfrm>
+          <a:off x="0" y="0"/>
+          <a:ext cx="0" cy="0"/>
+          <a:chOff x="0" y="0"/>
+          <a:chExt cx="0" cy="0"/>
+        </a:xfrm>
+      </p:grpSpPr>
+      <p:sp>
+        <p:nvSpPr>
+          <p:cNvPr id="2" name="Slide Number Placeholder 1">
+            <a:extLst>
+              <a:ext uri="{FF2B5EF4-FFF2-40B4-BE49-F238E27FC236}">
+                <a16:creationId xmlns:a16="http://schemas.microsoft.com/office/drawing/2014/main" id="{594CED2B-754E-426E-8A55-8FCA2C22FB19}"/>
+              </a:ext>
+            </a:extLst>
+          </p:cNvPr>
+          <p:cNvSpPr>
+            <a:spLocks noGrp="1"/>
+          </p:cNvSpPr>
+          <p:nvPr>
+            <p:ph type="sldNum" sz="quarter" idx="4"/>
+          </p:nvPr>
+        </p:nvSpPr>
+        <p:spPr/>
+        <p:txBody>
+          <a:bodyPr/>
+          <a:lstStyle/>
+          <a:p>
+            <a:fld id="{C014DD1E-5D91-48A3-AD6D-45FBA980D106}" type="slidenum">
+              <a:rPr lang="en-US" smtClean="0">
+                <a:solidFill>
+                  <a:prstClr val="white">
+                    <a:tint val="75000"/>
+                  </a:prstClr>
+                </a:solidFill>
+              </a:rPr>
+              <a:pPr/>
+              <a:t>19</a:t>
+            </a:fld>
+            <a:endParaRPr lang="en-US" dirty="0">
+              <a:solidFill>
+                <a:prstClr val="white">
+                  <a:tint val="75000"/>
+                </a:prstClr>
+              </a:solidFill>
+            </a:endParaRPr>
+          </a:p>
+        </p:txBody>
+      </p:sp>
+      <p:sp>
+        <p:nvSpPr>
+          <p:cNvPr id="3" name="Content Placeholder 2">
+            <a:extLst>
+              <a:ext uri="{FF2B5EF4-FFF2-40B4-BE49-F238E27FC236}">
+                <a16:creationId xmlns:a16="http://schemas.microsoft.com/office/drawing/2014/main" id="{B7640DC8-2D19-464D-9852-787CBA43FA7A}"/>
+              </a:ext>
+            </a:extLst>
+          </p:cNvPr>
+          <p:cNvSpPr>
+            <a:spLocks noGrp="1"/>
+          </p:cNvSpPr>
+          <p:nvPr>
+            <p:ph idx="1"/>
+          </p:nvPr>
+        </p:nvSpPr>
+        <p:spPr>
+          <a:xfrm>
+            <a:off x="190413" y="1066800"/>
+            <a:ext cx="11804822" cy="5570355"/>
+          </a:xfrm>
+        </p:spPr>
+        <p:txBody>
+          <a:bodyPr/>
+          <a:lstStyle/>
+          <a:p>
+            <a:r>
+              <a:rPr lang="bg-BG" dirty="0"/>
+              <a:t>Влезте в състезанието от днешния урок и изпратете кода си:</a:t>
+            </a:r>
+            <a:endParaRPr lang="en-US" b="1" dirty="0">
+              <a:solidFill>
+                <a:srgbClr val="FFA72A"/>
+              </a:solidFill>
+            </a:endParaRPr>
+          </a:p>
+        </p:txBody>
+      </p:sp>
+      <p:sp>
+        <p:nvSpPr>
+          <p:cNvPr id="4" name="Title 3">
+            <a:extLst>
+              <a:ext uri="{FF2B5EF4-FFF2-40B4-BE49-F238E27FC236}">
+                <a16:creationId xmlns:a16="http://schemas.microsoft.com/office/drawing/2014/main" id="{5A94D355-54D5-477A-B00E-82C83B793B59}"/>
+              </a:ext>
+            </a:extLst>
+          </p:cNvPr>
+          <p:cNvSpPr>
+            <a:spLocks noGrp="1"/>
+          </p:cNvSpPr>
+          <p:nvPr>
+            <p:ph type="title"/>
+          </p:nvPr>
+        </p:nvSpPr>
+        <p:spPr/>
+        <p:txBody>
+          <a:bodyPr/>
+          <a:lstStyle/>
+          <a:p>
+            <a:r>
+              <a:rPr lang="en-US" dirty="0"/>
+              <a:t>SoftUni Judge</a:t>
+            </a:r>
+            <a:r>
+              <a:rPr lang="bg-BG" dirty="0"/>
+              <a:t>: изпращане на решение</a:t>
+            </a:r>
+            <a:endParaRPr lang="en-US" dirty="0"/>
+          </a:p>
+        </p:txBody>
+      </p:sp>
+      <p:sp>
+        <p:nvSpPr>
+          <p:cNvPr id="7" name="Текстово поле 5">
+            <a:extLst>
+              <a:ext uri="{FF2B5EF4-FFF2-40B4-BE49-F238E27FC236}">
+                <a16:creationId xmlns:a16="http://schemas.microsoft.com/office/drawing/2014/main" id="{0D46DF75-BA3B-4557-A3B6-025E8DEF6EDF}"/>
+              </a:ext>
+            </a:extLst>
+          </p:cNvPr>
+          <p:cNvSpPr txBox="1"/>
+          <p:nvPr/>
+        </p:nvSpPr>
+        <p:spPr>
+          <a:xfrm>
+            <a:off x="5713412" y="1988403"/>
+            <a:ext cx="5638800" cy="830997"/>
+          </a:xfrm>
+          <a:prstGeom prst="rect">
+            <a:avLst/>
+          </a:prstGeom>
+          <a:noFill/>
+        </p:spPr>
+        <p:txBody>
+          <a:bodyPr wrap="square" rtlCol="0">
+            <a:spAutoFit/>
+          </a:bodyPr>
+          <a:lstStyle/>
+          <a:p>
+            <a:r>
+              <a:rPr lang="bg-BG" dirty="0"/>
+              <a:t>Линк към </a:t>
+            </a:r>
+            <a:r>
+              <a:rPr lang="en-US" dirty="0"/>
+              <a:t>Judge</a:t>
+            </a:r>
+            <a:r>
+              <a:rPr lang="bg-BG" dirty="0"/>
+              <a:t> за днешния урок</a:t>
+            </a:r>
+            <a:r>
+              <a:rPr lang="en-US" dirty="0"/>
+              <a:t>: </a:t>
+            </a:r>
+            <a:r>
+              <a:rPr lang="en-US" u="sng" dirty="0">
+                <a:solidFill>
+                  <a:srgbClr val="0563C1"/>
+                </a:solidFill>
+                <a:hlinkClick r:id="rId2"/>
+              </a:rPr>
+              <a:t>https://judge.softuni.bg/Contests/26</a:t>
+            </a:r>
+            <a:r>
+              <a:rPr lang="bg-BG" u="sng" dirty="0">
+                <a:solidFill>
+                  <a:srgbClr val="0563C1"/>
+                </a:solidFill>
+                <a:hlinkClick r:id="rId2"/>
+              </a:rPr>
+              <a:t>47</a:t>
+            </a:r>
+            <a:endParaRPr lang="en-US" sz="2800" dirty="0"/>
+          </a:p>
+        </p:txBody>
+      </p:sp>
+      <p:pic>
+        <p:nvPicPr>
+          <p:cNvPr id="10" name="Picture 9">
+            <a:extLst>
+              <a:ext uri="{FF2B5EF4-FFF2-40B4-BE49-F238E27FC236}">
+                <a16:creationId xmlns:a16="http://schemas.microsoft.com/office/drawing/2014/main" id="{92E72CCB-F70F-4325-A1BD-76D9659B1393}"/>
+              </a:ext>
+            </a:extLst>
+          </p:cNvPr>
+          <p:cNvPicPr>
+            <a:picLocks noChangeAspect="1"/>
+          </p:cNvPicPr>
+          <p:nvPr/>
+        </p:nvPicPr>
+        <p:blipFill>
+          <a:blip r:embed="rId3"/>
+          <a:stretch>
+            <a:fillRect/>
+          </a:stretch>
+        </p:blipFill>
+        <p:spPr>
+          <a:xfrm>
+            <a:off x="395123" y="1828799"/>
+            <a:ext cx="4675265" cy="4675265"/>
+          </a:xfrm>
+          <a:prstGeom prst="rect">
+            <a:avLst/>
+          </a:prstGeom>
+        </p:spPr>
+      </p:pic>
+      <p:pic>
+        <p:nvPicPr>
+          <p:cNvPr id="13" name="Picture 12">
+            <a:extLst>
+              <a:ext uri="{FF2B5EF4-FFF2-40B4-BE49-F238E27FC236}">
+                <a16:creationId xmlns:a16="http://schemas.microsoft.com/office/drawing/2014/main" id="{C21E9A58-62C6-459B-9C2E-7F65BAB57D0B}"/>
+              </a:ext>
+            </a:extLst>
+          </p:cNvPr>
+          <p:cNvPicPr>
+            <a:picLocks noChangeAspect="1"/>
+          </p:cNvPicPr>
+          <p:nvPr/>
+        </p:nvPicPr>
+        <p:blipFill>
+          <a:blip r:embed="rId4"/>
+          <a:stretch>
+            <a:fillRect/>
+          </a:stretch>
+        </p:blipFill>
+        <p:spPr>
+          <a:xfrm>
+            <a:off x="4237192" y="3420878"/>
+            <a:ext cx="7288740" cy="2370322"/>
+          </a:xfrm>
+          <a:prstGeom prst="rect">
+            <a:avLst/>
+          </a:prstGeom>
+          <a:ln>
+            <a:solidFill>
+              <a:schemeClr val="tx1">
+                <a:lumMod val="85000"/>
+              </a:schemeClr>
+            </a:solidFill>
+          </a:ln>
+        </p:spPr>
+      </p:pic>
+    </p:spTree>
+    <p:extLst>
+      <p:ext uri="{BB962C8B-B14F-4D97-AF65-F5344CB8AC3E}">
+        <p14:creationId xmlns:p14="http://schemas.microsoft.com/office/powerpoint/2010/main" val="1623361370"/>
+      </p:ext>
+    </p:extLst>
+  </p:cSld>
+  <p:clrMapOvr>
+    <a:masterClrMapping/>
+  </p:clrMapOvr>
+</p:sld>
+</file>
+
+<file path=ppt/slides/slide2.xml><?xml version="1.0" encoding="utf-8"?>
+<p:sld xmlns:a="http://schemas.openxmlformats.org/drawingml/2006/main" xmlns:r="http://schemas.openxmlformats.org/officeDocument/2006/relationships" xmlns:p="http://schemas.openxmlformats.org/presentationml/2006/main">
+  <p:cSld>
+    <p:spTree>
+      <p:nvGrpSpPr>
+        <p:cNvPr id="1" name=""/>
+        <p:cNvGrpSpPr/>
+        <p:nvPr/>
+      </p:nvGrpSpPr>
+      <p:grpSpPr>
+        <a:xfrm>
+          <a:off x="0" y="0"/>
+          <a:ext cx="0" cy="0"/>
+          <a:chOff x="0" y="0"/>
+          <a:chExt cx="0" cy="0"/>
+        </a:xfrm>
+      </p:grpSpPr>
+      <p:sp>
+        <p:nvSpPr>
+          <p:cNvPr id="423939" name="Rectangle 3"/>
+          <p:cNvSpPr>
+            <a:spLocks noGrp="1" noChangeArrowheads="1"/>
+          </p:cNvSpPr>
+          <p:nvPr>
+            <p:ph idx="1"/>
+          </p:nvPr>
+        </p:nvSpPr>
+        <p:spPr/>
+        <p:txBody>
+          <a:bodyPr/>
+          <a:lstStyle/>
+          <a:p>
+            <a:pPr marL="447675" indent="-447675">
+              <a:buFont typeface="+mj-lt"/>
+              <a:buAutoNum type="arabicPeriod"/>
+            </a:pPr>
+            <a:r>
+              <a:rPr lang="bg-BG" dirty="0"/>
+              <a:t>Как работят компютрите? Променливи. Типове данни</a:t>
+            </a:r>
+          </a:p>
+          <a:p>
+            <a:pPr marL="447675" indent="-447675">
+              <a:buFont typeface="+mj-lt"/>
+              <a:buAutoNum type="arabicPeriod"/>
+            </a:pPr>
+            <a:r>
+              <a:rPr lang="bg-BG" dirty="0"/>
+              <a:t>Целочислени типове данни</a:t>
+            </a:r>
+          </a:p>
+        </p:txBody>
+      </p:sp>
+      <p:sp>
+        <p:nvSpPr>
+          <p:cNvPr id="423938" name="Rectangle 2"/>
+          <p:cNvSpPr>
+            <a:spLocks noGrp="1" noChangeArrowheads="1"/>
+          </p:cNvSpPr>
+          <p:nvPr>
+            <p:ph type="title"/>
+          </p:nvPr>
+        </p:nvSpPr>
+        <p:spPr/>
+        <p:txBody>
+          <a:bodyPr/>
+          <a:lstStyle/>
+          <a:p>
+            <a:r>
+              <a:rPr lang="bg-BG" dirty="0"/>
+              <a:t>Съдържание</a:t>
+            </a:r>
+          </a:p>
+        </p:txBody>
+      </p:sp>
+      <p:sp>
+        <p:nvSpPr>
+          <p:cNvPr id="5" name="Slide Number Placeholder">
+            <a:extLst>
+              <a:ext uri="{FF2B5EF4-FFF2-40B4-BE49-F238E27FC236}">
+                <a16:creationId xmlns:a16="http://schemas.microsoft.com/office/drawing/2014/main" id="{854331A6-6D02-4620-82EF-BDC3E772EA4D}"/>
+              </a:ext>
+            </a:extLst>
+          </p:cNvPr>
+          <p:cNvSpPr>
+            <a:spLocks noGrp="1"/>
+          </p:cNvSpPr>
+          <p:nvPr>
+            <p:ph type="sldNum" sz="quarter" idx="4"/>
+          </p:nvPr>
+        </p:nvSpPr>
+        <p:spPr>
+          <a:xfrm>
+            <a:off x="11566412" y="6525002"/>
+            <a:ext cx="428822" cy="196477"/>
+          </a:xfrm>
+          <a:prstGeom prst="rect">
+            <a:avLst/>
+          </a:prstGeom>
+        </p:spPr>
+        <p:txBody>
+          <a:bodyPr vert="horz" lIns="36000" tIns="36000" rIns="36000" bIns="36000" rtlCol="0" anchor="ctr"/>
+          <a:lstStyle>
+            <a:lvl1pPr algn="r">
+              <a:defRPr sz="1000">
+                <a:solidFill>
+                  <a:schemeClr val="tx1">
+                    <a:tint val="75000"/>
+                  </a:schemeClr>
+                </a:solidFill>
+              </a:defRPr>
+            </a:lvl1pPr>
+          </a:lstStyle>
+          <a:p>
+            <a:fld id="{C014DD1E-5D91-48A3-AD6D-45FBA980D106}" type="slidenum">
+              <a:rPr lang="en-US" smtClean="0">
+                <a:solidFill>
+                  <a:prstClr val="white">
+                    <a:tint val="75000"/>
+                  </a:prstClr>
+                </a:solidFill>
+              </a:rPr>
+              <a:pPr/>
+              <a:t>2</a:t>
+            </a:fld>
+            <a:endParaRPr lang="en-US" dirty="0">
+              <a:solidFill>
+                <a:prstClr val="white">
+                  <a:tint val="75000"/>
+                </a:prstClr>
+              </a:solidFill>
+            </a:endParaRPr>
+          </a:p>
+        </p:txBody>
+      </p:sp>
+    </p:spTree>
+    <p:extLst>
+      <p:ext uri="{BB962C8B-B14F-4D97-AF65-F5344CB8AC3E}">
+        <p14:creationId xmlns:p14="http://schemas.microsoft.com/office/powerpoint/2010/main" val="1599118889"/>
+      </p:ext>
+    </p:extLst>
+  </p:cSld>
+  <p:clrMapOvr>
+    <a:masterClrMapping/>
+  </p:clrMapOvr>
+  <p:timing>
+    <p:tnLst>
+      <p:par>
+        <p:cTn id="1" dur="indefinite" restart="never" nodeType="tmRoot">
+          <p:childTnLst>
+            <p:seq concurrent="1" nextAc="seek">
+              <p:cTn id="2" dur="indefinite" nodeType="mainSeq">
+                <p:childTnLst>
+                  <p:par>
+                    <p:cTn id="3" fill="hold">
+                      <p:stCondLst>
+                        <p:cond delay="indefinite"/>
+                      </p:stCondLst>
+                      <p:childTnLst>
+                        <p:par>
+                          <p:cTn id="4" fill="hold">
+                            <p:stCondLst>
+                              <p:cond delay="0"/>
+                            </p:stCondLst>
+                            <p:childTnLst>
+                              <p:par>
+                                <p:cTn id="5" presetID="1" presetClass="entr" presetSubtype="0" fill="hold" nodeType="clickEffect">
+                                  <p:stCondLst>
+                                    <p:cond delay="0"/>
+                                  </p:stCondLst>
+                                  <p:childTnLst>
+                                    <p:set>
+                                      <p:cBhvr>
+                                        <p:cTn id="6" dur="1" fill="hold">
+                                          <p:stCondLst>
+                                            <p:cond delay="0"/>
+                                          </p:stCondLst>
+                                        </p:cTn>
+                                        <p:tgtEl>
+                                          <p:spTgt spid="423939">
+                                            <p:txEl>
+                                              <p:pRg st="1" end="1"/>
+                                            </p:txEl>
+                                          </p:spTgt>
+                                        </p:tgtEl>
+                                        <p:attrNameLst>
+                                          <p:attrName>style.visibility</p:attrName>
+                                        </p:attrNameLst>
+                                      </p:cBhvr>
+                                      <p:to>
+                                        <p:strVal val="visible"/>
+                                      </p:to>
+                                    </p:set>
+                                  </p:childTnLst>
+                                </p:cTn>
+                              </p:par>
+                            </p:childTnLst>
+                          </p:cTn>
+                        </p:par>
+                      </p:childTnLst>
+                    </p:cTn>
+                  </p:par>
+                </p:childTnLst>
+              </p:cTn>
+              <p:prevCondLst>
+                <p:cond evt="onPrev" delay="0">
+                  <p:tgtEl>
+                    <p:sldTgt/>
+                  </p:tgtEl>
+                </p:cond>
+              </p:prevCondLst>
+              <p:nextCondLst>
+                <p:cond evt="onNext" delay="0">
+                  <p:tgtEl>
+                    <p:sldTgt/>
+                  </p:tgtEl>
+                </p:cond>
+              </p:nextCondLst>
+            </p:seq>
+          </p:childTnLst>
+        </p:cTn>
+      </p:par>
+    </p:tnLst>
+  </p:timing>
+</p:sld>
+</file>
+
+<file path=ppt/slides/slide20.xml><?xml version="1.0" encoding="utf-8"?>
+<p:sld xmlns:a="http://schemas.openxmlformats.org/drawingml/2006/main" xmlns:r="http://schemas.openxmlformats.org/officeDocument/2006/relationships" xmlns:p="http://schemas.openxmlformats.org/presentationml/2006/main">
+  <p:cSld>
+    <p:spTree>
+      <p:nvGrpSpPr>
+        <p:cNvPr id="1" name=""/>
+        <p:cNvGrpSpPr/>
+        <p:nvPr/>
+      </p:nvGrpSpPr>
+      <p:grpSpPr>
+        <a:xfrm>
+          <a:off x="0" y="0"/>
+          <a:ext cx="0" cy="0"/>
+          <a:chOff x="0" y="0"/>
+          <a:chExt cx="0" cy="0"/>
+        </a:xfrm>
+      </p:grpSpPr>
+      <p:sp>
+        <p:nvSpPr>
           <p:cNvPr id="5" name="Content Placeholder 4"/>
           <p:cNvSpPr>
             <a:spLocks noGrp="1"/>
@@ -10857,7 +12498,7 @@
                 </a:solidFill>
               </a:rPr>
               <a:pPr/>
-              <a:t>15</a:t>
+              <a:t>20</a:t>
             </a:fld>
             <a:endParaRPr lang="en-US" dirty="0">
               <a:solidFill>
@@ -11201,7 +12842,7 @@
 </p:sld>
 </file>
 
-<file path=ppt/slides/slide16.xml><?xml version="1.0" encoding="utf-8"?>
+<file path=ppt/slides/slide21.xml><?xml version="1.0" encoding="utf-8"?>
 <p:sld xmlns:a="http://schemas.openxmlformats.org/drawingml/2006/main" xmlns:r="http://schemas.openxmlformats.org/officeDocument/2006/relationships" xmlns:p="http://schemas.openxmlformats.org/presentationml/2006/main">
   <p:cSld>
     <p:spTree>
@@ -11422,7 +13063,7 @@
 </p:sld>
 </file>
 
-<file path=ppt/slides/slide17.xml><?xml version="1.0" encoding="utf-8"?>
+<file path=ppt/slides/slide22.xml><?xml version="1.0" encoding="utf-8"?>
 <p:sld xmlns:a="http://schemas.openxmlformats.org/drawingml/2006/main" xmlns:r="http://schemas.openxmlformats.org/officeDocument/2006/relationships" xmlns:p="http://schemas.openxmlformats.org/presentationml/2006/main">
   <p:cSld>
     <p:spTree>
@@ -11873,7 +13514,7 @@
                 </a:solidFill>
               </a:rPr>
               <a:pPr/>
-              <a:t>17</a:t>
+              <a:t>22</a:t>
             </a:fld>
             <a:endParaRPr lang="en-US" dirty="0">
               <a:solidFill>
@@ -11895,233 +13536,6 @@
   <p:clrMapOvr>
     <a:masterClrMapping/>
   </p:clrMapOvr>
-</p:sld>
-</file>
-
-<file path=ppt/slides/slide2.xml><?xml version="1.0" encoding="utf-8"?>
-<p:sld xmlns:a="http://schemas.openxmlformats.org/drawingml/2006/main" xmlns:r="http://schemas.openxmlformats.org/officeDocument/2006/relationships" xmlns:p="http://schemas.openxmlformats.org/presentationml/2006/main">
-  <p:cSld>
-    <p:spTree>
-      <p:nvGrpSpPr>
-        <p:cNvPr id="1" name=""/>
-        <p:cNvGrpSpPr/>
-        <p:nvPr/>
-      </p:nvGrpSpPr>
-      <p:grpSpPr>
-        <a:xfrm>
-          <a:off x="0" y="0"/>
-          <a:ext cx="0" cy="0"/>
-          <a:chOff x="0" y="0"/>
-          <a:chExt cx="0" cy="0"/>
-        </a:xfrm>
-      </p:grpSpPr>
-      <p:sp>
-        <p:nvSpPr>
-          <p:cNvPr id="423939" name="Rectangle 3"/>
-          <p:cNvSpPr>
-            <a:spLocks noGrp="1" noChangeArrowheads="1"/>
-          </p:cNvSpPr>
-          <p:nvPr>
-            <p:ph idx="1"/>
-          </p:nvPr>
-        </p:nvSpPr>
-        <p:spPr/>
-        <p:txBody>
-          <a:bodyPr/>
-          <a:lstStyle/>
-          <a:p>
-            <a:pPr marL="447675" indent="-447675">
-              <a:buFont typeface="+mj-lt"/>
-              <a:buAutoNum type="arabicPeriod"/>
-            </a:pPr>
-            <a:r>
-              <a:rPr lang="bg-BG" dirty="0"/>
-              <a:t>Как работят компютрите? Променливи. Типове данни</a:t>
-            </a:r>
-          </a:p>
-          <a:p>
-            <a:pPr marL="447675" indent="-447675">
-              <a:buFont typeface="+mj-lt"/>
-              <a:buAutoNum type="arabicPeriod"/>
-            </a:pPr>
-            <a:r>
-              <a:rPr lang="bg-BG" dirty="0"/>
-              <a:t>Целочислени типове данни</a:t>
-            </a:r>
-          </a:p>
-        </p:txBody>
-      </p:sp>
-      <p:sp>
-        <p:nvSpPr>
-          <p:cNvPr id="423938" name="Rectangle 2"/>
-          <p:cNvSpPr>
-            <a:spLocks noGrp="1" noChangeArrowheads="1"/>
-          </p:cNvSpPr>
-          <p:nvPr>
-            <p:ph type="title"/>
-          </p:nvPr>
-        </p:nvSpPr>
-        <p:spPr/>
-        <p:txBody>
-          <a:bodyPr/>
-          <a:lstStyle/>
-          <a:p>
-            <a:r>
-              <a:rPr lang="bg-BG" dirty="0"/>
-              <a:t>Съдържание</a:t>
-            </a:r>
-          </a:p>
-        </p:txBody>
-      </p:sp>
-      <p:sp>
-        <p:nvSpPr>
-          <p:cNvPr id="5" name="Slide Number Placeholder">
-            <a:extLst>
-              <a:ext uri="{FF2B5EF4-FFF2-40B4-BE49-F238E27FC236}">
-                <a16:creationId xmlns:a16="http://schemas.microsoft.com/office/drawing/2014/main" id="{854331A6-6D02-4620-82EF-BDC3E772EA4D}"/>
-              </a:ext>
-            </a:extLst>
-          </p:cNvPr>
-          <p:cNvSpPr>
-            <a:spLocks noGrp="1"/>
-          </p:cNvSpPr>
-          <p:nvPr>
-            <p:ph type="sldNum" sz="quarter" idx="4"/>
-          </p:nvPr>
-        </p:nvSpPr>
-        <p:spPr>
-          <a:xfrm>
-            <a:off x="11566412" y="6525002"/>
-            <a:ext cx="428822" cy="196477"/>
-          </a:xfrm>
-          <a:prstGeom prst="rect">
-            <a:avLst/>
-          </a:prstGeom>
-        </p:spPr>
-        <p:txBody>
-          <a:bodyPr vert="horz" lIns="36000" tIns="36000" rIns="36000" bIns="36000" rtlCol="0" anchor="ctr"/>
-          <a:lstStyle>
-            <a:lvl1pPr algn="r">
-              <a:defRPr sz="1000">
-                <a:solidFill>
-                  <a:schemeClr val="tx1">
-                    <a:tint val="75000"/>
-                  </a:schemeClr>
-                </a:solidFill>
-              </a:defRPr>
-            </a:lvl1pPr>
-          </a:lstStyle>
-          <a:p>
-            <a:fld id="{C014DD1E-5D91-48A3-AD6D-45FBA980D106}" type="slidenum">
-              <a:rPr lang="en-US" smtClean="0">
-                <a:solidFill>
-                  <a:prstClr val="white">
-                    <a:tint val="75000"/>
-                  </a:prstClr>
-                </a:solidFill>
-              </a:rPr>
-              <a:pPr/>
-              <a:t>2</a:t>
-            </a:fld>
-            <a:endParaRPr lang="en-US" dirty="0">
-              <a:solidFill>
-                <a:prstClr val="white">
-                  <a:tint val="75000"/>
-                </a:prstClr>
-              </a:solidFill>
-            </a:endParaRPr>
-          </a:p>
-        </p:txBody>
-      </p:sp>
-    </p:spTree>
-    <p:extLst>
-      <p:ext uri="{BB962C8B-B14F-4D97-AF65-F5344CB8AC3E}">
-        <p14:creationId xmlns:p14="http://schemas.microsoft.com/office/powerpoint/2010/main" val="1599118889"/>
-      </p:ext>
-    </p:extLst>
-  </p:cSld>
-  <p:clrMapOvr>
-    <a:masterClrMapping/>
-  </p:clrMapOvr>
-  <p:timing>
-    <p:tnLst>
-      <p:par>
-        <p:cTn id="1" dur="indefinite" restart="never" nodeType="tmRoot">
-          <p:childTnLst>
-            <p:seq concurrent="1" nextAc="seek">
-              <p:cTn id="2" dur="indefinite" nodeType="mainSeq">
-                <p:childTnLst>
-                  <p:par>
-                    <p:cTn id="3" fill="hold">
-                      <p:stCondLst>
-                        <p:cond delay="indefinite"/>
-                      </p:stCondLst>
-                      <p:childTnLst>
-                        <p:par>
-                          <p:cTn id="4" fill="hold">
-                            <p:stCondLst>
-                              <p:cond delay="0"/>
-                            </p:stCondLst>
-                            <p:childTnLst>
-                              <p:par>
-                                <p:cTn id="5" presetID="1" presetClass="entr" presetSubtype="0" fill="hold" nodeType="clickEffect">
-                                  <p:stCondLst>
-                                    <p:cond delay="0"/>
-                                  </p:stCondLst>
-                                  <p:childTnLst>
-                                    <p:set>
-                                      <p:cBhvr>
-                                        <p:cTn id="6" dur="1" fill="hold">
-                                          <p:stCondLst>
-                                            <p:cond delay="0"/>
-                                          </p:stCondLst>
-                                        </p:cTn>
-                                        <p:tgtEl>
-                                          <p:spTgt spid="423939">
-                                            <p:txEl>
-                                              <p:pRg st="1" end="1"/>
-                                            </p:txEl>
-                                          </p:spTgt>
-                                        </p:tgtEl>
-                                        <p:attrNameLst>
-                                          <p:attrName>style.visibility</p:attrName>
-                                        </p:attrNameLst>
-                                      </p:cBhvr>
-                                      <p:to>
-                                        <p:strVal val="visible"/>
-                                      </p:to>
-                                    </p:set>
-                                  </p:childTnLst>
-                                </p:cTn>
-                              </p:par>
-                            </p:childTnLst>
-                          </p:cTn>
-                        </p:par>
-                      </p:childTnLst>
-                    </p:cTn>
-                  </p:par>
-                </p:childTnLst>
-              </p:cTn>
-              <p:prevCondLst>
-                <p:cond evt="onPrev" delay="0">
-                  <p:tgtEl>
-                    <p:sldTgt/>
-                  </p:tgtEl>
-                </p:cond>
-              </p:prevCondLst>
-              <p:nextCondLst>
-                <p:cond evt="onNext" delay="0">
-                  <p:tgtEl>
-                    <p:sldTgt/>
-                  </p:tgtEl>
-                </p:cond>
-              </p:nextCondLst>
-            </p:seq>
-          </p:childTnLst>
-        </p:cTn>
-      </p:par>
-    </p:tnLst>
-  </p:timing>
 </p:sld>
 </file>
 
